--- a/img/openset.pptx
+++ b/img/openset.pptx
@@ -6,7 +6,8 @@
   </p:sldMasterIdLst>
   <p:sldIdLst>
     <p:sldId id="257" r:id="rId2"/>
-    <p:sldId id="256" r:id="rId3"/>
+    <p:sldId id="258" r:id="rId3"/>
+    <p:sldId id="256" r:id="rId4"/>
   </p:sldIdLst>
   <p:sldSz cx="5761038" cy="5400675"/>
   <p:notesSz cx="6858000" cy="9144000"/>
@@ -289,7 +290,7 @@
           <a:p>
             <a:fld id="{1BA50D42-C9CD-4801-B293-61D1F53EC57E}" type="datetimeFigureOut">
               <a:rPr lang="de-DE" smtClean="0"/>
-              <a:t>05.09.2017</a:t>
+              <a:t>06.09.2017</a:t>
             </a:fld>
             <a:endParaRPr lang="de-DE"/>
           </a:p>
@@ -454,7 +455,7 @@
           <a:p>
             <a:fld id="{1BA50D42-C9CD-4801-B293-61D1F53EC57E}" type="datetimeFigureOut">
               <a:rPr lang="de-DE" smtClean="0"/>
-              <a:t>05.09.2017</a:t>
+              <a:t>06.09.2017</a:t>
             </a:fld>
             <a:endParaRPr lang="de-DE"/>
           </a:p>
@@ -629,7 +630,7 @@
           <a:p>
             <a:fld id="{1BA50D42-C9CD-4801-B293-61D1F53EC57E}" type="datetimeFigureOut">
               <a:rPr lang="de-DE" smtClean="0"/>
-              <a:t>05.09.2017</a:t>
+              <a:t>06.09.2017</a:t>
             </a:fld>
             <a:endParaRPr lang="de-DE"/>
           </a:p>
@@ -794,7 +795,7 @@
           <a:p>
             <a:fld id="{1BA50D42-C9CD-4801-B293-61D1F53EC57E}" type="datetimeFigureOut">
               <a:rPr lang="de-DE" smtClean="0"/>
-              <a:t>05.09.2017</a:t>
+              <a:t>06.09.2017</a:t>
             </a:fld>
             <a:endParaRPr lang="de-DE"/>
           </a:p>
@@ -1035,7 +1036,7 @@
           <a:p>
             <a:fld id="{1BA50D42-C9CD-4801-B293-61D1F53EC57E}" type="datetimeFigureOut">
               <a:rPr lang="de-DE" smtClean="0"/>
-              <a:t>05.09.2017</a:t>
+              <a:t>06.09.2017</a:t>
             </a:fld>
             <a:endParaRPr lang="de-DE"/>
           </a:p>
@@ -1318,7 +1319,7 @@
           <a:p>
             <a:fld id="{1BA50D42-C9CD-4801-B293-61D1F53EC57E}" type="datetimeFigureOut">
               <a:rPr lang="de-DE" smtClean="0"/>
-              <a:t>05.09.2017</a:t>
+              <a:t>06.09.2017</a:t>
             </a:fld>
             <a:endParaRPr lang="de-DE"/>
           </a:p>
@@ -1735,7 +1736,7 @@
           <a:p>
             <a:fld id="{1BA50D42-C9CD-4801-B293-61D1F53EC57E}" type="datetimeFigureOut">
               <a:rPr lang="de-DE" smtClean="0"/>
-              <a:t>05.09.2017</a:t>
+              <a:t>06.09.2017</a:t>
             </a:fld>
             <a:endParaRPr lang="de-DE"/>
           </a:p>
@@ -1848,7 +1849,7 @@
           <a:p>
             <a:fld id="{1BA50D42-C9CD-4801-B293-61D1F53EC57E}" type="datetimeFigureOut">
               <a:rPr lang="de-DE" smtClean="0"/>
-              <a:t>05.09.2017</a:t>
+              <a:t>06.09.2017</a:t>
             </a:fld>
             <a:endParaRPr lang="de-DE"/>
           </a:p>
@@ -1938,7 +1939,7 @@
           <a:p>
             <a:fld id="{1BA50D42-C9CD-4801-B293-61D1F53EC57E}" type="datetimeFigureOut">
               <a:rPr lang="de-DE" smtClean="0"/>
-              <a:t>05.09.2017</a:t>
+              <a:t>06.09.2017</a:t>
             </a:fld>
             <a:endParaRPr lang="de-DE"/>
           </a:p>
@@ -2210,7 +2211,7 @@
           <a:p>
             <a:fld id="{1BA50D42-C9CD-4801-B293-61D1F53EC57E}" type="datetimeFigureOut">
               <a:rPr lang="de-DE" smtClean="0"/>
-              <a:t>05.09.2017</a:t>
+              <a:t>06.09.2017</a:t>
             </a:fld>
             <a:endParaRPr lang="de-DE"/>
           </a:p>
@@ -2458,7 +2459,7 @@
           <a:p>
             <a:fld id="{1BA50D42-C9CD-4801-B293-61D1F53EC57E}" type="datetimeFigureOut">
               <a:rPr lang="de-DE" smtClean="0"/>
-              <a:t>05.09.2017</a:t>
+              <a:t>06.09.2017</a:t>
             </a:fld>
             <a:endParaRPr lang="de-DE"/>
           </a:p>
@@ -2666,7 +2667,7 @@
           <a:p>
             <a:fld id="{1BA50D42-C9CD-4801-B293-61D1F53EC57E}" type="datetimeFigureOut">
               <a:rPr lang="de-DE" smtClean="0"/>
-              <a:t>05.09.2017</a:t>
+              <a:t>06.09.2017</a:t>
             </a:fld>
             <a:endParaRPr lang="de-DE"/>
           </a:p>
@@ -3036,27 +3037,177 @@
           <a:chExt cx="0" cy="0"/>
         </a:xfrm>
       </p:grpSpPr>
-      <p:sp>
-        <p:nvSpPr>
-          <p:cNvPr id="4" name="Rechteck 3"/>
-          <p:cNvSpPr/>
-          <p:nvPr/>
-        </p:nvSpPr>
-        <p:spPr>
-          <a:xfrm>
-            <a:off x="216223" y="56359"/>
-            <a:ext cx="647934" cy="560810"/>
+      <p:pic>
+        <p:nvPicPr>
+          <p:cNvPr id="1061" name="Picture 37"/>
+          <p:cNvPicPr>
+            <a:picLocks noChangeAspect="1" noChangeArrowheads="1"/>
+          </p:cNvPicPr>
+          <p:nvPr/>
+        </p:nvPicPr>
+        <p:blipFill>
+          <a:blip r:embed="rId2" cstate="print">
+            <a:extLst>
+              <a:ext uri="{28A0092B-C50C-407E-A947-70E740481C1C}">
+                <a14:useLocalDpi xmlns:a14="http://schemas.microsoft.com/office/drawing/2010/main" val="0"/>
+              </a:ext>
+            </a:extLst>
+          </a:blip>
+          <a:srcRect/>
+          <a:stretch>
+            <a:fillRect/>
+          </a:stretch>
+        </p:blipFill>
+        <p:spPr bwMode="auto">
+          <a:xfrm>
+            <a:off x="2790515" y="2435321"/>
+            <a:ext cx="358965" cy="319834"/>
           </a:xfrm>
           <a:prstGeom prst="rect">
             <a:avLst/>
           </a:prstGeom>
-          <a:solidFill>
-            <a:schemeClr val="bg1">
-              <a:lumMod val="50000"/>
-            </a:schemeClr>
-          </a:solidFill>
+          <a:noFill/>
           <a:ln>
             <a:noFill/>
+          </a:ln>
+          <a:effectLst/>
+          <a:extLst>
+            <a:ext uri="{909E8E84-426E-40DD-AFC4-6F175D3DCCD1}">
+              <a14:hiddenFill xmlns:a14="http://schemas.microsoft.com/office/drawing/2010/main">
+                <a:solidFill>
+                  <a:schemeClr val="accent1"/>
+                </a:solidFill>
+              </a14:hiddenFill>
+            </a:ext>
+            <a:ext uri="{91240B29-F687-4F45-9708-019B960494DF}">
+              <a14:hiddenLine xmlns:a14="http://schemas.microsoft.com/office/drawing/2010/main" w="9525">
+                <a:solidFill>
+                  <a:schemeClr val="tx1"/>
+                </a:solidFill>
+                <a:miter lim="800000"/>
+                <a:headEnd/>
+                <a:tailEnd/>
+              </a14:hiddenLine>
+            </a:ext>
+            <a:ext uri="{AF507438-7753-43E0-B8FC-AC1667EBCBE1}">
+              <a14:hiddenEffects xmlns:a14="http://schemas.microsoft.com/office/drawing/2010/main">
+                <a:effectLst>
+                  <a:outerShdw dist="35921" dir="2700000" algn="ctr" rotWithShape="0">
+                    <a:schemeClr val="bg2"/>
+                  </a:outerShdw>
+                </a:effectLst>
+              </a14:hiddenEffects>
+            </a:ext>
+          </a:extLst>
+        </p:spPr>
+      </p:pic>
+      <p:sp>
+        <p:nvSpPr>
+          <p:cNvPr id="7" name="Textfeld 6"/>
+          <p:cNvSpPr txBox="1"/>
+          <p:nvPr/>
+        </p:nvSpPr>
+        <p:spPr>
+          <a:xfrm rot="16200000">
+            <a:off x="-679723" y="653799"/>
+            <a:ext cx="1497560" cy="230832"/>
+          </a:xfrm>
+          <a:prstGeom prst="rect">
+            <a:avLst/>
+          </a:prstGeom>
+          <a:noFill/>
+        </p:spPr>
+        <p:txBody>
+          <a:bodyPr wrap="square" rtlCol="0">
+            <a:spAutoFit/>
+          </a:bodyPr>
+          <a:lstStyle/>
+          <a:p>
+            <a:pPr algn="ctr"/>
+            <a:r>
+              <a:rPr lang="de-DE" dirty="0" err="1" smtClean="0">
+                <a:latin typeface="cmr10" panose="020B0500000000000000" pitchFamily="34" charset="0"/>
+              </a:rPr>
+              <a:t>closed</a:t>
+            </a:r>
+            <a:r>
+              <a:rPr lang="de-DE" dirty="0" smtClean="0">
+                <a:latin typeface="cmr10" panose="020B0500000000000000" pitchFamily="34" charset="0"/>
+              </a:rPr>
+              <a:t> </a:t>
+            </a:r>
+            <a:r>
+              <a:rPr lang="de-DE" dirty="0" err="1" smtClean="0">
+                <a:latin typeface="cmr10" panose="020B0500000000000000" pitchFamily="34" charset="0"/>
+              </a:rPr>
+              <a:t>set</a:t>
+            </a:r>
+            <a:endParaRPr lang="de-DE" dirty="0">
+              <a:latin typeface="cmr10" panose="020B0500000000000000" pitchFamily="34" charset="0"/>
+            </a:endParaRPr>
+          </a:p>
+        </p:txBody>
+      </p:sp>
+      <p:sp>
+        <p:nvSpPr>
+          <p:cNvPr id="37" name="Textfeld 36"/>
+          <p:cNvSpPr txBox="1"/>
+          <p:nvPr/>
+        </p:nvSpPr>
+        <p:spPr>
+          <a:xfrm rot="16200000">
+            <a:off x="-679627" y="2165009"/>
+            <a:ext cx="1497367" cy="230832"/>
+          </a:xfrm>
+          <a:prstGeom prst="rect">
+            <a:avLst/>
+          </a:prstGeom>
+          <a:noFill/>
+        </p:spPr>
+        <p:txBody>
+          <a:bodyPr wrap="square" rtlCol="0">
+            <a:spAutoFit/>
+          </a:bodyPr>
+          <a:lstStyle/>
+          <a:p>
+            <a:pPr algn="ctr"/>
+            <a:r>
+              <a:rPr lang="de-DE" dirty="0" smtClean="0">
+                <a:latin typeface="cmr10" panose="020B0500000000000000" pitchFamily="34" charset="0"/>
+              </a:rPr>
+              <a:t>open </a:t>
+            </a:r>
+            <a:r>
+              <a:rPr lang="de-DE" dirty="0" err="1" smtClean="0">
+                <a:latin typeface="cmr10" panose="020B0500000000000000" pitchFamily="34" charset="0"/>
+              </a:rPr>
+              <a:t>set</a:t>
+            </a:r>
+            <a:endParaRPr lang="de-DE" dirty="0">
+              <a:latin typeface="cmr10" panose="020B0500000000000000" pitchFamily="34" charset="0"/>
+            </a:endParaRPr>
+          </a:p>
+        </p:txBody>
+      </p:sp>
+      <p:sp>
+        <p:nvSpPr>
+          <p:cNvPr id="12" name="Abgerundetes Rechteck 11"/>
+          <p:cNvSpPr/>
+          <p:nvPr/>
+        </p:nvSpPr>
+        <p:spPr>
+          <a:xfrm>
+            <a:off x="1292425" y="20435"/>
+            <a:ext cx="983942" cy="539584"/>
+          </a:xfrm>
+          <a:prstGeom prst="roundRect">
+            <a:avLst/>
+          </a:prstGeom>
+          <a:noFill/>
+          <a:ln>
+            <a:solidFill>
+              <a:schemeClr val="tx1"/>
+            </a:solidFill>
           </a:ln>
         </p:spPr>
         <p:style>
@@ -3080,51 +3231,91 @@
           <a:lstStyle/>
           <a:p>
             <a:pPr algn="ctr"/>
-            <a:endParaRPr lang="de-DE"/>
-          </a:p>
-        </p:txBody>
-      </p:sp>
-      <p:sp>
-        <p:nvSpPr>
-          <p:cNvPr id="7" name="Textfeld 6"/>
-          <p:cNvSpPr txBox="1"/>
-          <p:nvPr/>
-        </p:nvSpPr>
-        <p:spPr>
-          <a:xfrm rot="16200000">
-            <a:off x="-281511" y="541441"/>
-            <a:ext cx="665567" cy="230832"/>
-          </a:xfrm>
-          <a:prstGeom prst="rect">
-            <a:avLst/>
-          </a:prstGeom>
-          <a:noFill/>
-        </p:spPr>
-        <p:txBody>
-          <a:bodyPr wrap="none" rtlCol="0">
-            <a:spAutoFit/>
-          </a:bodyPr>
-          <a:lstStyle/>
-          <a:p>
             <a:r>
               <a:rPr lang="de-DE" dirty="0" err="1" smtClean="0">
-                <a:latin typeface="cmr10" panose="020B0500000000000000" pitchFamily="34" charset="0"/>
-              </a:rPr>
-              <a:t>closed</a:t>
+                <a:solidFill>
+                  <a:sysClr val="windowText" lastClr="000000"/>
+                </a:solidFill>
+                <a:latin typeface="cmr10" panose="020B0500000000000000" pitchFamily="34" charset="0"/>
+              </a:rPr>
+              <a:t>Detection</a:t>
             </a:r>
             <a:r>
               <a:rPr lang="de-DE" dirty="0" smtClean="0">
-                <a:latin typeface="cmr10" panose="020B0500000000000000" pitchFamily="34" charset="0"/>
-              </a:rPr>
-              <a:t> </a:t>
+                <a:solidFill>
+                  <a:sysClr val="windowText" lastClr="000000"/>
+                </a:solidFill>
+                <a:latin typeface="cmr10" panose="020B0500000000000000" pitchFamily="34" charset="0"/>
+              </a:rPr>
+              <a:t> + </a:t>
             </a:r>
             <a:r>
               <a:rPr lang="de-DE" dirty="0" err="1" smtClean="0">
-                <a:latin typeface="cmr10" panose="020B0500000000000000" pitchFamily="34" charset="0"/>
-              </a:rPr>
-              <a:t>set</a:t>
-            </a:r>
-            <a:endParaRPr lang="de-DE" dirty="0">
+                <a:solidFill>
+                  <a:sysClr val="windowText" lastClr="000000"/>
+                </a:solidFill>
+                <a:latin typeface="cmr10" panose="020B0500000000000000" pitchFamily="34" charset="0"/>
+              </a:rPr>
+              <a:t>Classification</a:t>
+            </a:r>
+            <a:r>
+              <a:rPr lang="de-DE" dirty="0" smtClean="0">
+                <a:solidFill>
+                  <a:sysClr val="windowText" lastClr="000000"/>
+                </a:solidFill>
+                <a:latin typeface="cmr10" panose="020B0500000000000000" pitchFamily="34" charset="0"/>
+              </a:rPr>
+              <a:t>     </a:t>
+            </a:r>
+            <a:r>
+              <a:rPr lang="de-DE" sz="700" dirty="0" smtClean="0">
+                <a:solidFill>
+                  <a:sysClr val="windowText" lastClr="000000"/>
+                </a:solidFill>
+                <a:latin typeface="cmr10" panose="020B0500000000000000" pitchFamily="34" charset="0"/>
+              </a:rPr>
+              <a:t>(e.g. </a:t>
+            </a:r>
+            <a:r>
+              <a:rPr lang="de-DE" sz="700" dirty="0" err="1" smtClean="0">
+                <a:solidFill>
+                  <a:sysClr val="windowText" lastClr="000000"/>
+                </a:solidFill>
+                <a:latin typeface="cmr10" panose="020B0500000000000000" pitchFamily="34" charset="0"/>
+              </a:rPr>
+              <a:t>Yolo</a:t>
+            </a:r>
+            <a:r>
+              <a:rPr lang="de-DE" sz="700" dirty="0" smtClean="0">
+                <a:solidFill>
+                  <a:sysClr val="windowText" lastClr="000000"/>
+                </a:solidFill>
+                <a:latin typeface="cmr10" panose="020B0500000000000000" pitchFamily="34" charset="0"/>
+              </a:rPr>
+              <a:t>, SSD, </a:t>
+            </a:r>
+            <a:r>
+              <a:rPr lang="de-DE" sz="700" dirty="0" err="1" smtClean="0">
+                <a:solidFill>
+                  <a:sysClr val="windowText" lastClr="000000"/>
+                </a:solidFill>
+                <a:latin typeface="cmr10" panose="020B0500000000000000" pitchFamily="34" charset="0"/>
+              </a:rPr>
+              <a:t>Faster</a:t>
+            </a:r>
+            <a:r>
+              <a:rPr lang="de-DE" sz="700" dirty="0" smtClean="0">
+                <a:solidFill>
+                  <a:sysClr val="windowText" lastClr="000000"/>
+                </a:solidFill>
+                <a:latin typeface="cmr10" panose="020B0500000000000000" pitchFamily="34" charset="0"/>
+              </a:rPr>
+              <a:t> R-CNN)</a:t>
+            </a:r>
+            <a:endParaRPr lang="de-DE" sz="700" dirty="0">
+              <a:solidFill>
+                <a:sysClr val="windowText" lastClr="000000"/>
+              </a:solidFill>
               <a:latin typeface="cmr10" panose="020B0500000000000000" pitchFamily="34" charset="0"/>
             </a:endParaRPr>
           </a:p>
@@ -3132,54 +3323,14 @@
       </p:sp>
       <p:sp>
         <p:nvSpPr>
-          <p:cNvPr id="37" name="Textfeld 36"/>
-          <p:cNvSpPr txBox="1"/>
-          <p:nvPr/>
-        </p:nvSpPr>
-        <p:spPr>
-          <a:xfrm rot="16200000">
-            <a:off x="-249449" y="2284197"/>
-            <a:ext cx="601447" cy="230832"/>
-          </a:xfrm>
-          <a:prstGeom prst="rect">
-            <a:avLst/>
-          </a:prstGeom>
-          <a:noFill/>
-        </p:spPr>
-        <p:txBody>
-          <a:bodyPr wrap="none" rtlCol="0">
-            <a:spAutoFit/>
-          </a:bodyPr>
-          <a:lstStyle/>
-          <a:p>
-            <a:r>
-              <a:rPr lang="de-DE" dirty="0" smtClean="0">
-                <a:latin typeface="cmr10" panose="020B0500000000000000" pitchFamily="34" charset="0"/>
-              </a:rPr>
-              <a:t>open </a:t>
-            </a:r>
-            <a:r>
-              <a:rPr lang="de-DE" dirty="0" err="1" smtClean="0">
-                <a:latin typeface="cmr10" panose="020B0500000000000000" pitchFamily="34" charset="0"/>
-              </a:rPr>
-              <a:t>set</a:t>
-            </a:r>
-            <a:endParaRPr lang="de-DE" dirty="0">
-              <a:latin typeface="cmr10" panose="020B0500000000000000" pitchFamily="34" charset="0"/>
-            </a:endParaRPr>
-          </a:p>
-        </p:txBody>
-      </p:sp>
-      <p:sp>
-        <p:nvSpPr>
-          <p:cNvPr id="12" name="Abgerundetes Rechteck 11"/>
+          <p:cNvPr id="45" name="Abgerundetes Rechteck 44"/>
           <p:cNvSpPr/>
           <p:nvPr/>
         </p:nvSpPr>
         <p:spPr>
           <a:xfrm>
-            <a:off x="1111297" y="77585"/>
-            <a:ext cx="983942" cy="539584"/>
+            <a:off x="3652877" y="1622737"/>
+            <a:ext cx="1000284" cy="458488"/>
           </a:xfrm>
           <a:prstGeom prst="roundRect">
             <a:avLst/>
@@ -3219,7 +3370,7 @@
                 </a:solidFill>
                 <a:latin typeface="cmr10" panose="020B0500000000000000" pitchFamily="34" charset="0"/>
               </a:rPr>
-              <a:t>Detection</a:t>
+              <a:t>Comparison</a:t>
             </a:r>
             <a:r>
               <a:rPr lang="de-DE" dirty="0" smtClean="0">
@@ -3228,25 +3379,25 @@
                 </a:solidFill>
                 <a:latin typeface="cmr10" panose="020B0500000000000000" pitchFamily="34" charset="0"/>
               </a:rPr>
-              <a:t> + </a:t>
-            </a:r>
-            <a:r>
-              <a:rPr lang="de-DE" dirty="0" err="1" smtClean="0">
+              <a:t> </a:t>
+            </a:r>
+            <a:r>
+              <a:rPr lang="de-DE" sz="700" dirty="0" smtClean="0">
                 <a:solidFill>
                   <a:sysClr val="windowText" lastClr="000000"/>
                 </a:solidFill>
                 <a:latin typeface="cmr10" panose="020B0500000000000000" pitchFamily="34" charset="0"/>
               </a:rPr>
-              <a:t>Classification</a:t>
-            </a:r>
-            <a:r>
-              <a:rPr lang="de-DE" dirty="0" smtClean="0">
+              <a:t>(e.g. VGG, </a:t>
+            </a:r>
+            <a:r>
+              <a:rPr lang="de-DE" sz="700" dirty="0" err="1" smtClean="0">
                 <a:solidFill>
                   <a:sysClr val="windowText" lastClr="000000"/>
                 </a:solidFill>
                 <a:latin typeface="cmr10" panose="020B0500000000000000" pitchFamily="34" charset="0"/>
               </a:rPr>
-              <a:t>     </a:t>
+              <a:t>ResNet</a:t>
             </a:r>
             <a:r>
               <a:rPr lang="de-DE" sz="700" dirty="0" smtClean="0">
@@ -3255,7 +3406,7 @@
                 </a:solidFill>
                 <a:latin typeface="cmr10" panose="020B0500000000000000" pitchFamily="34" charset="0"/>
               </a:rPr>
-              <a:t>(e.g. </a:t>
+              <a:t>, </a:t>
             </a:r>
             <a:r>
               <a:rPr lang="de-DE" sz="700" dirty="0" err="1" smtClean="0">
@@ -3264,7 +3415,7 @@
                 </a:solidFill>
                 <a:latin typeface="cmr10" panose="020B0500000000000000" pitchFamily="34" charset="0"/>
               </a:rPr>
-              <a:t>Yolo</a:t>
+              <a:t>DenseNet</a:t>
             </a:r>
             <a:r>
               <a:rPr lang="de-DE" sz="700" dirty="0" smtClean="0">
@@ -3273,25 +3424,7 @@
                 </a:solidFill>
                 <a:latin typeface="cmr10" panose="020B0500000000000000" pitchFamily="34" charset="0"/>
               </a:rPr>
-              <a:t>, SSD, </a:t>
-            </a:r>
-            <a:r>
-              <a:rPr lang="de-DE" sz="700" dirty="0" err="1" smtClean="0">
-                <a:solidFill>
-                  <a:sysClr val="windowText" lastClr="000000"/>
-                </a:solidFill>
-                <a:latin typeface="cmr10" panose="020B0500000000000000" pitchFamily="34" charset="0"/>
-              </a:rPr>
-              <a:t>Faster</a:t>
-            </a:r>
-            <a:r>
-              <a:rPr lang="de-DE" sz="700" dirty="0" smtClean="0">
-                <a:solidFill>
-                  <a:sysClr val="windowText" lastClr="000000"/>
-                </a:solidFill>
-                <a:latin typeface="cmr10" panose="020B0500000000000000" pitchFamily="34" charset="0"/>
-              </a:rPr>
-              <a:t> R-CNN)</a:t>
+              <a:t>)</a:t>
             </a:r>
             <a:endParaRPr lang="de-DE" sz="700" dirty="0">
               <a:solidFill>
@@ -3302,871 +3435,6 @@
           </a:p>
         </p:txBody>
       </p:sp>
-      <p:sp>
-        <p:nvSpPr>
-          <p:cNvPr id="13" name="Rechteck 12"/>
-          <p:cNvSpPr/>
-          <p:nvPr/>
-        </p:nvSpPr>
-        <p:spPr>
-          <a:xfrm>
-            <a:off x="2386820" y="167358"/>
-            <a:ext cx="288111" cy="124743"/>
-          </a:xfrm>
-          <a:prstGeom prst="rect">
-            <a:avLst/>
-          </a:prstGeom>
-          <a:noFill/>
-          <a:ln w="12700">
-            <a:solidFill>
-              <a:srgbClr val="00B050"/>
-            </a:solidFill>
-          </a:ln>
-        </p:spPr>
-        <p:style>
-          <a:lnRef idx="2">
-            <a:schemeClr val="accent1">
-              <a:shade val="50000"/>
-            </a:schemeClr>
-          </a:lnRef>
-          <a:fillRef idx="1">
-            <a:schemeClr val="accent1"/>
-          </a:fillRef>
-          <a:effectRef idx="0">
-            <a:schemeClr val="accent1"/>
-          </a:effectRef>
-          <a:fontRef idx="minor">
-            <a:schemeClr val="lt1"/>
-          </a:fontRef>
-        </p:style>
-        <p:txBody>
-          <a:bodyPr rtlCol="0" anchor="ctr"/>
-          <a:lstStyle/>
-          <a:p>
-            <a:pPr algn="ctr"/>
-            <a:endParaRPr lang="de-DE"/>
-          </a:p>
-        </p:txBody>
-      </p:sp>
-      <p:sp>
-        <p:nvSpPr>
-          <p:cNvPr id="39" name="Rechteck 38"/>
-          <p:cNvSpPr/>
-          <p:nvPr/>
-        </p:nvSpPr>
-        <p:spPr>
-          <a:xfrm>
-            <a:off x="2907897" y="427359"/>
-            <a:ext cx="288111" cy="124743"/>
-          </a:xfrm>
-          <a:prstGeom prst="rect">
-            <a:avLst/>
-          </a:prstGeom>
-          <a:noFill/>
-          <a:ln w="12700">
-            <a:solidFill>
-              <a:srgbClr val="00B050"/>
-            </a:solidFill>
-          </a:ln>
-        </p:spPr>
-        <p:style>
-          <a:lnRef idx="2">
-            <a:schemeClr val="accent1">
-              <a:shade val="50000"/>
-            </a:schemeClr>
-          </a:lnRef>
-          <a:fillRef idx="1">
-            <a:schemeClr val="accent1"/>
-          </a:fillRef>
-          <a:effectRef idx="0">
-            <a:schemeClr val="accent1"/>
-          </a:effectRef>
-          <a:fontRef idx="minor">
-            <a:schemeClr val="lt1"/>
-          </a:fontRef>
-        </p:style>
-        <p:txBody>
-          <a:bodyPr rtlCol="0" anchor="ctr"/>
-          <a:lstStyle/>
-          <a:p>
-            <a:pPr algn="ctr"/>
-            <a:endParaRPr lang="de-DE"/>
-          </a:p>
-        </p:txBody>
-      </p:sp>
-      <p:sp>
-        <p:nvSpPr>
-          <p:cNvPr id="40" name="Rechteck 39"/>
-          <p:cNvSpPr/>
-          <p:nvPr/>
-        </p:nvSpPr>
-        <p:spPr>
-          <a:xfrm>
-            <a:off x="2386820" y="1844554"/>
-            <a:ext cx="288111" cy="124743"/>
-          </a:xfrm>
-          <a:prstGeom prst="rect">
-            <a:avLst/>
-          </a:prstGeom>
-          <a:noFill/>
-          <a:ln w="12700">
-            <a:solidFill>
-              <a:srgbClr val="00B050"/>
-            </a:solidFill>
-          </a:ln>
-        </p:spPr>
-        <p:style>
-          <a:lnRef idx="2">
-            <a:schemeClr val="accent1">
-              <a:shade val="50000"/>
-            </a:schemeClr>
-          </a:lnRef>
-          <a:fillRef idx="1">
-            <a:schemeClr val="accent1"/>
-          </a:fillRef>
-          <a:effectRef idx="0">
-            <a:schemeClr val="accent1"/>
-          </a:effectRef>
-          <a:fontRef idx="minor">
-            <a:schemeClr val="lt1"/>
-          </a:fontRef>
-        </p:style>
-        <p:txBody>
-          <a:bodyPr rtlCol="0" anchor="ctr"/>
-          <a:lstStyle/>
-          <a:p>
-            <a:pPr algn="ctr"/>
-            <a:endParaRPr lang="de-DE"/>
-          </a:p>
-        </p:txBody>
-      </p:sp>
-      <p:sp>
-        <p:nvSpPr>
-          <p:cNvPr id="41" name="Rechteck 40"/>
-          <p:cNvSpPr/>
-          <p:nvPr/>
-        </p:nvSpPr>
-        <p:spPr>
-          <a:xfrm>
-            <a:off x="2907897" y="2104555"/>
-            <a:ext cx="288111" cy="124743"/>
-          </a:xfrm>
-          <a:prstGeom prst="rect">
-            <a:avLst/>
-          </a:prstGeom>
-          <a:noFill/>
-          <a:ln w="12700">
-            <a:solidFill>
-              <a:srgbClr val="00B050"/>
-            </a:solidFill>
-          </a:ln>
-        </p:spPr>
-        <p:style>
-          <a:lnRef idx="2">
-            <a:schemeClr val="accent1">
-              <a:shade val="50000"/>
-            </a:schemeClr>
-          </a:lnRef>
-          <a:fillRef idx="1">
-            <a:schemeClr val="accent1"/>
-          </a:fillRef>
-          <a:effectRef idx="0">
-            <a:schemeClr val="accent1"/>
-          </a:effectRef>
-          <a:fontRef idx="minor">
-            <a:schemeClr val="lt1"/>
-          </a:fontRef>
-        </p:style>
-        <p:txBody>
-          <a:bodyPr rtlCol="0" anchor="ctr"/>
-          <a:lstStyle/>
-          <a:p>
-            <a:pPr algn="ctr"/>
-            <a:endParaRPr lang="de-DE"/>
-          </a:p>
-        </p:txBody>
-      </p:sp>
-      <p:sp>
-        <p:nvSpPr>
-          <p:cNvPr id="42" name="Rechteck 41"/>
-          <p:cNvSpPr/>
-          <p:nvPr/>
-        </p:nvSpPr>
-        <p:spPr>
-          <a:xfrm>
-            <a:off x="2433415" y="2063976"/>
-            <a:ext cx="288111" cy="124743"/>
-          </a:xfrm>
-          <a:prstGeom prst="rect">
-            <a:avLst/>
-          </a:prstGeom>
-          <a:noFill/>
-          <a:ln w="12700">
-            <a:solidFill>
-              <a:srgbClr val="00B050"/>
-            </a:solidFill>
-          </a:ln>
-        </p:spPr>
-        <p:style>
-          <a:lnRef idx="2">
-            <a:schemeClr val="accent1">
-              <a:shade val="50000"/>
-            </a:schemeClr>
-          </a:lnRef>
-          <a:fillRef idx="1">
-            <a:schemeClr val="accent1"/>
-          </a:fillRef>
-          <a:effectRef idx="0">
-            <a:schemeClr val="accent1"/>
-          </a:effectRef>
-          <a:fontRef idx="minor">
-            <a:schemeClr val="lt1"/>
-          </a:fontRef>
-        </p:style>
-        <p:txBody>
-          <a:bodyPr rtlCol="0" anchor="ctr"/>
-          <a:lstStyle/>
-          <a:p>
-            <a:pPr algn="ctr"/>
-            <a:endParaRPr lang="de-DE"/>
-          </a:p>
-        </p:txBody>
-      </p:sp>
-      <p:sp>
-        <p:nvSpPr>
-          <p:cNvPr id="34" name="Textfeld 33"/>
-          <p:cNvSpPr txBox="1"/>
-          <p:nvPr/>
-        </p:nvSpPr>
-        <p:spPr>
-          <a:xfrm>
-            <a:off x="2335432" y="-9759"/>
-            <a:ext cx="401071" cy="215444"/>
-          </a:xfrm>
-          <a:prstGeom prst="rect">
-            <a:avLst/>
-          </a:prstGeom>
-          <a:noFill/>
-        </p:spPr>
-        <p:txBody>
-          <a:bodyPr wrap="none" rtlCol="0">
-            <a:spAutoFit/>
-          </a:bodyPr>
-          <a:lstStyle/>
-          <a:p>
-            <a:pPr algn="ctr"/>
-            <a:r>
-              <a:rPr lang="de-DE" sz="800" dirty="0" err="1" smtClean="0">
-                <a:solidFill>
-                  <a:srgbClr val="00B050"/>
-                </a:solidFill>
-                <a:latin typeface="cmr10" panose="020B0500000000000000" pitchFamily="34" charset="0"/>
-              </a:rPr>
-              <a:t>bmw</a:t>
-            </a:r>
-            <a:endParaRPr lang="de-DE" sz="800" dirty="0">
-              <a:solidFill>
-                <a:srgbClr val="00B050"/>
-              </a:solidFill>
-              <a:latin typeface="cmr10" panose="020B0500000000000000" pitchFamily="34" charset="0"/>
-            </a:endParaRPr>
-          </a:p>
-        </p:txBody>
-      </p:sp>
-      <p:sp>
-        <p:nvSpPr>
-          <p:cNvPr id="44" name="Textfeld 43"/>
-          <p:cNvSpPr txBox="1"/>
-          <p:nvPr/>
-        </p:nvSpPr>
-        <p:spPr>
-          <a:xfrm>
-            <a:off x="2839488" y="252065"/>
-            <a:ext cx="401071" cy="215444"/>
-          </a:xfrm>
-          <a:prstGeom prst="rect">
-            <a:avLst/>
-          </a:prstGeom>
-          <a:noFill/>
-        </p:spPr>
-        <p:txBody>
-          <a:bodyPr wrap="none" rtlCol="0">
-            <a:spAutoFit/>
-          </a:bodyPr>
-          <a:lstStyle/>
-          <a:p>
-            <a:pPr algn="ctr"/>
-            <a:r>
-              <a:rPr lang="de-DE" sz="800" dirty="0" err="1" smtClean="0">
-                <a:solidFill>
-                  <a:srgbClr val="00B050"/>
-                </a:solidFill>
-                <a:latin typeface="cmr10" panose="020B0500000000000000" pitchFamily="34" charset="0"/>
-              </a:rPr>
-              <a:t>bmw</a:t>
-            </a:r>
-            <a:endParaRPr lang="de-DE" sz="800" dirty="0">
-              <a:solidFill>
-                <a:srgbClr val="00B050"/>
-              </a:solidFill>
-              <a:latin typeface="cmr10" panose="020B0500000000000000" pitchFamily="34" charset="0"/>
-            </a:endParaRPr>
-          </a:p>
-        </p:txBody>
-      </p:sp>
-      <p:sp>
-        <p:nvSpPr>
-          <p:cNvPr id="45" name="Abgerundetes Rechteck 44"/>
-          <p:cNvSpPr/>
-          <p:nvPr/>
-        </p:nvSpPr>
-        <p:spPr>
-          <a:xfrm>
-            <a:off x="3608427" y="2114938"/>
-            <a:ext cx="1000284" cy="545454"/>
-          </a:xfrm>
-          <a:prstGeom prst="roundRect">
-            <a:avLst/>
-          </a:prstGeom>
-          <a:noFill/>
-          <a:ln>
-            <a:solidFill>
-              <a:schemeClr val="tx1"/>
-            </a:solidFill>
-          </a:ln>
-        </p:spPr>
-        <p:style>
-          <a:lnRef idx="2">
-            <a:schemeClr val="accent1">
-              <a:shade val="50000"/>
-            </a:schemeClr>
-          </a:lnRef>
-          <a:fillRef idx="1">
-            <a:schemeClr val="accent1"/>
-          </a:fillRef>
-          <a:effectRef idx="0">
-            <a:schemeClr val="accent1"/>
-          </a:effectRef>
-          <a:fontRef idx="minor">
-            <a:schemeClr val="lt1"/>
-          </a:fontRef>
-        </p:style>
-        <p:txBody>
-          <a:bodyPr rtlCol="0" anchor="ctr"/>
-          <a:lstStyle/>
-          <a:p>
-            <a:pPr algn="ctr"/>
-            <a:r>
-              <a:rPr lang="de-DE" dirty="0" err="1" smtClean="0">
-                <a:solidFill>
-                  <a:sysClr val="windowText" lastClr="000000"/>
-                </a:solidFill>
-                <a:latin typeface="cmr10" panose="020B0500000000000000" pitchFamily="34" charset="0"/>
-              </a:rPr>
-              <a:t>Comparison</a:t>
-            </a:r>
-            <a:r>
-              <a:rPr lang="de-DE" dirty="0" smtClean="0">
-                <a:solidFill>
-                  <a:sysClr val="windowText" lastClr="000000"/>
-                </a:solidFill>
-                <a:latin typeface="cmr10" panose="020B0500000000000000" pitchFamily="34" charset="0"/>
-              </a:rPr>
-              <a:t> </a:t>
-            </a:r>
-            <a:r>
-              <a:rPr lang="de-DE" sz="700" dirty="0" smtClean="0">
-                <a:solidFill>
-                  <a:sysClr val="windowText" lastClr="000000"/>
-                </a:solidFill>
-                <a:latin typeface="cmr10" panose="020B0500000000000000" pitchFamily="34" charset="0"/>
-              </a:rPr>
-              <a:t>(e.g. VGG, </a:t>
-            </a:r>
-            <a:r>
-              <a:rPr lang="de-DE" sz="700" dirty="0" err="1" smtClean="0">
-                <a:solidFill>
-                  <a:sysClr val="windowText" lastClr="000000"/>
-                </a:solidFill>
-                <a:latin typeface="cmr10" panose="020B0500000000000000" pitchFamily="34" charset="0"/>
-              </a:rPr>
-              <a:t>ResNet</a:t>
-            </a:r>
-            <a:r>
-              <a:rPr lang="de-DE" sz="700" dirty="0" smtClean="0">
-                <a:solidFill>
-                  <a:sysClr val="windowText" lastClr="000000"/>
-                </a:solidFill>
-                <a:latin typeface="cmr10" panose="020B0500000000000000" pitchFamily="34" charset="0"/>
-              </a:rPr>
-              <a:t>, </a:t>
-            </a:r>
-            <a:r>
-              <a:rPr lang="de-DE" sz="700" dirty="0" err="1" smtClean="0">
-                <a:solidFill>
-                  <a:sysClr val="windowText" lastClr="000000"/>
-                </a:solidFill>
-                <a:latin typeface="cmr10" panose="020B0500000000000000" pitchFamily="34" charset="0"/>
-              </a:rPr>
-              <a:t>DenseNet</a:t>
-            </a:r>
-            <a:r>
-              <a:rPr lang="de-DE" sz="700" dirty="0" smtClean="0">
-                <a:solidFill>
-                  <a:sysClr val="windowText" lastClr="000000"/>
-                </a:solidFill>
-                <a:latin typeface="cmr10" panose="020B0500000000000000" pitchFamily="34" charset="0"/>
-              </a:rPr>
-              <a:t>)</a:t>
-            </a:r>
-            <a:endParaRPr lang="de-DE" sz="700" dirty="0">
-              <a:solidFill>
-                <a:sysClr val="windowText" lastClr="000000"/>
-              </a:solidFill>
-              <a:latin typeface="cmr10" panose="020B0500000000000000" pitchFamily="34" charset="0"/>
-            </a:endParaRPr>
-          </a:p>
-        </p:txBody>
-      </p:sp>
-      <p:sp>
-        <p:nvSpPr>
-          <p:cNvPr id="46" name="Textfeld 45"/>
-          <p:cNvSpPr txBox="1"/>
-          <p:nvPr/>
-        </p:nvSpPr>
-        <p:spPr>
-          <a:xfrm>
-            <a:off x="2856321" y="1934117"/>
-            <a:ext cx="367408" cy="215444"/>
-          </a:xfrm>
-          <a:prstGeom prst="rect">
-            <a:avLst/>
-          </a:prstGeom>
-          <a:noFill/>
-        </p:spPr>
-        <p:txBody>
-          <a:bodyPr wrap="none" rtlCol="0">
-            <a:spAutoFit/>
-          </a:bodyPr>
-          <a:lstStyle/>
-          <a:p>
-            <a:pPr algn="ctr"/>
-            <a:r>
-              <a:rPr lang="de-DE" sz="800" dirty="0" smtClean="0">
-                <a:solidFill>
-                  <a:srgbClr val="00B050"/>
-                </a:solidFill>
-                <a:latin typeface="cmr10" panose="020B0500000000000000" pitchFamily="34" charset="0"/>
-              </a:rPr>
-              <a:t>logo</a:t>
-            </a:r>
-            <a:endParaRPr lang="de-DE" sz="800" dirty="0">
-              <a:solidFill>
-                <a:srgbClr val="00B050"/>
-              </a:solidFill>
-              <a:latin typeface="cmr10" panose="020B0500000000000000" pitchFamily="34" charset="0"/>
-            </a:endParaRPr>
-          </a:p>
-        </p:txBody>
-      </p:sp>
-      <p:sp>
-        <p:nvSpPr>
-          <p:cNvPr id="47" name="Textfeld 46"/>
-          <p:cNvSpPr txBox="1"/>
-          <p:nvPr/>
-        </p:nvSpPr>
-        <p:spPr>
-          <a:xfrm>
-            <a:off x="2352265" y="1669367"/>
-            <a:ext cx="367408" cy="215444"/>
-          </a:xfrm>
-          <a:prstGeom prst="rect">
-            <a:avLst/>
-          </a:prstGeom>
-          <a:noFill/>
-        </p:spPr>
-        <p:txBody>
-          <a:bodyPr wrap="none" rtlCol="0">
-            <a:spAutoFit/>
-          </a:bodyPr>
-          <a:lstStyle/>
-          <a:p>
-            <a:pPr algn="ctr"/>
-            <a:r>
-              <a:rPr lang="de-DE" sz="800" dirty="0" smtClean="0">
-                <a:solidFill>
-                  <a:srgbClr val="00B050"/>
-                </a:solidFill>
-                <a:latin typeface="cmr10" panose="020B0500000000000000" pitchFamily="34" charset="0"/>
-              </a:rPr>
-              <a:t>logo</a:t>
-            </a:r>
-            <a:endParaRPr lang="de-DE" sz="800" dirty="0">
-              <a:solidFill>
-                <a:srgbClr val="00B050"/>
-              </a:solidFill>
-              <a:latin typeface="cmr10" panose="020B0500000000000000" pitchFamily="34" charset="0"/>
-            </a:endParaRPr>
-          </a:p>
-        </p:txBody>
-      </p:sp>
-      <p:sp>
-        <p:nvSpPr>
-          <p:cNvPr id="48" name="Textfeld 47"/>
-          <p:cNvSpPr txBox="1"/>
-          <p:nvPr/>
-        </p:nvSpPr>
-        <p:spPr>
-          <a:xfrm>
-            <a:off x="2394906" y="2154370"/>
-            <a:ext cx="367408" cy="215444"/>
-          </a:xfrm>
-          <a:prstGeom prst="rect">
-            <a:avLst/>
-          </a:prstGeom>
-          <a:noFill/>
-        </p:spPr>
-        <p:txBody>
-          <a:bodyPr wrap="none" rtlCol="0">
-            <a:spAutoFit/>
-          </a:bodyPr>
-          <a:lstStyle/>
-          <a:p>
-            <a:pPr algn="ctr"/>
-            <a:r>
-              <a:rPr lang="de-DE" sz="800" dirty="0" smtClean="0">
-                <a:solidFill>
-                  <a:srgbClr val="00B050"/>
-                </a:solidFill>
-                <a:latin typeface="cmr10" panose="020B0500000000000000" pitchFamily="34" charset="0"/>
-              </a:rPr>
-              <a:t>logo</a:t>
-            </a:r>
-            <a:endParaRPr lang="de-DE" sz="800" dirty="0">
-              <a:solidFill>
-                <a:srgbClr val="00B050"/>
-              </a:solidFill>
-              <a:latin typeface="cmr10" panose="020B0500000000000000" pitchFamily="34" charset="0"/>
-            </a:endParaRPr>
-          </a:p>
-        </p:txBody>
-      </p:sp>
-      <p:sp>
-        <p:nvSpPr>
-          <p:cNvPr id="51" name="Rechteck 50"/>
-          <p:cNvSpPr/>
-          <p:nvPr/>
-        </p:nvSpPr>
-        <p:spPr>
-          <a:xfrm>
-            <a:off x="216223" y="1708164"/>
-            <a:ext cx="647934" cy="560810"/>
-          </a:xfrm>
-          <a:prstGeom prst="rect">
-            <a:avLst/>
-          </a:prstGeom>
-          <a:solidFill>
-            <a:schemeClr val="bg1">
-              <a:lumMod val="50000"/>
-            </a:schemeClr>
-          </a:solidFill>
-          <a:ln>
-            <a:noFill/>
-          </a:ln>
-        </p:spPr>
-        <p:style>
-          <a:lnRef idx="2">
-            <a:schemeClr val="accent1">
-              <a:shade val="50000"/>
-            </a:schemeClr>
-          </a:lnRef>
-          <a:fillRef idx="1">
-            <a:schemeClr val="accent1"/>
-          </a:fillRef>
-          <a:effectRef idx="0">
-            <a:schemeClr val="accent1"/>
-          </a:effectRef>
-          <a:fontRef idx="minor">
-            <a:schemeClr val="lt1"/>
-          </a:fontRef>
-        </p:style>
-        <p:txBody>
-          <a:bodyPr rtlCol="0" anchor="ctr"/>
-          <a:lstStyle/>
-          <a:p>
-            <a:pPr algn="ctr"/>
-            <a:endParaRPr lang="de-DE"/>
-          </a:p>
-        </p:txBody>
-      </p:sp>
-      <p:sp>
-        <p:nvSpPr>
-          <p:cNvPr id="52" name="Rechteck 51"/>
-          <p:cNvSpPr/>
-          <p:nvPr/>
-        </p:nvSpPr>
-        <p:spPr>
-          <a:xfrm>
-            <a:off x="2798944" y="2585471"/>
-            <a:ext cx="363816" cy="360040"/>
-          </a:xfrm>
-          <a:prstGeom prst="rect">
-            <a:avLst/>
-          </a:prstGeom>
-          <a:solidFill>
-            <a:schemeClr val="bg1">
-              <a:lumMod val="50000"/>
-            </a:schemeClr>
-          </a:solidFill>
-          <a:ln>
-            <a:noFill/>
-          </a:ln>
-        </p:spPr>
-        <p:style>
-          <a:lnRef idx="2">
-            <a:schemeClr val="accent1">
-              <a:shade val="50000"/>
-            </a:schemeClr>
-          </a:lnRef>
-          <a:fillRef idx="1">
-            <a:schemeClr val="accent1"/>
-          </a:fillRef>
-          <a:effectRef idx="0">
-            <a:schemeClr val="accent1"/>
-          </a:effectRef>
-          <a:fontRef idx="minor">
-            <a:schemeClr val="lt1"/>
-          </a:fontRef>
-        </p:style>
-        <p:txBody>
-          <a:bodyPr rtlCol="0" anchor="ctr"/>
-          <a:lstStyle/>
-          <a:p>
-            <a:pPr algn="ctr"/>
-            <a:endParaRPr lang="de-DE"/>
-          </a:p>
-        </p:txBody>
-      </p:sp>
-      <p:sp>
-        <p:nvSpPr>
-          <p:cNvPr id="53" name="Rechteck 52"/>
-          <p:cNvSpPr/>
-          <p:nvPr/>
-        </p:nvSpPr>
-        <p:spPr>
-          <a:xfrm>
-            <a:off x="4859290" y="2207646"/>
-            <a:ext cx="288111" cy="124743"/>
-          </a:xfrm>
-          <a:prstGeom prst="rect">
-            <a:avLst/>
-          </a:prstGeom>
-          <a:noFill/>
-          <a:ln w="12700">
-            <a:solidFill>
-              <a:srgbClr val="00B050"/>
-            </a:solidFill>
-          </a:ln>
-        </p:spPr>
-        <p:style>
-          <a:lnRef idx="2">
-            <a:schemeClr val="accent1">
-              <a:shade val="50000"/>
-            </a:schemeClr>
-          </a:lnRef>
-          <a:fillRef idx="1">
-            <a:schemeClr val="accent1"/>
-          </a:fillRef>
-          <a:effectRef idx="0">
-            <a:schemeClr val="accent1"/>
-          </a:effectRef>
-          <a:fontRef idx="minor">
-            <a:schemeClr val="lt1"/>
-          </a:fontRef>
-        </p:style>
-        <p:txBody>
-          <a:bodyPr rtlCol="0" anchor="ctr"/>
-          <a:lstStyle/>
-          <a:p>
-            <a:pPr algn="ctr"/>
-            <a:endParaRPr lang="de-DE"/>
-          </a:p>
-        </p:txBody>
-      </p:sp>
-      <p:sp>
-        <p:nvSpPr>
-          <p:cNvPr id="54" name="Rechteck 53"/>
-          <p:cNvSpPr/>
-          <p:nvPr/>
-        </p:nvSpPr>
-        <p:spPr>
-          <a:xfrm>
-            <a:off x="5396916" y="2442943"/>
-            <a:ext cx="288111" cy="124743"/>
-          </a:xfrm>
-          <a:prstGeom prst="rect">
-            <a:avLst/>
-          </a:prstGeom>
-          <a:noFill/>
-          <a:ln w="12700">
-            <a:solidFill>
-              <a:srgbClr val="00B050"/>
-            </a:solidFill>
-          </a:ln>
-        </p:spPr>
-        <p:style>
-          <a:lnRef idx="2">
-            <a:schemeClr val="accent1">
-              <a:shade val="50000"/>
-            </a:schemeClr>
-          </a:lnRef>
-          <a:fillRef idx="1">
-            <a:schemeClr val="accent1"/>
-          </a:fillRef>
-          <a:effectRef idx="0">
-            <a:schemeClr val="accent1"/>
-          </a:effectRef>
-          <a:fontRef idx="minor">
-            <a:schemeClr val="lt1"/>
-          </a:fontRef>
-        </p:style>
-        <p:txBody>
-          <a:bodyPr rtlCol="0" anchor="ctr"/>
-          <a:lstStyle/>
-          <a:p>
-            <a:pPr algn="ctr"/>
-            <a:endParaRPr lang="de-DE"/>
-          </a:p>
-        </p:txBody>
-      </p:sp>
-      <p:sp>
-        <p:nvSpPr>
-          <p:cNvPr id="55" name="Rechteck 54"/>
-          <p:cNvSpPr/>
-          <p:nvPr/>
-        </p:nvSpPr>
-        <p:spPr>
-          <a:xfrm>
-            <a:off x="4905885" y="2427068"/>
-            <a:ext cx="288111" cy="124743"/>
-          </a:xfrm>
-          <a:prstGeom prst="rect">
-            <a:avLst/>
-          </a:prstGeom>
-          <a:noFill/>
-          <a:ln w="12700">
-            <a:solidFill>
-              <a:srgbClr val="FFC000"/>
-            </a:solidFill>
-          </a:ln>
-        </p:spPr>
-        <p:style>
-          <a:lnRef idx="2">
-            <a:schemeClr val="accent1">
-              <a:shade val="50000"/>
-            </a:schemeClr>
-          </a:lnRef>
-          <a:fillRef idx="1">
-            <a:schemeClr val="accent1"/>
-          </a:fillRef>
-          <a:effectRef idx="0">
-            <a:schemeClr val="accent1"/>
-          </a:effectRef>
-          <a:fontRef idx="minor">
-            <a:schemeClr val="lt1"/>
-          </a:fontRef>
-        </p:style>
-        <p:txBody>
-          <a:bodyPr rtlCol="0" anchor="ctr"/>
-          <a:lstStyle/>
-          <a:p>
-            <a:pPr algn="ctr"/>
-            <a:endParaRPr lang="de-DE"/>
-          </a:p>
-        </p:txBody>
-      </p:sp>
-      <p:sp>
-        <p:nvSpPr>
-          <p:cNvPr id="56" name="Textfeld 55"/>
-          <p:cNvSpPr txBox="1"/>
-          <p:nvPr/>
-        </p:nvSpPr>
-        <p:spPr>
-          <a:xfrm>
-            <a:off x="5297250" y="2266963"/>
-            <a:ext cx="463589" cy="215444"/>
-          </a:xfrm>
-          <a:prstGeom prst="rect">
-            <a:avLst/>
-          </a:prstGeom>
-          <a:noFill/>
-        </p:spPr>
-        <p:txBody>
-          <a:bodyPr wrap="none" rtlCol="0">
-            <a:spAutoFit/>
-          </a:bodyPr>
-          <a:lstStyle/>
-          <a:p>
-            <a:pPr algn="ctr"/>
-            <a:r>
-              <a:rPr lang="de-DE" sz="800" dirty="0" err="1" smtClean="0">
-                <a:solidFill>
-                  <a:srgbClr val="00B050"/>
-                </a:solidFill>
-                <a:latin typeface="cmr10" panose="020B0500000000000000" pitchFamily="34" charset="0"/>
-              </a:rPr>
-              <a:t>match</a:t>
-            </a:r>
-            <a:endParaRPr lang="de-DE" sz="800" dirty="0">
-              <a:solidFill>
-                <a:srgbClr val="00B050"/>
-              </a:solidFill>
-              <a:latin typeface="cmr10" panose="020B0500000000000000" pitchFamily="34" charset="0"/>
-            </a:endParaRPr>
-          </a:p>
-        </p:txBody>
-      </p:sp>
-      <p:sp>
-        <p:nvSpPr>
-          <p:cNvPr id="57" name="Textfeld 56"/>
-          <p:cNvSpPr txBox="1"/>
-          <p:nvPr/>
-        </p:nvSpPr>
-        <p:spPr>
-          <a:xfrm>
-            <a:off x="4776645" y="2026917"/>
-            <a:ext cx="463589" cy="215444"/>
-          </a:xfrm>
-          <a:prstGeom prst="rect">
-            <a:avLst/>
-          </a:prstGeom>
-          <a:noFill/>
-        </p:spPr>
-        <p:txBody>
-          <a:bodyPr wrap="none" rtlCol="0">
-            <a:spAutoFit/>
-          </a:bodyPr>
-          <a:lstStyle/>
-          <a:p>
-            <a:pPr algn="ctr"/>
-            <a:r>
-              <a:rPr lang="de-DE" sz="800" dirty="0" err="1" smtClean="0">
-                <a:solidFill>
-                  <a:srgbClr val="00B050"/>
-                </a:solidFill>
-                <a:latin typeface="cmr10" panose="020B0500000000000000" pitchFamily="34" charset="0"/>
-              </a:rPr>
-              <a:t>match</a:t>
-            </a:r>
-            <a:endParaRPr lang="de-DE" sz="800" dirty="0">
-              <a:solidFill>
-                <a:srgbClr val="00B050"/>
-              </a:solidFill>
-              <a:latin typeface="cmr10" panose="020B0500000000000000" pitchFamily="34" charset="0"/>
-            </a:endParaRPr>
-          </a:p>
-        </p:txBody>
-      </p:sp>
       <p:cxnSp>
         <p:nvCxnSpPr>
           <p:cNvPr id="59" name="Gerade Verbindung 58"/>
@@ -4175,7 +3443,7 @@
         </p:nvCxnSpPr>
         <p:spPr>
           <a:xfrm>
-            <a:off x="0" y="1556521"/>
+            <a:off x="0" y="1531741"/>
             <a:ext cx="5761038" cy="0"/>
           </a:xfrm>
           <a:prstGeom prst="line">
@@ -4214,8 +3482,8 @@
         </p:nvSpPr>
         <p:spPr>
           <a:xfrm>
-            <a:off x="1111297" y="1709258"/>
-            <a:ext cx="983942" cy="558622"/>
+            <a:off x="1292425" y="1635512"/>
+            <a:ext cx="983942" cy="432938"/>
           </a:xfrm>
           <a:prstGeom prst="roundRect">
             <a:avLst/>
@@ -4328,8 +3596,8 @@
         </p:nvCxnSpPr>
         <p:spPr>
           <a:xfrm flipV="1">
-            <a:off x="3312567" y="2601346"/>
-            <a:ext cx="144016" cy="92706"/>
+            <a:off x="3219450" y="2156011"/>
+            <a:ext cx="361950" cy="269689"/>
           </a:xfrm>
           <a:prstGeom prst="straightConnector1">
             <a:avLst/>
@@ -4357,228 +3625,6 @@
           </a:fontRef>
         </p:style>
       </p:cxnSp>
-      <p:cxnSp>
-        <p:nvCxnSpPr>
-          <p:cNvPr id="66" name="Gerade Verbindung mit Pfeil 65"/>
-          <p:cNvCxnSpPr/>
-          <p:nvPr/>
-        </p:nvCxnSpPr>
-        <p:spPr>
-          <a:xfrm>
-            <a:off x="3327717" y="2088690"/>
-            <a:ext cx="144016" cy="100029"/>
-          </a:xfrm>
-          <a:prstGeom prst="straightConnector1">
-            <a:avLst/>
-          </a:prstGeom>
-          <a:ln w="19050">
-            <a:solidFill>
-              <a:schemeClr val="tx1"/>
-            </a:solidFill>
-            <a:headEnd type="none" w="med" len="med"/>
-            <a:tailEnd type="triangle" w="sm" len="med"/>
-          </a:ln>
-        </p:spPr>
-        <p:style>
-          <a:lnRef idx="1">
-            <a:schemeClr val="accent1"/>
-          </a:lnRef>
-          <a:fillRef idx="0">
-            <a:schemeClr val="accent1"/>
-          </a:fillRef>
-          <a:effectRef idx="0">
-            <a:schemeClr val="accent1"/>
-          </a:effectRef>
-          <a:fontRef idx="minor">
-            <a:schemeClr val="tx1"/>
-          </a:fontRef>
-        </p:style>
-      </p:cxnSp>
-      <p:cxnSp>
-        <p:nvCxnSpPr>
-          <p:cNvPr id="68" name="Gerade Verbindung mit Pfeil 67"/>
-          <p:cNvCxnSpPr/>
-          <p:nvPr/>
-        </p:nvCxnSpPr>
-        <p:spPr>
-          <a:xfrm>
-            <a:off x="936303" y="1982097"/>
-            <a:ext cx="144016" cy="6472"/>
-          </a:xfrm>
-          <a:prstGeom prst="straightConnector1">
-            <a:avLst/>
-          </a:prstGeom>
-          <a:ln w="19050">
-            <a:solidFill>
-              <a:schemeClr val="tx1"/>
-            </a:solidFill>
-            <a:headEnd type="none" w="med" len="med"/>
-            <a:tailEnd type="triangle" w="sm" len="med"/>
-          </a:ln>
-        </p:spPr>
-        <p:style>
-          <a:lnRef idx="1">
-            <a:schemeClr val="accent1"/>
-          </a:lnRef>
-          <a:fillRef idx="0">
-            <a:schemeClr val="accent1"/>
-          </a:fillRef>
-          <a:effectRef idx="0">
-            <a:schemeClr val="accent1"/>
-          </a:effectRef>
-          <a:fontRef idx="minor">
-            <a:schemeClr val="tx1"/>
-          </a:fontRef>
-        </p:style>
-      </p:cxnSp>
-      <p:cxnSp>
-        <p:nvCxnSpPr>
-          <p:cNvPr id="70" name="Gerade Verbindung mit Pfeil 69"/>
-          <p:cNvCxnSpPr/>
-          <p:nvPr/>
-        </p:nvCxnSpPr>
-        <p:spPr>
-          <a:xfrm>
-            <a:off x="936303" y="359787"/>
-            <a:ext cx="144016" cy="6472"/>
-          </a:xfrm>
-          <a:prstGeom prst="straightConnector1">
-            <a:avLst/>
-          </a:prstGeom>
-          <a:ln w="19050">
-            <a:solidFill>
-              <a:schemeClr val="tx1"/>
-            </a:solidFill>
-            <a:headEnd type="none" w="med" len="med"/>
-            <a:tailEnd type="triangle" w="sm" len="med"/>
-          </a:ln>
-        </p:spPr>
-        <p:style>
-          <a:lnRef idx="1">
-            <a:schemeClr val="accent1"/>
-          </a:lnRef>
-          <a:fillRef idx="0">
-            <a:schemeClr val="accent1"/>
-          </a:fillRef>
-          <a:effectRef idx="0">
-            <a:schemeClr val="accent1"/>
-          </a:effectRef>
-          <a:fontRef idx="minor">
-            <a:schemeClr val="tx1"/>
-          </a:fontRef>
-        </p:style>
-      </p:cxnSp>
-      <p:cxnSp>
-        <p:nvCxnSpPr>
-          <p:cNvPr id="71" name="Gerade Verbindung mit Pfeil 70"/>
-          <p:cNvCxnSpPr/>
-          <p:nvPr/>
-        </p:nvCxnSpPr>
-        <p:spPr>
-          <a:xfrm>
-            <a:off x="2174491" y="359787"/>
-            <a:ext cx="144016" cy="6472"/>
-          </a:xfrm>
-          <a:prstGeom prst="straightConnector1">
-            <a:avLst/>
-          </a:prstGeom>
-          <a:ln w="19050">
-            <a:solidFill>
-              <a:schemeClr val="tx1"/>
-            </a:solidFill>
-            <a:headEnd type="none" w="med" len="med"/>
-            <a:tailEnd type="triangle" w="sm" len="med"/>
-          </a:ln>
-        </p:spPr>
-        <p:style>
-          <a:lnRef idx="1">
-            <a:schemeClr val="accent1"/>
-          </a:lnRef>
-          <a:fillRef idx="0">
-            <a:schemeClr val="accent1"/>
-          </a:fillRef>
-          <a:effectRef idx="0">
-            <a:schemeClr val="accent1"/>
-          </a:effectRef>
-          <a:fontRef idx="minor">
-            <a:schemeClr val="tx1"/>
-          </a:fontRef>
-        </p:style>
-      </p:cxnSp>
-      <p:cxnSp>
-        <p:nvCxnSpPr>
-          <p:cNvPr id="72" name="Gerade Verbindung mit Pfeil 71"/>
-          <p:cNvCxnSpPr/>
-          <p:nvPr/>
-        </p:nvCxnSpPr>
-        <p:spPr>
-          <a:xfrm>
-            <a:off x="2174491" y="1989745"/>
-            <a:ext cx="144016" cy="6472"/>
-          </a:xfrm>
-          <a:prstGeom prst="straightConnector1">
-            <a:avLst/>
-          </a:prstGeom>
-          <a:ln w="19050">
-            <a:solidFill>
-              <a:schemeClr val="tx1"/>
-            </a:solidFill>
-            <a:headEnd type="none" w="med" len="med"/>
-            <a:tailEnd type="triangle" w="sm" len="med"/>
-          </a:ln>
-        </p:spPr>
-        <p:style>
-          <a:lnRef idx="1">
-            <a:schemeClr val="accent1"/>
-          </a:lnRef>
-          <a:fillRef idx="0">
-            <a:schemeClr val="accent1"/>
-          </a:fillRef>
-          <a:effectRef idx="0">
-            <a:schemeClr val="accent1"/>
-          </a:effectRef>
-          <a:fontRef idx="minor">
-            <a:schemeClr val="tx1"/>
-          </a:fontRef>
-        </p:style>
-      </p:cxnSp>
-      <p:cxnSp>
-        <p:nvCxnSpPr>
-          <p:cNvPr id="73" name="Gerade Verbindung mit Pfeil 72"/>
-          <p:cNvCxnSpPr/>
-          <p:nvPr/>
-        </p:nvCxnSpPr>
-        <p:spPr>
-          <a:xfrm>
-            <a:off x="4665881" y="2387665"/>
-            <a:ext cx="144016" cy="6472"/>
-          </a:xfrm>
-          <a:prstGeom prst="straightConnector1">
-            <a:avLst/>
-          </a:prstGeom>
-          <a:ln w="19050">
-            <a:solidFill>
-              <a:schemeClr val="tx1"/>
-            </a:solidFill>
-            <a:headEnd type="none" w="med" len="med"/>
-            <a:tailEnd type="triangle" w="sm" len="med"/>
-          </a:ln>
-        </p:spPr>
-        <p:style>
-          <a:lnRef idx="1">
-            <a:schemeClr val="accent1"/>
-          </a:lnRef>
-          <a:fillRef idx="0">
-            <a:schemeClr val="accent1"/>
-          </a:fillRef>
-          <a:effectRef idx="0">
-            <a:schemeClr val="accent1"/>
-          </a:effectRef>
-          <a:fontRef idx="minor">
-            <a:schemeClr val="tx1"/>
-          </a:fontRef>
-        </p:style>
-      </p:cxnSp>
       <p:sp>
         <p:nvSpPr>
           <p:cNvPr id="1028" name="Textfeld 1027"/>
@@ -4587,7 +3633,7 @@
         </p:nvSpPr>
         <p:spPr>
           <a:xfrm>
-            <a:off x="323624" y="584433"/>
+            <a:off x="368074" y="502503"/>
             <a:ext cx="453970" cy="230832"/>
           </a:xfrm>
           <a:prstGeom prst="rect">
@@ -4622,7 +3668,7 @@
         </p:nvSpPr>
         <p:spPr>
           <a:xfrm>
-            <a:off x="313205" y="2249281"/>
+            <a:off x="357655" y="2067421"/>
             <a:ext cx="453970" cy="230832"/>
           </a:xfrm>
           <a:prstGeom prst="rect">
@@ -4657,7 +3703,7 @@
         </p:nvSpPr>
         <p:spPr>
           <a:xfrm>
-            <a:off x="2747456" y="2916877"/>
+            <a:off x="2739555" y="2728965"/>
             <a:ext cx="466794" cy="230832"/>
           </a:xfrm>
           <a:prstGeom prst="rect">
@@ -4686,62 +3732,14 @@
       </p:sp>
       <p:sp>
         <p:nvSpPr>
-          <p:cNvPr id="2" name="Rechteck 1"/>
-          <p:cNvSpPr/>
-          <p:nvPr/>
-        </p:nvSpPr>
-        <p:spPr>
-          <a:xfrm>
-            <a:off x="1296343" y="2546201"/>
-            <a:ext cx="648072" cy="390856"/>
-          </a:xfrm>
-          <a:prstGeom prst="rect">
-            <a:avLst/>
-          </a:prstGeom>
-          <a:noFill/>
-          <a:ln>
-            <a:solidFill>
-              <a:schemeClr val="bg1">
-                <a:lumMod val="65000"/>
-              </a:schemeClr>
-            </a:solidFill>
-          </a:ln>
-        </p:spPr>
-        <p:style>
-          <a:lnRef idx="2">
-            <a:schemeClr val="accent1">
-              <a:shade val="50000"/>
-            </a:schemeClr>
-          </a:lnRef>
-          <a:fillRef idx="1">
-            <a:schemeClr val="accent1"/>
-          </a:fillRef>
-          <a:effectRef idx="0">
-            <a:schemeClr val="accent1"/>
-          </a:effectRef>
-          <a:fontRef idx="minor">
-            <a:schemeClr val="lt1"/>
-          </a:fontRef>
-        </p:style>
-        <p:txBody>
-          <a:bodyPr rtlCol="0" anchor="ctr"/>
-          <a:lstStyle/>
-          <a:p>
-            <a:pPr algn="ctr"/>
-            <a:endParaRPr lang="de-DE"/>
-          </a:p>
-        </p:txBody>
-      </p:sp>
-      <p:sp>
-        <p:nvSpPr>
           <p:cNvPr id="38" name="Textfeld 37"/>
           <p:cNvSpPr txBox="1"/>
           <p:nvPr/>
         </p:nvSpPr>
         <p:spPr>
           <a:xfrm>
-            <a:off x="1197829" y="2934291"/>
-            <a:ext cx="845103" cy="230832"/>
+            <a:off x="1332660" y="2698449"/>
+            <a:ext cx="867545" cy="338554"/>
           </a:xfrm>
           <a:prstGeom prst="rect">
             <a:avLst/>
@@ -4788,7 +3786,7 @@
               </a:rPr>
               <a:t>data</a:t>
             </a:r>
-            <a:endParaRPr lang="de-DE" dirty="0">
+            <a:endParaRPr lang="de-DE" dirty="0" smtClean="0">
               <a:solidFill>
                 <a:schemeClr val="bg1">
                   <a:lumMod val="65000"/>
@@ -4797,18 +3795,394 @@
               <a:latin typeface="cmr10" panose="020B0500000000000000" pitchFamily="34" charset="0"/>
             </a:endParaRPr>
           </a:p>
+          <a:p>
+            <a:pPr algn="ctr"/>
+            <a:r>
+              <a:rPr lang="de-DE" sz="700" dirty="0" smtClean="0">
+                <a:solidFill>
+                  <a:schemeClr val="bg1">
+                    <a:lumMod val="65000"/>
+                  </a:schemeClr>
+                </a:solidFill>
+                <a:latin typeface="cmr10" panose="020B0500000000000000" pitchFamily="34" charset="0"/>
+              </a:rPr>
+              <a:t>(</a:t>
+            </a:r>
+            <a:r>
+              <a:rPr lang="de-DE" sz="700" dirty="0" err="1" smtClean="0">
+                <a:solidFill>
+                  <a:schemeClr val="bg1">
+                    <a:lumMod val="65000"/>
+                  </a:schemeClr>
+                </a:solidFill>
+                <a:latin typeface="cmr10" panose="020B0500000000000000" pitchFamily="34" charset="0"/>
+              </a:rPr>
+              <a:t>bounding</a:t>
+            </a:r>
+            <a:r>
+              <a:rPr lang="de-DE" sz="700" dirty="0" smtClean="0">
+                <a:solidFill>
+                  <a:schemeClr val="bg1">
+                    <a:lumMod val="65000"/>
+                  </a:schemeClr>
+                </a:solidFill>
+                <a:latin typeface="cmr10" panose="020B0500000000000000" pitchFamily="34" charset="0"/>
+              </a:rPr>
+              <a:t> </a:t>
+            </a:r>
+            <a:r>
+              <a:rPr lang="de-DE" sz="700" dirty="0" err="1" smtClean="0">
+                <a:solidFill>
+                  <a:schemeClr val="bg1">
+                    <a:lumMod val="65000"/>
+                  </a:schemeClr>
+                </a:solidFill>
+                <a:latin typeface="cmr10" panose="020B0500000000000000" pitchFamily="34" charset="0"/>
+              </a:rPr>
+              <a:t>boxes</a:t>
+            </a:r>
+            <a:r>
+              <a:rPr lang="de-DE" sz="700" dirty="0" smtClean="0">
+                <a:solidFill>
+                  <a:schemeClr val="bg1">
+                    <a:lumMod val="65000"/>
+                  </a:schemeClr>
+                </a:solidFill>
+                <a:latin typeface="cmr10" panose="020B0500000000000000" pitchFamily="34" charset="0"/>
+              </a:rPr>
+              <a:t>)</a:t>
+            </a:r>
+            <a:endParaRPr lang="de-DE" sz="700" dirty="0">
+              <a:solidFill>
+                <a:schemeClr val="bg1">
+                  <a:lumMod val="65000"/>
+                </a:schemeClr>
+              </a:solidFill>
+              <a:latin typeface="cmr10" panose="020B0500000000000000" pitchFamily="34" charset="0"/>
+            </a:endParaRPr>
+          </a:p>
+        </p:txBody>
+      </p:sp>
+      <p:sp>
+        <p:nvSpPr>
+          <p:cNvPr id="84" name="Textfeld 83"/>
+          <p:cNvSpPr txBox="1"/>
+          <p:nvPr/>
+        </p:nvSpPr>
+        <p:spPr>
+          <a:xfrm>
+            <a:off x="1166528" y="1179440"/>
+            <a:ext cx="1184940" cy="338554"/>
+          </a:xfrm>
+          <a:prstGeom prst="rect">
+            <a:avLst/>
+          </a:prstGeom>
+          <a:noFill/>
+        </p:spPr>
+        <p:txBody>
+          <a:bodyPr wrap="none" rtlCol="0">
+            <a:spAutoFit/>
+          </a:bodyPr>
+          <a:lstStyle/>
+          <a:p>
+            <a:pPr algn="ctr"/>
+            <a:r>
+              <a:rPr lang="de-DE" dirty="0" err="1" smtClean="0">
+                <a:solidFill>
+                  <a:schemeClr val="bg1">
+                    <a:lumMod val="65000"/>
+                  </a:schemeClr>
+                </a:solidFill>
+                <a:latin typeface="cmr10" panose="020B0500000000000000" pitchFamily="34" charset="0"/>
+              </a:rPr>
+              <a:t>training</a:t>
+            </a:r>
+            <a:r>
+              <a:rPr lang="de-DE" dirty="0" smtClean="0">
+                <a:solidFill>
+                  <a:schemeClr val="bg1">
+                    <a:lumMod val="65000"/>
+                  </a:schemeClr>
+                </a:solidFill>
+                <a:latin typeface="cmr10" panose="020B0500000000000000" pitchFamily="34" charset="0"/>
+              </a:rPr>
+              <a:t> </a:t>
+            </a:r>
+            <a:r>
+              <a:rPr lang="de-DE" dirty="0" err="1" smtClean="0">
+                <a:solidFill>
+                  <a:schemeClr val="bg1">
+                    <a:lumMod val="65000"/>
+                  </a:schemeClr>
+                </a:solidFill>
+                <a:latin typeface="cmr10" panose="020B0500000000000000" pitchFamily="34" charset="0"/>
+              </a:rPr>
+              <a:t>data</a:t>
+            </a:r>
+            <a:endParaRPr lang="de-DE" dirty="0" smtClean="0">
+              <a:solidFill>
+                <a:schemeClr val="bg1">
+                  <a:lumMod val="65000"/>
+                </a:schemeClr>
+              </a:solidFill>
+              <a:latin typeface="cmr10" panose="020B0500000000000000" pitchFamily="34" charset="0"/>
+            </a:endParaRPr>
+          </a:p>
+          <a:p>
+            <a:pPr algn="ctr"/>
+            <a:r>
+              <a:rPr lang="de-DE" sz="700" dirty="0" smtClean="0">
+                <a:solidFill>
+                  <a:schemeClr val="bg1">
+                    <a:lumMod val="65000"/>
+                  </a:schemeClr>
+                </a:solidFill>
+                <a:latin typeface="cmr10" panose="020B0500000000000000" pitchFamily="34" charset="0"/>
+              </a:rPr>
+              <a:t>(</a:t>
+            </a:r>
+            <a:r>
+              <a:rPr lang="de-DE" sz="700" dirty="0" err="1" smtClean="0">
+                <a:solidFill>
+                  <a:schemeClr val="bg1">
+                    <a:lumMod val="65000"/>
+                  </a:schemeClr>
+                </a:solidFill>
+                <a:latin typeface="cmr10" panose="020B0500000000000000" pitchFamily="34" charset="0"/>
+              </a:rPr>
+              <a:t>bounding</a:t>
+            </a:r>
+            <a:r>
+              <a:rPr lang="de-DE" sz="700" dirty="0" smtClean="0">
+                <a:solidFill>
+                  <a:schemeClr val="bg1">
+                    <a:lumMod val="65000"/>
+                  </a:schemeClr>
+                </a:solidFill>
+                <a:latin typeface="cmr10" panose="020B0500000000000000" pitchFamily="34" charset="0"/>
+              </a:rPr>
+              <a:t> </a:t>
+            </a:r>
+            <a:r>
+              <a:rPr lang="de-DE" sz="700" dirty="0" err="1" smtClean="0">
+                <a:solidFill>
+                  <a:schemeClr val="bg1">
+                    <a:lumMod val="65000"/>
+                  </a:schemeClr>
+                </a:solidFill>
+                <a:latin typeface="cmr10" panose="020B0500000000000000" pitchFamily="34" charset="0"/>
+              </a:rPr>
+              <a:t>boxes</a:t>
+            </a:r>
+            <a:r>
+              <a:rPr lang="de-DE" sz="700" dirty="0" smtClean="0">
+                <a:solidFill>
+                  <a:schemeClr val="bg1">
+                    <a:lumMod val="65000"/>
+                  </a:schemeClr>
+                </a:solidFill>
+                <a:latin typeface="cmr10" panose="020B0500000000000000" pitchFamily="34" charset="0"/>
+              </a:rPr>
+              <a:t> + </a:t>
+            </a:r>
+            <a:r>
+              <a:rPr lang="de-DE" sz="700" dirty="0" err="1" smtClean="0">
+                <a:solidFill>
+                  <a:schemeClr val="bg1">
+                    <a:lumMod val="65000"/>
+                  </a:schemeClr>
+                </a:solidFill>
+                <a:latin typeface="cmr10" panose="020B0500000000000000" pitchFamily="34" charset="0"/>
+              </a:rPr>
+              <a:t>label</a:t>
+            </a:r>
+            <a:r>
+              <a:rPr lang="de-DE" sz="700" dirty="0" smtClean="0">
+                <a:solidFill>
+                  <a:schemeClr val="bg1">
+                    <a:lumMod val="65000"/>
+                  </a:schemeClr>
+                </a:solidFill>
+                <a:latin typeface="cmr10" panose="020B0500000000000000" pitchFamily="34" charset="0"/>
+              </a:rPr>
+              <a:t>)</a:t>
+            </a:r>
+            <a:endParaRPr lang="de-DE" sz="700" dirty="0">
+              <a:solidFill>
+                <a:schemeClr val="bg1">
+                  <a:lumMod val="65000"/>
+                </a:schemeClr>
+              </a:solidFill>
+              <a:latin typeface="cmr10" panose="020B0500000000000000" pitchFamily="34" charset="0"/>
+            </a:endParaRPr>
+          </a:p>
+        </p:txBody>
+      </p:sp>
+      <p:sp>
+        <p:nvSpPr>
+          <p:cNvPr id="93" name="Textfeld 92"/>
+          <p:cNvSpPr txBox="1"/>
+          <p:nvPr/>
+        </p:nvSpPr>
+        <p:spPr>
+          <a:xfrm>
+            <a:off x="3599024" y="2690554"/>
+            <a:ext cx="1107996" cy="338554"/>
+          </a:xfrm>
+          <a:prstGeom prst="rect">
+            <a:avLst/>
+          </a:prstGeom>
+          <a:noFill/>
+        </p:spPr>
+        <p:txBody>
+          <a:bodyPr wrap="none" rtlCol="0">
+            <a:spAutoFit/>
+          </a:bodyPr>
+          <a:lstStyle/>
+          <a:p>
+            <a:pPr algn="ctr"/>
+            <a:r>
+              <a:rPr lang="de-DE" dirty="0" err="1" smtClean="0">
+                <a:solidFill>
+                  <a:schemeClr val="bg1">
+                    <a:lumMod val="65000"/>
+                  </a:schemeClr>
+                </a:solidFill>
+                <a:latin typeface="cmr10" panose="020B0500000000000000" pitchFamily="34" charset="0"/>
+              </a:rPr>
+              <a:t>training</a:t>
+            </a:r>
+            <a:r>
+              <a:rPr lang="de-DE" dirty="0" smtClean="0">
+                <a:solidFill>
+                  <a:schemeClr val="bg1">
+                    <a:lumMod val="65000"/>
+                  </a:schemeClr>
+                </a:solidFill>
+                <a:latin typeface="cmr10" panose="020B0500000000000000" pitchFamily="34" charset="0"/>
+              </a:rPr>
+              <a:t> </a:t>
+            </a:r>
+            <a:r>
+              <a:rPr lang="de-DE" dirty="0" err="1" smtClean="0">
+                <a:solidFill>
+                  <a:schemeClr val="bg1">
+                    <a:lumMod val="65000"/>
+                  </a:schemeClr>
+                </a:solidFill>
+                <a:latin typeface="cmr10" panose="020B0500000000000000" pitchFamily="34" charset="0"/>
+              </a:rPr>
+              <a:t>data</a:t>
+            </a:r>
+            <a:endParaRPr lang="de-DE" dirty="0" smtClean="0">
+              <a:solidFill>
+                <a:schemeClr val="bg1">
+                  <a:lumMod val="65000"/>
+                </a:schemeClr>
+              </a:solidFill>
+              <a:latin typeface="cmr10" panose="020B0500000000000000" pitchFamily="34" charset="0"/>
+            </a:endParaRPr>
+          </a:p>
+          <a:p>
+            <a:pPr algn="ctr"/>
+            <a:r>
+              <a:rPr lang="de-DE" sz="700" dirty="0" smtClean="0">
+                <a:solidFill>
+                  <a:schemeClr val="bg1">
+                    <a:lumMod val="65000"/>
+                  </a:schemeClr>
+                </a:solidFill>
+                <a:latin typeface="cmr10" panose="020B0500000000000000" pitchFamily="34" charset="0"/>
+              </a:rPr>
+              <a:t>(</a:t>
+            </a:r>
+            <a:r>
+              <a:rPr lang="de-DE" sz="700" dirty="0" err="1" smtClean="0">
+                <a:solidFill>
+                  <a:schemeClr val="bg1">
+                    <a:lumMod val="65000"/>
+                  </a:schemeClr>
+                </a:solidFill>
+                <a:latin typeface="cmr10" panose="020B0500000000000000" pitchFamily="34" charset="0"/>
+              </a:rPr>
+              <a:t>cropped</a:t>
+            </a:r>
+            <a:r>
+              <a:rPr lang="de-DE" sz="700" dirty="0" smtClean="0">
+                <a:solidFill>
+                  <a:schemeClr val="bg1">
+                    <a:lumMod val="65000"/>
+                  </a:schemeClr>
+                </a:solidFill>
+                <a:latin typeface="cmr10" panose="020B0500000000000000" pitchFamily="34" charset="0"/>
+              </a:rPr>
+              <a:t> </a:t>
+            </a:r>
+            <a:r>
+              <a:rPr lang="de-DE" sz="700" dirty="0" err="1" smtClean="0">
+                <a:solidFill>
+                  <a:schemeClr val="bg1">
+                    <a:lumMod val="65000"/>
+                  </a:schemeClr>
+                </a:solidFill>
+                <a:latin typeface="cmr10" panose="020B0500000000000000" pitchFamily="34" charset="0"/>
+              </a:rPr>
+              <a:t>logos</a:t>
+            </a:r>
+            <a:r>
+              <a:rPr lang="de-DE" sz="700" dirty="0" smtClean="0">
+                <a:solidFill>
+                  <a:schemeClr val="bg1">
+                    <a:lumMod val="65000"/>
+                  </a:schemeClr>
+                </a:solidFill>
+                <a:latin typeface="cmr10" panose="020B0500000000000000" pitchFamily="34" charset="0"/>
+              </a:rPr>
+              <a:t> + </a:t>
+            </a:r>
+            <a:r>
+              <a:rPr lang="de-DE" sz="700" dirty="0" err="1" smtClean="0">
+                <a:solidFill>
+                  <a:schemeClr val="bg1">
+                    <a:lumMod val="65000"/>
+                  </a:schemeClr>
+                </a:solidFill>
+                <a:latin typeface="cmr10" panose="020B0500000000000000" pitchFamily="34" charset="0"/>
+              </a:rPr>
+              <a:t>label</a:t>
+            </a:r>
+            <a:r>
+              <a:rPr lang="de-DE" sz="700" dirty="0" smtClean="0">
+                <a:solidFill>
+                  <a:schemeClr val="bg1">
+                    <a:lumMod val="65000"/>
+                  </a:schemeClr>
+                </a:solidFill>
+                <a:latin typeface="cmr10" panose="020B0500000000000000" pitchFamily="34" charset="0"/>
+              </a:rPr>
+              <a:t>)</a:t>
+            </a:r>
+            <a:endParaRPr lang="de-DE" sz="700" dirty="0">
+              <a:solidFill>
+                <a:schemeClr val="bg1">
+                  <a:lumMod val="65000"/>
+                </a:schemeClr>
+              </a:solidFill>
+              <a:latin typeface="cmr10" panose="020B0500000000000000" pitchFamily="34" charset="0"/>
+            </a:endParaRPr>
+          </a:p>
         </p:txBody>
       </p:sp>
       <p:cxnSp>
         <p:nvCxnSpPr>
-          <p:cNvPr id="43" name="Gerade Verbindung mit Pfeil 42"/>
+          <p:cNvPr id="94" name="Gerade Verbindung mit Pfeil 93"/>
           <p:cNvCxnSpPr/>
           <p:nvPr/>
         </p:nvCxnSpPr>
         <p:spPr>
           <a:xfrm flipV="1">
-            <a:off x="1603268" y="2325427"/>
-            <a:ext cx="0" cy="142449"/>
+            <a:off x="4153019" y="2159579"/>
+            <a:ext cx="0" cy="131212"/>
           </a:xfrm>
           <a:prstGeom prst="straightConnector1">
             <a:avLst/>
@@ -4838,419 +4212,2933 @@
           </a:fontRef>
         </p:style>
       </p:cxnSp>
-      <p:sp>
-        <p:nvSpPr>
-          <p:cNvPr id="49" name="Rechteck 48"/>
-          <p:cNvSpPr/>
-          <p:nvPr/>
-        </p:nvSpPr>
-        <p:spPr>
-          <a:xfrm>
-            <a:off x="1326432" y="2592476"/>
-            <a:ext cx="181908" cy="133745"/>
+      <p:pic>
+        <p:nvPicPr>
+          <p:cNvPr id="1027" name="Picture 3" descr="H:\MisPel\Doc\2016-12-15 Masterarbeit Andras\Git\LogoRetrieval-Paper\img\logos\bmw_peugeot_small.jpg"/>
+          <p:cNvPicPr>
+            <a:picLocks noChangeAspect="1" noChangeArrowheads="1"/>
+          </p:cNvPicPr>
+          <p:nvPr/>
+        </p:nvPicPr>
+        <p:blipFill>
+          <a:blip r:embed="rId3" cstate="print">
+            <a:extLst>
+              <a:ext uri="{28A0092B-C50C-407E-A947-70E740481C1C}">
+                <a14:useLocalDpi xmlns:a14="http://schemas.microsoft.com/office/drawing/2010/main" val="0"/>
+              </a:ext>
+            </a:extLst>
+          </a:blip>
+          <a:srcRect/>
+          <a:stretch>
+            <a:fillRect/>
+          </a:stretch>
+        </p:blipFill>
+        <p:spPr bwMode="auto">
+          <a:xfrm>
+            <a:off x="196943" y="34994"/>
+            <a:ext cx="775394" cy="510468"/>
           </a:xfrm>
           <a:prstGeom prst="rect">
             <a:avLst/>
           </a:prstGeom>
-          <a:solidFill>
-            <a:schemeClr val="bg1">
-              <a:lumMod val="50000"/>
-            </a:schemeClr>
-          </a:solidFill>
-          <a:ln>
+          <a:noFill/>
+          <a:extLst>
+            <a:ext uri="{909E8E84-426E-40DD-AFC4-6F175D3DCCD1}">
+              <a14:hiddenFill xmlns:a14="http://schemas.microsoft.com/office/drawing/2010/main">
+                <a:solidFill>
+                  <a:srgbClr val="FFFFFF"/>
+                </a:solidFill>
+              </a14:hiddenFill>
+            </a:ext>
+          </a:extLst>
+        </p:spPr>
+      </p:pic>
+      <p:pic>
+        <p:nvPicPr>
+          <p:cNvPr id="80" name="Picture 3" descr="H:\MisPel\Doc\2016-12-15 Masterarbeit Andras\Git\LogoRetrieval-Paper\img\logos\bmw_peugeot_small.jpg"/>
+          <p:cNvPicPr>
+            <a:picLocks noChangeAspect="1" noChangeArrowheads="1"/>
+          </p:cNvPicPr>
+          <p:nvPr/>
+        </p:nvPicPr>
+        <p:blipFill>
+          <a:blip r:embed="rId3" cstate="print">
+            <a:extLst>
+              <a:ext uri="{28A0092B-C50C-407E-A947-70E740481C1C}">
+                <a14:useLocalDpi xmlns:a14="http://schemas.microsoft.com/office/drawing/2010/main" val="0"/>
+              </a:ext>
+            </a:extLst>
+          </a:blip>
+          <a:srcRect/>
+          <a:stretch>
+            <a:fillRect/>
+          </a:stretch>
+        </p:blipFill>
+        <p:spPr bwMode="auto">
+          <a:xfrm>
+            <a:off x="196943" y="1596748"/>
+            <a:ext cx="775394" cy="510468"/>
+          </a:xfrm>
+          <a:prstGeom prst="rect">
+            <a:avLst/>
+          </a:prstGeom>
+          <a:noFill/>
+          <a:extLst>
+            <a:ext uri="{909E8E84-426E-40DD-AFC4-6F175D3DCCD1}">
+              <a14:hiddenFill xmlns:a14="http://schemas.microsoft.com/office/drawing/2010/main">
+                <a:solidFill>
+                  <a:srgbClr val="FFFFFF"/>
+                </a:solidFill>
+              </a14:hiddenFill>
+            </a:ext>
+          </a:extLst>
+        </p:spPr>
+      </p:pic>
+      <p:grpSp>
+        <p:nvGrpSpPr>
+          <p:cNvPr id="14" name="Gruppieren 13"/>
+          <p:cNvGrpSpPr/>
+          <p:nvPr/>
+        </p:nvGrpSpPr>
+        <p:grpSpPr>
+          <a:xfrm>
+            <a:off x="2576030" y="1541801"/>
+            <a:ext cx="792140" cy="572736"/>
+            <a:chOff x="2412536" y="1716785"/>
+            <a:chExt cx="661928" cy="478590"/>
+          </a:xfrm>
+        </p:grpSpPr>
+        <p:pic>
+          <p:nvPicPr>
+            <p:cNvPr id="77" name="Picture 3" descr="H:\MisPel\Doc\2016-12-15 Masterarbeit Andras\Git\LogoRetrieval-Paper\img\logos\bmw_peugeot_small.jpg"/>
+            <p:cNvPicPr>
+              <a:picLocks noChangeAspect="1" noChangeArrowheads="1"/>
+            </p:cNvPicPr>
+            <p:nvPr/>
+          </p:nvPicPr>
+          <p:blipFill>
+            <a:blip r:embed="rId3" cstate="print">
+              <a:extLst>
+                <a:ext uri="{28A0092B-C50C-407E-A947-70E740481C1C}">
+                  <a14:useLocalDpi xmlns:a14="http://schemas.microsoft.com/office/drawing/2010/main" val="0"/>
+                </a:ext>
+              </a:extLst>
+            </a:blip>
+            <a:srcRect/>
+            <a:stretch>
+              <a:fillRect/>
+            </a:stretch>
+          </p:blipFill>
+          <p:spPr bwMode="auto">
+            <a:xfrm>
+              <a:off x="2412536" y="1768818"/>
+              <a:ext cx="647934" cy="426557"/>
+            </a:xfrm>
+            <a:prstGeom prst="rect">
+              <a:avLst/>
+            </a:prstGeom>
             <a:noFill/>
+            <a:extLst>
+              <a:ext uri="{909E8E84-426E-40DD-AFC4-6F175D3DCCD1}">
+                <a14:hiddenFill xmlns:a14="http://schemas.microsoft.com/office/drawing/2010/main">
+                  <a:solidFill>
+                    <a:srgbClr val="FFFFFF"/>
+                  </a:solidFill>
+                </a14:hiddenFill>
+              </a:ext>
+            </a:extLst>
+          </p:spPr>
+        </p:pic>
+        <p:sp>
+          <p:nvSpPr>
+            <p:cNvPr id="40" name="Rechteck 39"/>
+            <p:cNvSpPr/>
+            <p:nvPr/>
+          </p:nvSpPr>
+          <p:spPr>
+            <a:xfrm>
+              <a:off x="2950369" y="1851699"/>
+              <a:ext cx="84131" cy="84258"/>
+            </a:xfrm>
+            <a:prstGeom prst="rect">
+              <a:avLst/>
+            </a:prstGeom>
+            <a:noFill/>
+            <a:ln w="12700">
+              <a:solidFill>
+                <a:srgbClr val="60FF3B"/>
+              </a:solidFill>
+            </a:ln>
+          </p:spPr>
+          <p:style>
+            <a:lnRef idx="2">
+              <a:schemeClr val="accent1">
+                <a:shade val="50000"/>
+              </a:schemeClr>
+            </a:lnRef>
+            <a:fillRef idx="1">
+              <a:schemeClr val="accent1"/>
+            </a:fillRef>
+            <a:effectRef idx="0">
+              <a:schemeClr val="accent1"/>
+            </a:effectRef>
+            <a:fontRef idx="minor">
+              <a:schemeClr val="lt1"/>
+            </a:fontRef>
+          </p:style>
+          <p:txBody>
+            <a:bodyPr rtlCol="0" anchor="ctr"/>
+            <a:lstStyle/>
+            <a:p>
+              <a:pPr algn="ctr"/>
+              <a:endParaRPr lang="de-DE"/>
+            </a:p>
+          </p:txBody>
+        </p:sp>
+        <p:sp>
+          <p:nvSpPr>
+            <p:cNvPr id="42" name="Rechteck 41"/>
+            <p:cNvSpPr/>
+            <p:nvPr/>
+          </p:nvSpPr>
+          <p:spPr>
+            <a:xfrm>
+              <a:off x="2461991" y="2037782"/>
+              <a:ext cx="83566" cy="79149"/>
+            </a:xfrm>
+            <a:prstGeom prst="rect">
+              <a:avLst/>
+            </a:prstGeom>
+            <a:noFill/>
+            <a:ln w="12700">
+              <a:solidFill>
+                <a:srgbClr val="60FF3B"/>
+              </a:solidFill>
+            </a:ln>
+          </p:spPr>
+          <p:style>
+            <a:lnRef idx="2">
+              <a:schemeClr val="accent1">
+                <a:shade val="50000"/>
+              </a:schemeClr>
+            </a:lnRef>
+            <a:fillRef idx="1">
+              <a:schemeClr val="accent1"/>
+            </a:fillRef>
+            <a:effectRef idx="0">
+              <a:schemeClr val="accent1"/>
+            </a:effectRef>
+            <a:fontRef idx="minor">
+              <a:schemeClr val="lt1"/>
+            </a:fontRef>
+          </p:style>
+          <p:txBody>
+            <a:bodyPr rtlCol="0" anchor="ctr"/>
+            <a:lstStyle/>
+            <a:p>
+              <a:pPr algn="ctr"/>
+              <a:endParaRPr lang="de-DE"/>
+            </a:p>
+          </p:txBody>
+        </p:sp>
+        <p:sp>
+          <p:nvSpPr>
+            <p:cNvPr id="78" name="Rechteck 77"/>
+            <p:cNvSpPr/>
+            <p:nvPr/>
+          </p:nvSpPr>
+          <p:spPr>
+            <a:xfrm>
+              <a:off x="2797023" y="1973785"/>
+              <a:ext cx="72383" cy="66043"/>
+            </a:xfrm>
+            <a:prstGeom prst="rect">
+              <a:avLst/>
+            </a:prstGeom>
+            <a:noFill/>
+            <a:ln w="12700">
+              <a:solidFill>
+                <a:srgbClr val="60FF3B"/>
+              </a:solidFill>
+            </a:ln>
+          </p:spPr>
+          <p:style>
+            <a:lnRef idx="2">
+              <a:schemeClr val="accent1">
+                <a:shade val="50000"/>
+              </a:schemeClr>
+            </a:lnRef>
+            <a:fillRef idx="1">
+              <a:schemeClr val="accent1"/>
+            </a:fillRef>
+            <a:effectRef idx="0">
+              <a:schemeClr val="accent1"/>
+            </a:effectRef>
+            <a:fontRef idx="minor">
+              <a:schemeClr val="lt1"/>
+            </a:fontRef>
+          </p:style>
+          <p:txBody>
+            <a:bodyPr rtlCol="0" anchor="ctr"/>
+            <a:lstStyle/>
+            <a:p>
+              <a:pPr algn="ctr"/>
+              <a:endParaRPr lang="de-DE"/>
+            </a:p>
+          </p:txBody>
+        </p:sp>
+        <p:sp>
+          <p:nvSpPr>
+            <p:cNvPr id="81" name="Textfeld 80"/>
+            <p:cNvSpPr txBox="1"/>
+            <p:nvPr/>
+          </p:nvSpPr>
+          <p:spPr>
+            <a:xfrm>
+              <a:off x="2740127" y="2026422"/>
+              <a:ext cx="182742" cy="123111"/>
+            </a:xfrm>
+            <a:prstGeom prst="rect">
+              <a:avLst/>
+            </a:prstGeom>
+            <a:noFill/>
+            <a:effectLst/>
+          </p:spPr>
+          <p:txBody>
+            <a:bodyPr wrap="none" lIns="0" tIns="0" rIns="0" bIns="0" rtlCol="0" anchor="ctr">
+              <a:spAutoFit/>
+            </a:bodyPr>
+            <a:lstStyle/>
+            <a:p>
+              <a:pPr algn="ctr"/>
+              <a:r>
+                <a:rPr lang="de-DE" sz="800" dirty="0" smtClean="0">
+                  <a:solidFill>
+                    <a:srgbClr val="60FF3B"/>
+                  </a:solidFill>
+                  <a:effectLst>
+                    <a:outerShdw blurRad="50800" dist="12700" dir="2700000" algn="tl" rotWithShape="0">
+                      <a:schemeClr val="tx1">
+                        <a:alpha val="70000"/>
+                      </a:schemeClr>
+                    </a:outerShdw>
+                  </a:effectLst>
+                  <a:latin typeface="cmr10" panose="020B0500000000000000" pitchFamily="34" charset="0"/>
+                </a:rPr>
+                <a:t>logo</a:t>
+              </a:r>
+              <a:endParaRPr lang="de-DE" sz="800" dirty="0">
+                <a:solidFill>
+                  <a:srgbClr val="60FF3B"/>
+                </a:solidFill>
+                <a:effectLst>
+                  <a:outerShdw blurRad="50800" dist="12700" dir="2700000" algn="tl" rotWithShape="0">
+                    <a:schemeClr val="tx1">
+                      <a:alpha val="70000"/>
+                    </a:schemeClr>
+                  </a:outerShdw>
+                </a:effectLst>
+                <a:latin typeface="cmr10" panose="020B0500000000000000" pitchFamily="34" charset="0"/>
+              </a:endParaRPr>
+            </a:p>
+          </p:txBody>
+        </p:sp>
+        <p:sp>
+          <p:nvSpPr>
+            <p:cNvPr id="112" name="Textfeld 111"/>
+            <p:cNvSpPr txBox="1"/>
+            <p:nvPr/>
+          </p:nvSpPr>
+          <p:spPr>
+            <a:xfrm>
+              <a:off x="2431495" y="1905085"/>
+              <a:ext cx="182742" cy="123111"/>
+            </a:xfrm>
+            <a:prstGeom prst="rect">
+              <a:avLst/>
+            </a:prstGeom>
+            <a:noFill/>
+            <a:effectLst/>
+          </p:spPr>
+          <p:txBody>
+            <a:bodyPr wrap="none" lIns="0" tIns="0" rIns="0" bIns="0" rtlCol="0" anchor="ctr">
+              <a:spAutoFit/>
+            </a:bodyPr>
+            <a:lstStyle/>
+            <a:p>
+              <a:pPr algn="ctr"/>
+              <a:r>
+                <a:rPr lang="de-DE" sz="800" dirty="0" smtClean="0">
+                  <a:solidFill>
+                    <a:srgbClr val="60FF3B"/>
+                  </a:solidFill>
+                  <a:effectLst>
+                    <a:outerShdw blurRad="50800" dist="12700" dir="2700000" algn="tl" rotWithShape="0">
+                      <a:schemeClr val="tx1">
+                        <a:alpha val="70000"/>
+                      </a:schemeClr>
+                    </a:outerShdw>
+                  </a:effectLst>
+                  <a:latin typeface="cmr10" panose="020B0500000000000000" pitchFamily="34" charset="0"/>
+                </a:rPr>
+                <a:t>logo</a:t>
+              </a:r>
+              <a:endParaRPr lang="de-DE" sz="800" dirty="0">
+                <a:solidFill>
+                  <a:srgbClr val="60FF3B"/>
+                </a:solidFill>
+                <a:effectLst>
+                  <a:outerShdw blurRad="50800" dist="12700" dir="2700000" algn="tl" rotWithShape="0">
+                    <a:schemeClr val="tx1">
+                      <a:alpha val="70000"/>
+                    </a:schemeClr>
+                  </a:outerShdw>
+                </a:effectLst>
+                <a:latin typeface="cmr10" panose="020B0500000000000000" pitchFamily="34" charset="0"/>
+              </a:endParaRPr>
+            </a:p>
+          </p:txBody>
+        </p:sp>
+        <p:sp>
+          <p:nvSpPr>
+            <p:cNvPr id="113" name="Textfeld 112"/>
+            <p:cNvSpPr txBox="1"/>
+            <p:nvPr/>
+          </p:nvSpPr>
+          <p:spPr>
+            <a:xfrm>
+              <a:off x="2891722" y="1716785"/>
+              <a:ext cx="182742" cy="123111"/>
+            </a:xfrm>
+            <a:prstGeom prst="rect">
+              <a:avLst/>
+            </a:prstGeom>
+            <a:noFill/>
+            <a:effectLst/>
+          </p:spPr>
+          <p:txBody>
+            <a:bodyPr wrap="none" lIns="0" tIns="0" rIns="0" bIns="0" rtlCol="0" anchor="ctr">
+              <a:spAutoFit/>
+            </a:bodyPr>
+            <a:lstStyle/>
+            <a:p>
+              <a:pPr algn="ctr"/>
+              <a:r>
+                <a:rPr lang="de-DE" sz="800" dirty="0" smtClean="0">
+                  <a:solidFill>
+                    <a:srgbClr val="60FF3B"/>
+                  </a:solidFill>
+                  <a:effectLst>
+                    <a:outerShdw blurRad="50800" dist="12700" dir="2700000" algn="tl" rotWithShape="0">
+                      <a:schemeClr val="tx1">
+                        <a:alpha val="70000"/>
+                      </a:schemeClr>
+                    </a:outerShdw>
+                  </a:effectLst>
+                  <a:latin typeface="cmr10" panose="020B0500000000000000" pitchFamily="34" charset="0"/>
+                </a:rPr>
+                <a:t>logo</a:t>
+              </a:r>
+              <a:endParaRPr lang="de-DE" sz="800" dirty="0">
+                <a:solidFill>
+                  <a:srgbClr val="60FF3B"/>
+                </a:solidFill>
+                <a:effectLst>
+                  <a:outerShdw blurRad="50800" dist="12700" dir="2700000" algn="tl" rotWithShape="0">
+                    <a:schemeClr val="tx1">
+                      <a:alpha val="70000"/>
+                    </a:schemeClr>
+                  </a:outerShdw>
+                </a:effectLst>
+                <a:latin typeface="cmr10" panose="020B0500000000000000" pitchFamily="34" charset="0"/>
+              </a:endParaRPr>
+            </a:p>
+          </p:txBody>
+        </p:sp>
+      </p:grpSp>
+      <p:grpSp>
+        <p:nvGrpSpPr>
+          <p:cNvPr id="11" name="Gruppieren 10"/>
+          <p:cNvGrpSpPr/>
+          <p:nvPr/>
+        </p:nvGrpSpPr>
+        <p:grpSpPr>
+          <a:xfrm>
+            <a:off x="2577406" y="34994"/>
+            <a:ext cx="775394" cy="510468"/>
+            <a:chOff x="2412536" y="148090"/>
+            <a:chExt cx="647934" cy="426557"/>
+          </a:xfrm>
+        </p:grpSpPr>
+        <p:pic>
+          <p:nvPicPr>
+            <p:cNvPr id="67" name="Picture 3" descr="H:\MisPel\Doc\2016-12-15 Masterarbeit Andras\Git\LogoRetrieval-Paper\img\logos\bmw_peugeot_small.jpg"/>
+            <p:cNvPicPr>
+              <a:picLocks noChangeAspect="1" noChangeArrowheads="1"/>
+            </p:cNvPicPr>
+            <p:nvPr/>
+          </p:nvPicPr>
+          <p:blipFill>
+            <a:blip r:embed="rId3" cstate="print">
+              <a:extLst>
+                <a:ext uri="{28A0092B-C50C-407E-A947-70E740481C1C}">
+                  <a14:useLocalDpi xmlns:a14="http://schemas.microsoft.com/office/drawing/2010/main" val="0"/>
+                </a:ext>
+              </a:extLst>
+            </a:blip>
+            <a:srcRect/>
+            <a:stretch>
+              <a:fillRect/>
+            </a:stretch>
+          </p:blipFill>
+          <p:spPr bwMode="auto">
+            <a:xfrm>
+              <a:off x="2412536" y="148090"/>
+              <a:ext cx="647934" cy="426557"/>
+            </a:xfrm>
+            <a:prstGeom prst="rect">
+              <a:avLst/>
+            </a:prstGeom>
+            <a:noFill/>
+            <a:extLst>
+              <a:ext uri="{909E8E84-426E-40DD-AFC4-6F175D3DCCD1}">
+                <a14:hiddenFill xmlns:a14="http://schemas.microsoft.com/office/drawing/2010/main">
+                  <a:solidFill>
+                    <a:srgbClr val="FFFFFF"/>
+                  </a:solidFill>
+                </a14:hiddenFill>
+              </a:ext>
+            </a:extLst>
+          </p:spPr>
+        </p:pic>
+        <p:sp>
+          <p:nvSpPr>
+            <p:cNvPr id="39" name="Rechteck 38"/>
+            <p:cNvSpPr/>
+            <p:nvPr/>
+          </p:nvSpPr>
+          <p:spPr>
+            <a:xfrm>
+              <a:off x="2797023" y="353057"/>
+              <a:ext cx="72383" cy="66043"/>
+            </a:xfrm>
+            <a:prstGeom prst="rect">
+              <a:avLst/>
+            </a:prstGeom>
+            <a:noFill/>
+            <a:ln w="12700">
+              <a:solidFill>
+                <a:srgbClr val="60FF3B"/>
+              </a:solidFill>
+            </a:ln>
+          </p:spPr>
+          <p:style>
+            <a:lnRef idx="2">
+              <a:schemeClr val="accent1">
+                <a:shade val="50000"/>
+              </a:schemeClr>
+            </a:lnRef>
+            <a:fillRef idx="1">
+              <a:schemeClr val="accent1"/>
+            </a:fillRef>
+            <a:effectRef idx="0">
+              <a:schemeClr val="accent1"/>
+            </a:effectRef>
+            <a:fontRef idx="minor">
+              <a:schemeClr val="lt1"/>
+            </a:fontRef>
+          </p:style>
+          <p:txBody>
+            <a:bodyPr rtlCol="0" anchor="ctr"/>
+            <a:lstStyle/>
+            <a:p>
+              <a:pPr algn="ctr"/>
+              <a:endParaRPr lang="de-DE"/>
+            </a:p>
+          </p:txBody>
+        </p:sp>
+        <p:sp>
+          <p:nvSpPr>
+            <p:cNvPr id="114" name="Textfeld 113"/>
+            <p:cNvSpPr txBox="1"/>
+            <p:nvPr/>
+          </p:nvSpPr>
+          <p:spPr>
+            <a:xfrm>
+              <a:off x="2726473" y="442246"/>
+              <a:ext cx="216406" cy="123111"/>
+            </a:xfrm>
+            <a:prstGeom prst="rect">
+              <a:avLst/>
+            </a:prstGeom>
+            <a:noFill/>
+            <a:effectLst/>
+          </p:spPr>
+          <p:txBody>
+            <a:bodyPr wrap="none" lIns="0" tIns="0" rIns="0" bIns="0" rtlCol="0" anchor="ctr">
+              <a:spAutoFit/>
+            </a:bodyPr>
+            <a:lstStyle/>
+            <a:p>
+              <a:pPr algn="ctr"/>
+              <a:r>
+                <a:rPr lang="de-DE" sz="800" dirty="0" err="1" smtClean="0">
+                  <a:solidFill>
+                    <a:srgbClr val="60FF3B"/>
+                  </a:solidFill>
+                  <a:effectLst>
+                    <a:outerShdw blurRad="50800" dist="12700" dir="2700000" algn="tl" rotWithShape="0">
+                      <a:schemeClr val="tx1">
+                        <a:alpha val="70000"/>
+                      </a:schemeClr>
+                    </a:outerShdw>
+                  </a:effectLst>
+                  <a:latin typeface="cmr10" panose="020B0500000000000000" pitchFamily="34" charset="0"/>
+                </a:rPr>
+                <a:t>bmw</a:t>
+              </a:r>
+              <a:endParaRPr lang="de-DE" sz="800" dirty="0">
+                <a:solidFill>
+                  <a:srgbClr val="60FF3B"/>
+                </a:solidFill>
+                <a:effectLst>
+                  <a:outerShdw blurRad="50800" dist="12700" dir="2700000" algn="tl" rotWithShape="0">
+                    <a:schemeClr val="tx1">
+                      <a:alpha val="70000"/>
+                    </a:schemeClr>
+                  </a:outerShdw>
+                </a:effectLst>
+                <a:latin typeface="cmr10" panose="020B0500000000000000" pitchFamily="34" charset="0"/>
+              </a:endParaRPr>
+            </a:p>
+          </p:txBody>
+        </p:sp>
+      </p:grpSp>
+      <p:grpSp>
+        <p:nvGrpSpPr>
+          <p:cNvPr id="15" name="Gruppieren 14"/>
+          <p:cNvGrpSpPr/>
+          <p:nvPr/>
+        </p:nvGrpSpPr>
+        <p:grpSpPr>
+          <a:xfrm>
+            <a:off x="4977401" y="1596748"/>
+            <a:ext cx="775394" cy="510468"/>
+            <a:chOff x="4939531" y="2196983"/>
+            <a:chExt cx="647934" cy="426557"/>
+          </a:xfrm>
+        </p:grpSpPr>
+        <p:pic>
+          <p:nvPicPr>
+            <p:cNvPr id="102" name="Picture 3" descr="H:\MisPel\Doc\2016-12-15 Masterarbeit Andras\Git\LogoRetrieval-Paper\img\logos\bmw_peugeot_small.jpg"/>
+            <p:cNvPicPr>
+              <a:picLocks noChangeAspect="1" noChangeArrowheads="1"/>
+            </p:cNvPicPr>
+            <p:nvPr/>
+          </p:nvPicPr>
+          <p:blipFill>
+            <a:blip r:embed="rId3" cstate="print">
+              <a:extLst>
+                <a:ext uri="{28A0092B-C50C-407E-A947-70E740481C1C}">
+                  <a14:useLocalDpi xmlns:a14="http://schemas.microsoft.com/office/drawing/2010/main" val="0"/>
+                </a:ext>
+              </a:extLst>
+            </a:blip>
+            <a:srcRect/>
+            <a:stretch>
+              <a:fillRect/>
+            </a:stretch>
+          </p:blipFill>
+          <p:spPr bwMode="auto">
+            <a:xfrm>
+              <a:off x="4939531" y="2196983"/>
+              <a:ext cx="647934" cy="426557"/>
+            </a:xfrm>
+            <a:prstGeom prst="rect">
+              <a:avLst/>
+            </a:prstGeom>
+            <a:noFill/>
+            <a:extLst>
+              <a:ext uri="{909E8E84-426E-40DD-AFC4-6F175D3DCCD1}">
+                <a14:hiddenFill xmlns:a14="http://schemas.microsoft.com/office/drawing/2010/main">
+                  <a:solidFill>
+                    <a:srgbClr val="FFFFFF"/>
+                  </a:solidFill>
+                </a14:hiddenFill>
+              </a:ext>
+            </a:extLst>
+          </p:spPr>
+        </p:pic>
+        <p:sp>
+          <p:nvSpPr>
+            <p:cNvPr id="103" name="Rechteck 102"/>
+            <p:cNvSpPr/>
+            <p:nvPr/>
+          </p:nvSpPr>
+          <p:spPr>
+            <a:xfrm>
+              <a:off x="5477364" y="2279864"/>
+              <a:ext cx="84131" cy="84258"/>
+            </a:xfrm>
+            <a:prstGeom prst="rect">
+              <a:avLst/>
+            </a:prstGeom>
+            <a:noFill/>
+            <a:ln w="12700">
+              <a:solidFill>
+                <a:srgbClr val="FFC000"/>
+              </a:solidFill>
+            </a:ln>
+          </p:spPr>
+          <p:style>
+            <a:lnRef idx="2">
+              <a:schemeClr val="accent1">
+                <a:shade val="50000"/>
+              </a:schemeClr>
+            </a:lnRef>
+            <a:fillRef idx="1">
+              <a:schemeClr val="accent1"/>
+            </a:fillRef>
+            <a:effectRef idx="0">
+              <a:schemeClr val="accent1"/>
+            </a:effectRef>
+            <a:fontRef idx="minor">
+              <a:schemeClr val="lt1"/>
+            </a:fontRef>
+          </p:style>
+          <p:txBody>
+            <a:bodyPr rtlCol="0" anchor="ctr"/>
+            <a:lstStyle/>
+            <a:p>
+              <a:pPr algn="ctr"/>
+              <a:endParaRPr lang="de-DE"/>
+            </a:p>
+          </p:txBody>
+        </p:sp>
+        <p:sp>
+          <p:nvSpPr>
+            <p:cNvPr id="104" name="Rechteck 103"/>
+            <p:cNvSpPr/>
+            <p:nvPr/>
+          </p:nvSpPr>
+          <p:spPr>
+            <a:xfrm>
+              <a:off x="4988986" y="2465947"/>
+              <a:ext cx="83566" cy="79149"/>
+            </a:xfrm>
+            <a:prstGeom prst="rect">
+              <a:avLst/>
+            </a:prstGeom>
+            <a:noFill/>
+            <a:ln w="12700">
+              <a:solidFill>
+                <a:srgbClr val="FFC000"/>
+              </a:solidFill>
+            </a:ln>
+          </p:spPr>
+          <p:style>
+            <a:lnRef idx="2">
+              <a:schemeClr val="accent1">
+                <a:shade val="50000"/>
+              </a:schemeClr>
+            </a:lnRef>
+            <a:fillRef idx="1">
+              <a:schemeClr val="accent1"/>
+            </a:fillRef>
+            <a:effectRef idx="0">
+              <a:schemeClr val="accent1"/>
+            </a:effectRef>
+            <a:fontRef idx="minor">
+              <a:schemeClr val="lt1"/>
+            </a:fontRef>
+          </p:style>
+          <p:txBody>
+            <a:bodyPr rtlCol="0" anchor="ctr"/>
+            <a:lstStyle/>
+            <a:p>
+              <a:pPr algn="ctr"/>
+              <a:endParaRPr lang="de-DE"/>
+            </a:p>
+          </p:txBody>
+        </p:sp>
+        <p:sp>
+          <p:nvSpPr>
+            <p:cNvPr id="106" name="Rechteck 105"/>
+            <p:cNvSpPr/>
+            <p:nvPr/>
+          </p:nvSpPr>
+          <p:spPr>
+            <a:xfrm>
+              <a:off x="5324018" y="2401950"/>
+              <a:ext cx="72383" cy="66043"/>
+            </a:xfrm>
+            <a:prstGeom prst="rect">
+              <a:avLst/>
+            </a:prstGeom>
+            <a:noFill/>
+            <a:ln w="12700">
+              <a:solidFill>
+                <a:srgbClr val="60FF3B"/>
+              </a:solidFill>
+            </a:ln>
+          </p:spPr>
+          <p:style>
+            <a:lnRef idx="2">
+              <a:schemeClr val="accent1">
+                <a:shade val="50000"/>
+              </a:schemeClr>
+            </a:lnRef>
+            <a:fillRef idx="1">
+              <a:schemeClr val="accent1"/>
+            </a:fillRef>
+            <a:effectRef idx="0">
+              <a:schemeClr val="accent1"/>
+            </a:effectRef>
+            <a:fontRef idx="minor">
+              <a:schemeClr val="lt1"/>
+            </a:fontRef>
+          </p:style>
+          <p:txBody>
+            <a:bodyPr rtlCol="0" anchor="ctr"/>
+            <a:lstStyle/>
+            <a:p>
+              <a:pPr algn="ctr"/>
+              <a:endParaRPr lang="de-DE"/>
+            </a:p>
+          </p:txBody>
+        </p:sp>
+        <p:sp>
+          <p:nvSpPr>
+            <p:cNvPr id="122" name="Textfeld 121"/>
+            <p:cNvSpPr txBox="1"/>
+            <p:nvPr/>
+          </p:nvSpPr>
+          <p:spPr>
+            <a:xfrm>
+              <a:off x="5207480" y="2467994"/>
+              <a:ext cx="278923" cy="123111"/>
+            </a:xfrm>
+            <a:prstGeom prst="rect">
+              <a:avLst/>
+            </a:prstGeom>
+            <a:noFill/>
+            <a:effectLst/>
+          </p:spPr>
+          <p:txBody>
+            <a:bodyPr wrap="none" lIns="0" tIns="0" rIns="0" bIns="0" rtlCol="0" anchor="ctr">
+              <a:spAutoFit/>
+            </a:bodyPr>
+            <a:lstStyle/>
+            <a:p>
+              <a:pPr algn="ctr"/>
+              <a:r>
+                <a:rPr lang="de-DE" sz="800" dirty="0" err="1" smtClean="0">
+                  <a:solidFill>
+                    <a:srgbClr val="60FF3B"/>
+                  </a:solidFill>
+                  <a:effectLst>
+                    <a:outerShdw blurRad="50800" dist="12700" dir="2700000" algn="tl" rotWithShape="0">
+                      <a:schemeClr val="tx1">
+                        <a:alpha val="70000"/>
+                      </a:schemeClr>
+                    </a:outerShdw>
+                  </a:effectLst>
+                  <a:latin typeface="cmr10" panose="020B0500000000000000" pitchFamily="34" charset="0"/>
+                </a:rPr>
+                <a:t>match</a:t>
+              </a:r>
+              <a:endParaRPr lang="de-DE" sz="800" dirty="0">
+                <a:solidFill>
+                  <a:srgbClr val="60FF3B"/>
+                </a:solidFill>
+                <a:effectLst>
+                  <a:outerShdw blurRad="50800" dist="12700" dir="2700000" algn="tl" rotWithShape="0">
+                    <a:schemeClr val="tx1">
+                      <a:alpha val="70000"/>
+                    </a:schemeClr>
+                  </a:outerShdw>
+                </a:effectLst>
+                <a:latin typeface="cmr10" panose="020B0500000000000000" pitchFamily="34" charset="0"/>
+              </a:endParaRPr>
+            </a:p>
+          </p:txBody>
+        </p:sp>
+      </p:grpSp>
+      <p:cxnSp>
+        <p:nvCxnSpPr>
+          <p:cNvPr id="123" name="Gerade Verbindung mit Pfeil 122"/>
+          <p:cNvCxnSpPr/>
+          <p:nvPr/>
+        </p:nvCxnSpPr>
+        <p:spPr>
+          <a:xfrm>
+            <a:off x="2364518" y="290227"/>
+            <a:ext cx="144016" cy="0"/>
+          </a:xfrm>
+          <a:prstGeom prst="straightConnector1">
+            <a:avLst/>
+          </a:prstGeom>
+          <a:ln w="19050">
+            <a:solidFill>
+              <a:schemeClr val="tx1"/>
+            </a:solidFill>
+            <a:headEnd type="none" w="med" len="med"/>
+            <a:tailEnd type="triangle" w="sm" len="med"/>
           </a:ln>
         </p:spPr>
         <p:style>
-          <a:lnRef idx="2">
-            <a:schemeClr val="accent1">
-              <a:shade val="50000"/>
-            </a:schemeClr>
+          <a:lnRef idx="1">
+            <a:schemeClr val="accent1"/>
           </a:lnRef>
-          <a:fillRef idx="1">
+          <a:fillRef idx="0">
             <a:schemeClr val="accent1"/>
           </a:fillRef>
           <a:effectRef idx="0">
             <a:schemeClr val="accent1"/>
           </a:effectRef>
           <a:fontRef idx="minor">
-            <a:schemeClr val="lt1"/>
+            <a:schemeClr val="tx1"/>
           </a:fontRef>
         </p:style>
-        <p:txBody>
-          <a:bodyPr rtlCol="0" anchor="ctr"/>
-          <a:lstStyle/>
-          <a:p>
-            <a:pPr algn="ctr"/>
-            <a:endParaRPr lang="de-DE"/>
-          </a:p>
-        </p:txBody>
-      </p:sp>
-      <p:sp>
-        <p:nvSpPr>
-          <p:cNvPr id="50" name="Rechteck 49"/>
-          <p:cNvSpPr/>
-          <p:nvPr/>
-        </p:nvSpPr>
-        <p:spPr>
-          <a:xfrm>
-            <a:off x="1326432" y="2752839"/>
-            <a:ext cx="181908" cy="133745"/>
-          </a:xfrm>
-          <a:prstGeom prst="rect">
-            <a:avLst/>
-          </a:prstGeom>
-          <a:solidFill>
-            <a:schemeClr val="bg1">
-              <a:lumMod val="50000"/>
-            </a:schemeClr>
-          </a:solidFill>
-          <a:ln>
-            <a:noFill/>
+      </p:cxnSp>
+      <p:cxnSp>
+        <p:nvCxnSpPr>
+          <p:cNvPr id="124" name="Gerade Verbindung mit Pfeil 123"/>
+          <p:cNvCxnSpPr/>
+          <p:nvPr/>
+        </p:nvCxnSpPr>
+        <p:spPr>
+          <a:xfrm>
+            <a:off x="1060258" y="290227"/>
+            <a:ext cx="144016" cy="0"/>
+          </a:xfrm>
+          <a:prstGeom prst="straightConnector1">
+            <a:avLst/>
+          </a:prstGeom>
+          <a:ln w="19050">
+            <a:solidFill>
+              <a:schemeClr val="tx1"/>
+            </a:solidFill>
+            <a:headEnd type="none" w="med" len="med"/>
+            <a:tailEnd type="triangle" w="sm" len="med"/>
           </a:ln>
         </p:spPr>
         <p:style>
-          <a:lnRef idx="2">
-            <a:schemeClr val="accent1">
-              <a:shade val="50000"/>
-            </a:schemeClr>
+          <a:lnRef idx="1">
+            <a:schemeClr val="accent1"/>
           </a:lnRef>
-          <a:fillRef idx="1">
+          <a:fillRef idx="0">
             <a:schemeClr val="accent1"/>
           </a:fillRef>
           <a:effectRef idx="0">
             <a:schemeClr val="accent1"/>
           </a:effectRef>
           <a:fontRef idx="minor">
-            <a:schemeClr val="lt1"/>
+            <a:schemeClr val="tx1"/>
           </a:fontRef>
         </p:style>
-        <p:txBody>
-          <a:bodyPr rtlCol="0" anchor="ctr"/>
-          <a:lstStyle/>
-          <a:p>
-            <a:pPr algn="ctr"/>
-            <a:endParaRPr lang="de-DE"/>
-          </a:p>
-        </p:txBody>
-      </p:sp>
-      <p:sp>
-        <p:nvSpPr>
-          <p:cNvPr id="61" name="Rechteck 60"/>
-          <p:cNvSpPr/>
-          <p:nvPr/>
-        </p:nvSpPr>
-        <p:spPr>
-          <a:xfrm>
-            <a:off x="1529426" y="2760447"/>
-            <a:ext cx="181908" cy="133745"/>
-          </a:xfrm>
-          <a:prstGeom prst="rect">
-            <a:avLst/>
-          </a:prstGeom>
-          <a:solidFill>
-            <a:schemeClr val="bg1">
-              <a:lumMod val="50000"/>
-            </a:schemeClr>
-          </a:solidFill>
-          <a:ln>
+      </p:cxnSp>
+      <p:grpSp>
+        <p:nvGrpSpPr>
+          <p:cNvPr id="18" name="Gruppieren 17"/>
+          <p:cNvGrpSpPr/>
+          <p:nvPr/>
+        </p:nvGrpSpPr>
+        <p:grpSpPr>
+          <a:xfrm>
+            <a:off x="3726656" y="2358663"/>
+            <a:ext cx="852726" cy="344056"/>
+            <a:chOff x="3695581" y="2961473"/>
+            <a:chExt cx="852726" cy="344056"/>
+          </a:xfrm>
+        </p:grpSpPr>
+        <p:sp>
+          <p:nvSpPr>
+            <p:cNvPr id="92" name="Rechteck 91"/>
+            <p:cNvSpPr/>
+            <p:nvPr/>
+          </p:nvSpPr>
+          <p:spPr>
+            <a:xfrm>
+              <a:off x="3695581" y="2961473"/>
+              <a:ext cx="852726" cy="344056"/>
+            </a:xfrm>
+            <a:prstGeom prst="rect">
+              <a:avLst/>
+            </a:prstGeom>
             <a:noFill/>
-          </a:ln>
-        </p:spPr>
-        <p:style>
-          <a:lnRef idx="2">
-            <a:schemeClr val="accent1">
-              <a:shade val="50000"/>
-            </a:schemeClr>
-          </a:lnRef>
-          <a:fillRef idx="1">
-            <a:schemeClr val="accent1"/>
-          </a:fillRef>
-          <a:effectRef idx="0">
-            <a:schemeClr val="accent1"/>
-          </a:effectRef>
-          <a:fontRef idx="minor">
-            <a:schemeClr val="lt1"/>
-          </a:fontRef>
-        </p:style>
-        <p:txBody>
-          <a:bodyPr rtlCol="0" anchor="ctr"/>
-          <a:lstStyle/>
-          <a:p>
-            <a:pPr algn="ctr"/>
-            <a:endParaRPr lang="de-DE"/>
-          </a:p>
-        </p:txBody>
-      </p:sp>
-      <p:sp>
-        <p:nvSpPr>
-          <p:cNvPr id="62" name="Rechteck 61"/>
-          <p:cNvSpPr/>
-          <p:nvPr/>
-        </p:nvSpPr>
-        <p:spPr>
-          <a:xfrm>
-            <a:off x="1529426" y="2592475"/>
-            <a:ext cx="181908" cy="133745"/>
-          </a:xfrm>
-          <a:prstGeom prst="rect">
-            <a:avLst/>
-          </a:prstGeom>
-          <a:solidFill>
-            <a:schemeClr val="bg1">
-              <a:lumMod val="50000"/>
-            </a:schemeClr>
-          </a:solidFill>
-          <a:ln>
-            <a:noFill/>
-          </a:ln>
-        </p:spPr>
-        <p:style>
-          <a:lnRef idx="2">
-            <a:schemeClr val="accent1">
-              <a:shade val="50000"/>
-            </a:schemeClr>
-          </a:lnRef>
-          <a:fillRef idx="1">
-            <a:schemeClr val="accent1"/>
-          </a:fillRef>
-          <a:effectRef idx="0">
-            <a:schemeClr val="accent1"/>
-          </a:effectRef>
-          <a:fontRef idx="minor">
-            <a:schemeClr val="lt1"/>
-          </a:fontRef>
-        </p:style>
-        <p:txBody>
-          <a:bodyPr rtlCol="0" anchor="ctr"/>
-          <a:lstStyle/>
-          <a:p>
-            <a:pPr algn="ctr"/>
-            <a:endParaRPr lang="de-DE"/>
-          </a:p>
-        </p:txBody>
-      </p:sp>
-      <p:sp>
-        <p:nvSpPr>
-          <p:cNvPr id="64" name="Rechteck 63"/>
-          <p:cNvSpPr/>
-          <p:nvPr/>
-        </p:nvSpPr>
-        <p:spPr>
-          <a:xfrm>
-            <a:off x="1733600" y="2593519"/>
-            <a:ext cx="181908" cy="133745"/>
-          </a:xfrm>
-          <a:prstGeom prst="rect">
-            <a:avLst/>
-          </a:prstGeom>
-          <a:solidFill>
-            <a:schemeClr val="bg1">
-              <a:lumMod val="50000"/>
-            </a:schemeClr>
-          </a:solidFill>
-          <a:ln>
-            <a:noFill/>
-          </a:ln>
-        </p:spPr>
-        <p:style>
-          <a:lnRef idx="2">
-            <a:schemeClr val="accent1">
-              <a:shade val="50000"/>
-            </a:schemeClr>
-          </a:lnRef>
-          <a:fillRef idx="1">
-            <a:schemeClr val="accent1"/>
-          </a:fillRef>
-          <a:effectRef idx="0">
-            <a:schemeClr val="accent1"/>
-          </a:effectRef>
-          <a:fontRef idx="minor">
-            <a:schemeClr val="lt1"/>
-          </a:fontRef>
-        </p:style>
-        <p:txBody>
-          <a:bodyPr rtlCol="0" anchor="ctr"/>
-          <a:lstStyle/>
-          <a:p>
-            <a:pPr algn="ctr"/>
-            <a:endParaRPr lang="de-DE"/>
-          </a:p>
-        </p:txBody>
-      </p:sp>
-      <p:sp>
-        <p:nvSpPr>
-          <p:cNvPr id="65" name="Rechteck 64"/>
-          <p:cNvSpPr/>
-          <p:nvPr/>
-        </p:nvSpPr>
-        <p:spPr>
-          <a:xfrm>
-            <a:off x="1733600" y="2760447"/>
-            <a:ext cx="181908" cy="133745"/>
-          </a:xfrm>
-          <a:prstGeom prst="rect">
-            <a:avLst/>
-          </a:prstGeom>
-          <a:solidFill>
-            <a:schemeClr val="bg1">
-              <a:lumMod val="50000"/>
-            </a:schemeClr>
-          </a:solidFill>
-          <a:ln>
-            <a:noFill/>
-          </a:ln>
-        </p:spPr>
-        <p:style>
-          <a:lnRef idx="2">
-            <a:schemeClr val="accent1">
-              <a:shade val="50000"/>
-            </a:schemeClr>
-          </a:lnRef>
-          <a:fillRef idx="1">
-            <a:schemeClr val="accent1"/>
-          </a:fillRef>
-          <a:effectRef idx="0">
-            <a:schemeClr val="accent1"/>
-          </a:effectRef>
-          <a:fontRef idx="minor">
-            <a:schemeClr val="lt1"/>
-          </a:fontRef>
-        </p:style>
-        <p:txBody>
-          <a:bodyPr rtlCol="0" anchor="ctr"/>
-          <a:lstStyle/>
-          <a:p>
-            <a:pPr algn="ctr"/>
-            <a:endParaRPr lang="de-DE"/>
-          </a:p>
-        </p:txBody>
-      </p:sp>
-      <p:sp>
-        <p:nvSpPr>
-          <p:cNvPr id="83" name="Rechteck 82"/>
-          <p:cNvSpPr/>
-          <p:nvPr/>
-        </p:nvSpPr>
-        <p:spPr>
-          <a:xfrm>
-            <a:off x="1296343" y="859479"/>
-            <a:ext cx="648072" cy="390856"/>
-          </a:xfrm>
-          <a:prstGeom prst="rect">
-            <a:avLst/>
-          </a:prstGeom>
-          <a:noFill/>
-          <a:ln>
-            <a:solidFill>
-              <a:schemeClr val="bg1">
-                <a:lumMod val="65000"/>
-              </a:schemeClr>
-            </a:solidFill>
-          </a:ln>
-        </p:spPr>
-        <p:style>
-          <a:lnRef idx="2">
-            <a:schemeClr val="accent1">
-              <a:shade val="50000"/>
-            </a:schemeClr>
-          </a:lnRef>
-          <a:fillRef idx="1">
-            <a:schemeClr val="accent1"/>
-          </a:fillRef>
-          <a:effectRef idx="0">
-            <a:schemeClr val="accent1"/>
-          </a:effectRef>
-          <a:fontRef idx="minor">
-            <a:schemeClr val="lt1"/>
-          </a:fontRef>
-        </p:style>
-        <p:txBody>
-          <a:bodyPr rtlCol="0" anchor="ctr"/>
-          <a:lstStyle/>
-          <a:p>
-            <a:pPr algn="ctr"/>
-            <a:endParaRPr lang="de-DE"/>
-          </a:p>
-        </p:txBody>
-      </p:sp>
-      <p:sp>
-        <p:nvSpPr>
-          <p:cNvPr id="84" name="Textfeld 83"/>
-          <p:cNvSpPr txBox="1"/>
-          <p:nvPr/>
-        </p:nvSpPr>
-        <p:spPr>
-          <a:xfrm>
-            <a:off x="1197829" y="1247569"/>
-            <a:ext cx="845103" cy="230832"/>
-          </a:xfrm>
-          <a:prstGeom prst="rect">
-            <a:avLst/>
-          </a:prstGeom>
-          <a:noFill/>
-        </p:spPr>
-        <p:txBody>
-          <a:bodyPr wrap="none" rtlCol="0">
-            <a:spAutoFit/>
-          </a:bodyPr>
-          <a:lstStyle/>
-          <a:p>
-            <a:pPr algn="ctr"/>
-            <a:r>
-              <a:rPr lang="de-DE" dirty="0" err="1" smtClean="0">
-                <a:solidFill>
-                  <a:schemeClr val="bg1">
-                    <a:lumMod val="65000"/>
-                  </a:schemeClr>
-                </a:solidFill>
-                <a:latin typeface="cmr10" panose="020B0500000000000000" pitchFamily="34" charset="0"/>
-              </a:rPr>
-              <a:t>training</a:t>
-            </a:r>
-            <a:r>
-              <a:rPr lang="de-DE" dirty="0" smtClean="0">
-                <a:solidFill>
-                  <a:schemeClr val="bg1">
-                    <a:lumMod val="65000"/>
-                  </a:schemeClr>
-                </a:solidFill>
-                <a:latin typeface="cmr10" panose="020B0500000000000000" pitchFamily="34" charset="0"/>
-              </a:rPr>
-              <a:t> </a:t>
-            </a:r>
-            <a:r>
-              <a:rPr lang="de-DE" dirty="0" err="1" smtClean="0">
-                <a:solidFill>
-                  <a:schemeClr val="bg1">
-                    <a:lumMod val="65000"/>
-                  </a:schemeClr>
-                </a:solidFill>
-                <a:latin typeface="cmr10" panose="020B0500000000000000" pitchFamily="34" charset="0"/>
-              </a:rPr>
-              <a:t>data</a:t>
-            </a:r>
-            <a:endParaRPr lang="de-DE" dirty="0">
+            <a:ln w="12700">
               <a:solidFill>
                 <a:schemeClr val="bg1">
                   <a:lumMod val="65000"/>
                 </a:schemeClr>
               </a:solidFill>
-              <a:latin typeface="cmr10" panose="020B0500000000000000" pitchFamily="34" charset="0"/>
-            </a:endParaRPr>
-          </a:p>
-        </p:txBody>
-      </p:sp>
+            </a:ln>
+          </p:spPr>
+          <p:style>
+            <a:lnRef idx="2">
+              <a:schemeClr val="accent1">
+                <a:shade val="50000"/>
+              </a:schemeClr>
+            </a:lnRef>
+            <a:fillRef idx="1">
+              <a:schemeClr val="accent1"/>
+            </a:fillRef>
+            <a:effectRef idx="0">
+              <a:schemeClr val="accent1"/>
+            </a:effectRef>
+            <a:fontRef idx="minor">
+              <a:schemeClr val="lt1"/>
+            </a:fontRef>
+          </p:style>
+          <p:txBody>
+            <a:bodyPr rtlCol="0" anchor="ctr"/>
+            <a:lstStyle/>
+            <a:p>
+              <a:pPr algn="ctr"/>
+              <a:endParaRPr lang="de-DE"/>
+            </a:p>
+          </p:txBody>
+        </p:sp>
+        <p:grpSp>
+          <p:nvGrpSpPr>
+            <p:cNvPr id="17" name="Gruppieren 16"/>
+            <p:cNvGrpSpPr/>
+            <p:nvPr/>
+          </p:nvGrpSpPr>
+          <p:grpSpPr>
+            <a:xfrm>
+              <a:off x="3719674" y="2986805"/>
+              <a:ext cx="804540" cy="300536"/>
+              <a:chOff x="2522865" y="3943869"/>
+              <a:chExt cx="2042903" cy="763126"/>
+            </a:xfrm>
+          </p:grpSpPr>
+          <p:pic>
+            <p:nvPicPr>
+              <p:cNvPr id="1036" name="Picture 12" descr="F:\Data\Logo\LogoData-cleaned2\brandROIs\visa\visa_img000102_0.jpg"/>
+              <p:cNvPicPr>
+                <a:picLocks noChangeAspect="1" noChangeArrowheads="1"/>
+              </p:cNvPicPr>
+              <p:nvPr/>
+            </p:nvPicPr>
+            <p:blipFill>
+              <a:blip r:embed="rId4" cstate="print">
+                <a:extLst>
+                  <a:ext uri="{28A0092B-C50C-407E-A947-70E740481C1C}">
+                    <a14:useLocalDpi xmlns:a14="http://schemas.microsoft.com/office/drawing/2010/main" val="0"/>
+                  </a:ext>
+                </a:extLst>
+              </a:blip>
+              <a:srcRect/>
+              <a:stretch>
+                <a:fillRect/>
+              </a:stretch>
+            </p:blipFill>
+            <p:spPr bwMode="auto">
+              <a:xfrm>
+                <a:off x="2522866" y="4346995"/>
+                <a:ext cx="728913" cy="360000"/>
+              </a:xfrm>
+              <a:prstGeom prst="rect">
+                <a:avLst/>
+              </a:prstGeom>
+              <a:noFill/>
+              <a:extLst>
+                <a:ext uri="{909E8E84-426E-40DD-AFC4-6F175D3DCCD1}">
+                  <a14:hiddenFill xmlns:a14="http://schemas.microsoft.com/office/drawing/2010/main">
+                    <a:solidFill>
+                      <a:srgbClr val="FFFFFF"/>
+                    </a:solidFill>
+                  </a14:hiddenFill>
+                </a:ext>
+              </a:extLst>
+            </p:spPr>
+          </p:pic>
+          <p:pic>
+            <p:nvPicPr>
+              <p:cNvPr id="1037" name="Picture 13" descr="F:\Data\Logo\LogoData-cleaned2\brandROIs\bosch-symbol\bosch_img000054_1.jpg"/>
+              <p:cNvPicPr>
+                <a:picLocks noChangeAspect="1" noChangeArrowheads="1"/>
+              </p:cNvPicPr>
+              <p:nvPr/>
+            </p:nvPicPr>
+            <p:blipFill>
+              <a:blip r:embed="rId5" cstate="print">
+                <a:extLst>
+                  <a:ext uri="{28A0092B-C50C-407E-A947-70E740481C1C}">
+                    <a14:useLocalDpi xmlns:a14="http://schemas.microsoft.com/office/drawing/2010/main" val="0"/>
+                  </a:ext>
+                </a:extLst>
+              </a:blip>
+              <a:srcRect/>
+              <a:stretch>
+                <a:fillRect/>
+              </a:stretch>
+            </p:blipFill>
+            <p:spPr bwMode="auto">
+              <a:xfrm>
+                <a:off x="3294846" y="3943869"/>
+                <a:ext cx="341374" cy="360000"/>
+              </a:xfrm>
+              <a:prstGeom prst="rect">
+                <a:avLst/>
+              </a:prstGeom>
+              <a:noFill/>
+              <a:extLst>
+                <a:ext uri="{909E8E84-426E-40DD-AFC4-6F175D3DCCD1}">
+                  <a14:hiddenFill xmlns:a14="http://schemas.microsoft.com/office/drawing/2010/main">
+                    <a:solidFill>
+                      <a:srgbClr val="FFFFFF"/>
+                    </a:solidFill>
+                  </a14:hiddenFill>
+                </a:ext>
+              </a:extLst>
+            </p:spPr>
+          </p:pic>
+          <p:pic>
+            <p:nvPicPr>
+              <p:cNvPr id="1038" name="Picture 14" descr="F:\Data\Logo\LogoData-cleaned2\brandROIs\bosch-symbol\bosch_img000013_1.jpg"/>
+              <p:cNvPicPr>
+                <a:picLocks noChangeAspect="1" noChangeArrowheads="1"/>
+              </p:cNvPicPr>
+              <p:nvPr/>
+            </p:nvPicPr>
+            <p:blipFill>
+              <a:blip r:embed="rId6" cstate="print">
+                <a:extLst>
+                  <a:ext uri="{28A0092B-C50C-407E-A947-70E740481C1C}">
+                    <a14:useLocalDpi xmlns:a14="http://schemas.microsoft.com/office/drawing/2010/main" val="0"/>
+                  </a:ext>
+                </a:extLst>
+              </a:blip>
+              <a:srcRect/>
+              <a:stretch>
+                <a:fillRect/>
+              </a:stretch>
+            </p:blipFill>
+            <p:spPr bwMode="auto">
+              <a:xfrm rot="10800000">
+                <a:off x="3295944" y="4346995"/>
+                <a:ext cx="341374" cy="360000"/>
+              </a:xfrm>
+              <a:prstGeom prst="rect">
+                <a:avLst/>
+              </a:prstGeom>
+              <a:noFill/>
+              <a:extLst>
+                <a:ext uri="{909E8E84-426E-40DD-AFC4-6F175D3DCCD1}">
+                  <a14:hiddenFill xmlns:a14="http://schemas.microsoft.com/office/drawing/2010/main">
+                    <a:solidFill>
+                      <a:srgbClr val="FFFFFF"/>
+                    </a:solidFill>
+                  </a14:hiddenFill>
+                </a:ext>
+              </a:extLst>
+            </p:spPr>
+          </p:pic>
+          <p:pic>
+            <p:nvPicPr>
+              <p:cNvPr id="1039" name="Picture 15" descr="F:\Data\Logo\LogoData-cleaned2\brandROIs\budweiser-b-symbol\budweiser_img000252_3.jpg"/>
+              <p:cNvPicPr>
+                <a:picLocks noChangeAspect="1" noChangeArrowheads="1"/>
+              </p:cNvPicPr>
+              <p:nvPr/>
+            </p:nvPicPr>
+            <p:blipFill>
+              <a:blip r:embed="rId7" cstate="print">
+                <a:extLst>
+                  <a:ext uri="{28A0092B-C50C-407E-A947-70E740481C1C}">
+                    <a14:useLocalDpi xmlns:a14="http://schemas.microsoft.com/office/drawing/2010/main" val="0"/>
+                  </a:ext>
+                </a:extLst>
+              </a:blip>
+              <a:srcRect/>
+              <a:stretch>
+                <a:fillRect/>
+              </a:stretch>
+            </p:blipFill>
+            <p:spPr bwMode="auto">
+              <a:xfrm>
+                <a:off x="3679288" y="3943869"/>
+                <a:ext cx="310292" cy="360000"/>
+              </a:xfrm>
+              <a:prstGeom prst="rect">
+                <a:avLst/>
+              </a:prstGeom>
+              <a:noFill/>
+              <a:extLst>
+                <a:ext uri="{909E8E84-426E-40DD-AFC4-6F175D3DCCD1}">
+                  <a14:hiddenFill xmlns:a14="http://schemas.microsoft.com/office/drawing/2010/main">
+                    <a:solidFill>
+                      <a:srgbClr val="FFFFFF"/>
+                    </a:solidFill>
+                  </a14:hiddenFill>
+                </a:ext>
+              </a:extLst>
+            </p:spPr>
+          </p:pic>
+          <p:pic>
+            <p:nvPicPr>
+              <p:cNvPr id="1040" name="Picture 16" descr="F:\Data\Logo\LogoData-cleaned2\brandROIs\budweiser-b-symbol\budweiser_img000157_4.jpg"/>
+              <p:cNvPicPr>
+                <a:picLocks noChangeAspect="1" noChangeArrowheads="1"/>
+              </p:cNvPicPr>
+              <p:nvPr/>
+            </p:nvPicPr>
+            <p:blipFill>
+              <a:blip r:embed="rId8">
+                <a:extLst>
+                  <a:ext uri="{28A0092B-C50C-407E-A947-70E740481C1C}">
+                    <a14:useLocalDpi xmlns:a14="http://schemas.microsoft.com/office/drawing/2010/main" val="0"/>
+                  </a:ext>
+                </a:extLst>
+              </a:blip>
+              <a:srcRect/>
+              <a:stretch>
+                <a:fillRect/>
+              </a:stretch>
+            </p:blipFill>
+            <p:spPr bwMode="auto">
+              <a:xfrm>
+                <a:off x="3681483" y="4346995"/>
+                <a:ext cx="310293" cy="360000"/>
+              </a:xfrm>
+              <a:prstGeom prst="rect">
+                <a:avLst/>
+              </a:prstGeom>
+              <a:noFill/>
+              <a:extLst>
+                <a:ext uri="{909E8E84-426E-40DD-AFC4-6F175D3DCCD1}">
+                  <a14:hiddenFill xmlns:a14="http://schemas.microsoft.com/office/drawing/2010/main">
+                    <a:solidFill>
+                      <a:srgbClr val="FFFFFF"/>
+                    </a:solidFill>
+                  </a14:hiddenFill>
+                </a:ext>
+              </a:extLst>
+            </p:spPr>
+          </p:pic>
+          <p:pic>
+            <p:nvPicPr>
+              <p:cNvPr id="1041" name="Picture 17" descr="F:\Data\Logo\LogoData-cleaned2\brandROIs\kia\kia_img000043_0.jpg"/>
+              <p:cNvPicPr>
+                <a:picLocks noChangeAspect="1" noChangeArrowheads="1"/>
+              </p:cNvPicPr>
+              <p:nvPr/>
+            </p:nvPicPr>
+            <p:blipFill>
+              <a:blip r:embed="rId9" cstate="print">
+                <a:extLst>
+                  <a:ext uri="{28A0092B-C50C-407E-A947-70E740481C1C}">
+                    <a14:useLocalDpi xmlns:a14="http://schemas.microsoft.com/office/drawing/2010/main" val="0"/>
+                  </a:ext>
+                </a:extLst>
+              </a:blip>
+              <a:srcRect/>
+              <a:stretch>
+                <a:fillRect/>
+              </a:stretch>
+            </p:blipFill>
+            <p:spPr bwMode="auto">
+              <a:xfrm>
+                <a:off x="4032647" y="3943869"/>
+                <a:ext cx="529828" cy="360000"/>
+              </a:xfrm>
+              <a:prstGeom prst="rect">
+                <a:avLst/>
+              </a:prstGeom>
+              <a:noFill/>
+              <a:extLst>
+                <a:ext uri="{909E8E84-426E-40DD-AFC4-6F175D3DCCD1}">
+                  <a14:hiddenFill xmlns:a14="http://schemas.microsoft.com/office/drawing/2010/main">
+                    <a:solidFill>
+                      <a:srgbClr val="FFFFFF"/>
+                    </a:solidFill>
+                  </a14:hiddenFill>
+                </a:ext>
+              </a:extLst>
+            </p:spPr>
+          </p:pic>
+          <p:pic>
+            <p:nvPicPr>
+              <p:cNvPr id="1042" name="Picture 18" descr="F:\Data\Logo\LogoData-cleaned2\brandROIs\kia\kia_img000317_0.jpg"/>
+              <p:cNvPicPr>
+                <a:picLocks noChangeAspect="1" noChangeArrowheads="1"/>
+              </p:cNvPicPr>
+              <p:nvPr/>
+            </p:nvPicPr>
+            <p:blipFill>
+              <a:blip r:embed="rId10" cstate="print">
+                <a:extLst>
+                  <a:ext uri="{28A0092B-C50C-407E-A947-70E740481C1C}">
+                    <a14:useLocalDpi xmlns:a14="http://schemas.microsoft.com/office/drawing/2010/main" val="0"/>
+                  </a:ext>
+                </a:extLst>
+              </a:blip>
+              <a:srcRect/>
+              <a:stretch>
+                <a:fillRect/>
+              </a:stretch>
+            </p:blipFill>
+            <p:spPr bwMode="auto">
+              <a:xfrm>
+                <a:off x="4035940" y="4346995"/>
+                <a:ext cx="529828" cy="360000"/>
+              </a:xfrm>
+              <a:prstGeom prst="rect">
+                <a:avLst/>
+              </a:prstGeom>
+              <a:noFill/>
+              <a:extLst>
+                <a:ext uri="{909E8E84-426E-40DD-AFC4-6F175D3DCCD1}">
+                  <a14:hiddenFill xmlns:a14="http://schemas.microsoft.com/office/drawing/2010/main">
+                    <a:solidFill>
+                      <a:srgbClr val="FFFFFF"/>
+                    </a:solidFill>
+                  </a14:hiddenFill>
+                </a:ext>
+              </a:extLst>
+            </p:spPr>
+          </p:pic>
+          <p:pic>
+            <p:nvPicPr>
+              <p:cNvPr id="1045" name="Picture 21" descr="F:\Data\Logo\LogoData-cleaned2\brandROIs\visa\visa_img000038_0.jpg"/>
+              <p:cNvPicPr>
+                <a:picLocks noChangeAspect="1" noChangeArrowheads="1"/>
+              </p:cNvPicPr>
+              <p:nvPr/>
+            </p:nvPicPr>
+            <p:blipFill>
+              <a:blip r:embed="rId11" cstate="print">
+                <a:extLst>
+                  <a:ext uri="{28A0092B-C50C-407E-A947-70E740481C1C}">
+                    <a14:useLocalDpi xmlns:a14="http://schemas.microsoft.com/office/drawing/2010/main" val="0"/>
+                  </a:ext>
+                </a:extLst>
+              </a:blip>
+              <a:srcRect/>
+              <a:stretch>
+                <a:fillRect/>
+              </a:stretch>
+            </p:blipFill>
+            <p:spPr bwMode="auto">
+              <a:xfrm rot="10800000">
+                <a:off x="2522865" y="3943869"/>
+                <a:ext cx="728913" cy="360000"/>
+              </a:xfrm>
+              <a:prstGeom prst="rect">
+                <a:avLst/>
+              </a:prstGeom>
+              <a:noFill/>
+              <a:extLst>
+                <a:ext uri="{909E8E84-426E-40DD-AFC4-6F175D3DCCD1}">
+                  <a14:hiddenFill xmlns:a14="http://schemas.microsoft.com/office/drawing/2010/main">
+                    <a:solidFill>
+                      <a:srgbClr val="FFFFFF"/>
+                    </a:solidFill>
+                  </a14:hiddenFill>
+                </a:ext>
+              </a:extLst>
+            </p:spPr>
+          </p:pic>
+        </p:grpSp>
+      </p:grpSp>
+      <p:grpSp>
+        <p:nvGrpSpPr>
+          <p:cNvPr id="22" name="Gruppieren 21"/>
+          <p:cNvGrpSpPr/>
+          <p:nvPr/>
+        </p:nvGrpSpPr>
+        <p:grpSpPr>
+          <a:xfrm>
+            <a:off x="1398588" y="795374"/>
+            <a:ext cx="769016" cy="400016"/>
+            <a:chOff x="1252538" y="816803"/>
+            <a:chExt cx="769016" cy="400016"/>
+          </a:xfrm>
+        </p:grpSpPr>
+        <p:grpSp>
+          <p:nvGrpSpPr>
+            <p:cNvPr id="21" name="Gruppieren 20"/>
+            <p:cNvGrpSpPr/>
+            <p:nvPr/>
+          </p:nvGrpSpPr>
+          <p:grpSpPr>
+            <a:xfrm>
+              <a:off x="1252538" y="816803"/>
+              <a:ext cx="769016" cy="400016"/>
+              <a:chOff x="1252538" y="816803"/>
+              <a:chExt cx="769016" cy="400016"/>
+            </a:xfrm>
+          </p:grpSpPr>
+          <p:sp>
+            <p:nvSpPr>
+              <p:cNvPr id="83" name="Rechteck 82"/>
+              <p:cNvSpPr/>
+              <p:nvPr/>
+            </p:nvSpPr>
+            <p:spPr>
+              <a:xfrm>
+                <a:off x="1252538" y="816803"/>
+                <a:ext cx="769016" cy="400016"/>
+              </a:xfrm>
+              <a:prstGeom prst="rect">
+                <a:avLst/>
+              </a:prstGeom>
+              <a:noFill/>
+              <a:ln w="12700">
+                <a:solidFill>
+                  <a:schemeClr val="bg1">
+                    <a:lumMod val="65000"/>
+                  </a:schemeClr>
+                </a:solidFill>
+              </a:ln>
+            </p:spPr>
+            <p:style>
+              <a:lnRef idx="2">
+                <a:schemeClr val="accent1">
+                  <a:shade val="50000"/>
+                </a:schemeClr>
+              </a:lnRef>
+              <a:fillRef idx="1">
+                <a:schemeClr val="accent1"/>
+              </a:fillRef>
+              <a:effectRef idx="0">
+                <a:schemeClr val="accent1"/>
+              </a:effectRef>
+              <a:fontRef idx="minor">
+                <a:schemeClr val="lt1"/>
+              </a:fontRef>
+            </p:style>
+            <p:txBody>
+              <a:bodyPr rtlCol="0" anchor="ctr"/>
+              <a:lstStyle/>
+              <a:p>
+                <a:pPr algn="ctr"/>
+                <a:endParaRPr lang="de-DE"/>
+              </a:p>
+            </p:txBody>
+          </p:sp>
+          <p:grpSp>
+            <p:nvGrpSpPr>
+              <p:cNvPr id="20" name="Gruppieren 19"/>
+              <p:cNvGrpSpPr/>
+              <p:nvPr/>
+            </p:nvGrpSpPr>
+            <p:grpSpPr>
+              <a:xfrm>
+                <a:off x="1277571" y="844612"/>
+                <a:ext cx="716836" cy="347466"/>
+                <a:chOff x="2660071" y="3732568"/>
+                <a:chExt cx="794736" cy="385226"/>
+              </a:xfrm>
+            </p:grpSpPr>
+            <p:pic>
+              <p:nvPicPr>
+                <p:cNvPr id="1048" name="Picture 24"/>
+                <p:cNvPicPr>
+                  <a:picLocks noChangeAspect="1" noChangeArrowheads="1"/>
+                </p:cNvPicPr>
+                <p:nvPr/>
+              </p:nvPicPr>
+              <p:blipFill>
+                <a:blip r:embed="rId12" cstate="print">
+                  <a:extLst>
+                    <a:ext uri="{28A0092B-C50C-407E-A947-70E740481C1C}">
+                      <a14:useLocalDpi xmlns:a14="http://schemas.microsoft.com/office/drawing/2010/main" val="0"/>
+                    </a:ext>
+                  </a:extLst>
+                </a:blip>
+                <a:srcRect/>
+                <a:stretch>
+                  <a:fillRect/>
+                </a:stretch>
+              </p:blipFill>
+              <p:spPr bwMode="auto">
+                <a:xfrm>
+                  <a:off x="2660071" y="3732568"/>
+                  <a:ext cx="278392" cy="180000"/>
+                </a:xfrm>
+                <a:prstGeom prst="rect">
+                  <a:avLst/>
+                </a:prstGeom>
+                <a:noFill/>
+                <a:ln w="9525">
+                  <a:noFill/>
+                  <a:miter lim="800000"/>
+                  <a:headEnd/>
+                  <a:tailEnd/>
+                </a:ln>
+                <a:extLst>
+                  <a:ext uri="{909E8E84-426E-40DD-AFC4-6F175D3DCCD1}">
+                    <a14:hiddenFill xmlns:a14="http://schemas.microsoft.com/office/drawing/2010/main">
+                      <a:solidFill>
+                        <a:schemeClr val="accent1"/>
+                      </a:solidFill>
+                    </a14:hiddenFill>
+                  </a:ext>
+                </a:extLst>
+              </p:spPr>
+            </p:pic>
+            <p:pic>
+              <p:nvPicPr>
+                <p:cNvPr id="1049" name="Picture 25"/>
+                <p:cNvPicPr>
+                  <a:picLocks noChangeAspect="1" noChangeArrowheads="1"/>
+                </p:cNvPicPr>
+                <p:nvPr/>
+              </p:nvPicPr>
+              <p:blipFill>
+                <a:blip r:embed="rId13" cstate="print">
+                  <a:extLst>
+                    <a:ext uri="{28A0092B-C50C-407E-A947-70E740481C1C}">
+                      <a14:useLocalDpi xmlns:a14="http://schemas.microsoft.com/office/drawing/2010/main" val="0"/>
+                    </a:ext>
+                  </a:extLst>
+                </a:blip>
+                <a:srcRect/>
+                <a:stretch>
+                  <a:fillRect/>
+                </a:stretch>
+              </p:blipFill>
+              <p:spPr bwMode="auto">
+                <a:xfrm>
+                  <a:off x="3219450" y="3732568"/>
+                  <a:ext cx="235357" cy="180000"/>
+                </a:xfrm>
+                <a:prstGeom prst="rect">
+                  <a:avLst/>
+                </a:prstGeom>
+                <a:noFill/>
+                <a:ln w="9525">
+                  <a:noFill/>
+                  <a:miter lim="800000"/>
+                  <a:headEnd/>
+                  <a:tailEnd/>
+                </a:ln>
+                <a:extLst>
+                  <a:ext uri="{909E8E84-426E-40DD-AFC4-6F175D3DCCD1}">
+                    <a14:hiddenFill xmlns:a14="http://schemas.microsoft.com/office/drawing/2010/main">
+                      <a:solidFill>
+                        <a:schemeClr val="accent1"/>
+                      </a:solidFill>
+                    </a14:hiddenFill>
+                  </a:ext>
+                </a:extLst>
+              </p:spPr>
+            </p:pic>
+            <p:pic>
+              <p:nvPicPr>
+                <p:cNvPr id="1050" name="Picture 26"/>
+                <p:cNvPicPr>
+                  <a:picLocks noChangeAspect="1" noChangeArrowheads="1"/>
+                </p:cNvPicPr>
+                <p:nvPr/>
+              </p:nvPicPr>
+              <p:blipFill>
+                <a:blip r:embed="rId14" cstate="print">
+                  <a:extLst>
+                    <a:ext uri="{28A0092B-C50C-407E-A947-70E740481C1C}">
+                      <a14:useLocalDpi xmlns:a14="http://schemas.microsoft.com/office/drawing/2010/main" val="0"/>
+                    </a:ext>
+                  </a:extLst>
+                </a:blip>
+                <a:srcRect/>
+                <a:stretch>
+                  <a:fillRect/>
+                </a:stretch>
+              </p:blipFill>
+              <p:spPr bwMode="auto">
+                <a:xfrm>
+                  <a:off x="2955020" y="3732568"/>
+                  <a:ext cx="247873" cy="180000"/>
+                </a:xfrm>
+                <a:prstGeom prst="rect">
+                  <a:avLst/>
+                </a:prstGeom>
+                <a:noFill/>
+                <a:ln w="9525">
+                  <a:noFill/>
+                  <a:miter lim="800000"/>
+                  <a:headEnd/>
+                  <a:tailEnd/>
+                </a:ln>
+                <a:extLst>
+                  <a:ext uri="{909E8E84-426E-40DD-AFC4-6F175D3DCCD1}">
+                    <a14:hiddenFill xmlns:a14="http://schemas.microsoft.com/office/drawing/2010/main">
+                      <a:solidFill>
+                        <a:schemeClr val="accent1"/>
+                      </a:solidFill>
+                    </a14:hiddenFill>
+                  </a:ext>
+                </a:extLst>
+              </p:spPr>
+            </p:pic>
+            <p:pic>
+              <p:nvPicPr>
+                <p:cNvPr id="1051" name="Picture 27"/>
+                <p:cNvPicPr>
+                  <a:picLocks noChangeAspect="1" noChangeArrowheads="1"/>
+                </p:cNvPicPr>
+                <p:nvPr/>
+              </p:nvPicPr>
+              <p:blipFill>
+                <a:blip r:embed="rId15" cstate="print">
+                  <a:extLst>
+                    <a:ext uri="{28A0092B-C50C-407E-A947-70E740481C1C}">
+                      <a14:useLocalDpi xmlns:a14="http://schemas.microsoft.com/office/drawing/2010/main" val="0"/>
+                    </a:ext>
+                  </a:extLst>
+                </a:blip>
+                <a:srcRect/>
+                <a:stretch>
+                  <a:fillRect/>
+                </a:stretch>
+              </p:blipFill>
+              <p:spPr bwMode="auto">
+                <a:xfrm>
+                  <a:off x="2660071" y="3937793"/>
+                  <a:ext cx="240630" cy="180000"/>
+                </a:xfrm>
+                <a:prstGeom prst="rect">
+                  <a:avLst/>
+                </a:prstGeom>
+                <a:noFill/>
+                <a:ln w="9525">
+                  <a:noFill/>
+                  <a:miter lim="800000"/>
+                  <a:headEnd/>
+                  <a:tailEnd/>
+                </a:ln>
+                <a:extLst>
+                  <a:ext uri="{909E8E84-426E-40DD-AFC4-6F175D3DCCD1}">
+                    <a14:hiddenFill xmlns:a14="http://schemas.microsoft.com/office/drawing/2010/main">
+                      <a:solidFill>
+                        <a:schemeClr val="accent1"/>
+                      </a:solidFill>
+                    </a14:hiddenFill>
+                  </a:ext>
+                </a:extLst>
+              </p:spPr>
+            </p:pic>
+            <p:pic>
+              <p:nvPicPr>
+                <p:cNvPr id="1052" name="Picture 28"/>
+                <p:cNvPicPr>
+                  <a:picLocks noChangeAspect="1" noChangeArrowheads="1"/>
+                </p:cNvPicPr>
+                <p:nvPr/>
+              </p:nvPicPr>
+              <p:blipFill>
+                <a:blip r:embed="rId16" cstate="print">
+                  <a:extLst>
+                    <a:ext uri="{28A0092B-C50C-407E-A947-70E740481C1C}">
+                      <a14:useLocalDpi xmlns:a14="http://schemas.microsoft.com/office/drawing/2010/main" val="0"/>
+                    </a:ext>
+                  </a:extLst>
+                </a:blip>
+                <a:srcRect/>
+                <a:stretch>
+                  <a:fillRect/>
+                </a:stretch>
+              </p:blipFill>
+              <p:spPr bwMode="auto">
+                <a:xfrm>
+                  <a:off x="3218846" y="3937794"/>
+                  <a:ext cx="235356" cy="180000"/>
+                </a:xfrm>
+                <a:prstGeom prst="rect">
+                  <a:avLst/>
+                </a:prstGeom>
+                <a:noFill/>
+                <a:ln w="9525">
+                  <a:noFill/>
+                  <a:miter lim="800000"/>
+                  <a:headEnd/>
+                  <a:tailEnd/>
+                </a:ln>
+                <a:extLst>
+                  <a:ext uri="{909E8E84-426E-40DD-AFC4-6F175D3DCCD1}">
+                    <a14:hiddenFill xmlns:a14="http://schemas.microsoft.com/office/drawing/2010/main">
+                      <a:solidFill>
+                        <a:schemeClr val="accent1"/>
+                      </a:solidFill>
+                    </a14:hiddenFill>
+                  </a:ext>
+                </a:extLst>
+              </p:spPr>
+            </p:pic>
+            <p:pic>
+              <p:nvPicPr>
+                <p:cNvPr id="1053" name="Picture 29"/>
+                <p:cNvPicPr>
+                  <a:picLocks noChangeAspect="1" noChangeArrowheads="1"/>
+                </p:cNvPicPr>
+                <p:nvPr/>
+              </p:nvPicPr>
+              <p:blipFill rotWithShape="1">
+                <a:blip r:embed="rId17" cstate="print">
+                  <a:extLst>
+                    <a:ext uri="{28A0092B-C50C-407E-A947-70E740481C1C}">
+                      <a14:useLocalDpi xmlns:a14="http://schemas.microsoft.com/office/drawing/2010/main" val="0"/>
+                    </a:ext>
+                  </a:extLst>
+                </a:blip>
+                <a:srcRect l="9434"/>
+                <a:stretch/>
+              </p:blipFill>
+              <p:spPr bwMode="auto">
+                <a:xfrm>
+                  <a:off x="2914886" y="3937793"/>
+                  <a:ext cx="289774" cy="180000"/>
+                </a:xfrm>
+                <a:prstGeom prst="rect">
+                  <a:avLst/>
+                </a:prstGeom>
+                <a:noFill/>
+                <a:ln w="9525">
+                  <a:noFill/>
+                  <a:miter lim="800000"/>
+                  <a:headEnd/>
+                  <a:tailEnd/>
+                </a:ln>
+                <a:extLst>
+                  <a:ext uri="{909E8E84-426E-40DD-AFC4-6F175D3DCCD1}">
+                    <a14:hiddenFill xmlns:a14="http://schemas.microsoft.com/office/drawing/2010/main">
+                      <a:solidFill>
+                        <a:schemeClr val="accent1"/>
+                      </a:solidFill>
+                    </a14:hiddenFill>
+                  </a:ext>
+                </a:extLst>
+              </p:spPr>
+            </p:pic>
+          </p:grpSp>
+        </p:grpSp>
+        <p:sp>
+          <p:nvSpPr>
+            <p:cNvPr id="157" name="Rechteck 156"/>
+            <p:cNvSpPr/>
+            <p:nvPr/>
+          </p:nvSpPr>
+          <p:spPr>
+            <a:xfrm>
+              <a:off x="1330918" y="857435"/>
+              <a:ext cx="95451" cy="76015"/>
+            </a:xfrm>
+            <a:prstGeom prst="rect">
+              <a:avLst/>
+            </a:prstGeom>
+            <a:noFill/>
+            <a:ln w="12700">
+              <a:solidFill>
+                <a:srgbClr val="84FF15">
+                  <a:alpha val="60000"/>
+                </a:srgbClr>
+              </a:solidFill>
+            </a:ln>
+          </p:spPr>
+          <p:style>
+            <a:lnRef idx="2">
+              <a:schemeClr val="accent1">
+                <a:shade val="50000"/>
+              </a:schemeClr>
+            </a:lnRef>
+            <a:fillRef idx="1">
+              <a:schemeClr val="accent1"/>
+            </a:fillRef>
+            <a:effectRef idx="0">
+              <a:schemeClr val="accent1"/>
+            </a:effectRef>
+            <a:fontRef idx="minor">
+              <a:schemeClr val="lt1"/>
+            </a:fontRef>
+          </p:style>
+          <p:txBody>
+            <a:bodyPr rtlCol="0" anchor="ctr"/>
+            <a:lstStyle/>
+            <a:p>
+              <a:pPr algn="ctr"/>
+              <a:endParaRPr lang="de-DE"/>
+            </a:p>
+          </p:txBody>
+        </p:sp>
+        <p:sp>
+          <p:nvSpPr>
+            <p:cNvPr id="158" name="Rechteck 157"/>
+            <p:cNvSpPr/>
+            <p:nvPr/>
+          </p:nvSpPr>
+          <p:spPr>
+            <a:xfrm>
+              <a:off x="1878605" y="885825"/>
+              <a:ext cx="95451" cy="59532"/>
+            </a:xfrm>
+            <a:prstGeom prst="rect">
+              <a:avLst/>
+            </a:prstGeom>
+            <a:noFill/>
+            <a:ln w="12700">
+              <a:solidFill>
+                <a:srgbClr val="84FF15">
+                  <a:alpha val="60000"/>
+                </a:srgbClr>
+              </a:solidFill>
+            </a:ln>
+          </p:spPr>
+          <p:style>
+            <a:lnRef idx="2">
+              <a:schemeClr val="accent1">
+                <a:shade val="50000"/>
+              </a:schemeClr>
+            </a:lnRef>
+            <a:fillRef idx="1">
+              <a:schemeClr val="accent1"/>
+            </a:fillRef>
+            <a:effectRef idx="0">
+              <a:schemeClr val="accent1"/>
+            </a:effectRef>
+            <a:fontRef idx="minor">
+              <a:schemeClr val="lt1"/>
+            </a:fontRef>
+          </p:style>
+          <p:txBody>
+            <a:bodyPr rtlCol="0" anchor="ctr"/>
+            <a:lstStyle/>
+            <a:p>
+              <a:pPr algn="ctr"/>
+              <a:endParaRPr lang="de-DE"/>
+            </a:p>
+          </p:txBody>
+        </p:sp>
+        <p:sp>
+          <p:nvSpPr>
+            <p:cNvPr id="159" name="Rechteck 158"/>
+            <p:cNvSpPr/>
+            <p:nvPr/>
+          </p:nvSpPr>
+          <p:spPr>
+            <a:xfrm>
+              <a:off x="1611905" y="914585"/>
+              <a:ext cx="52589" cy="45719"/>
+            </a:xfrm>
+            <a:prstGeom prst="rect">
+              <a:avLst/>
+            </a:prstGeom>
+            <a:noFill/>
+            <a:ln w="12700">
+              <a:solidFill>
+                <a:srgbClr val="84FF15">
+                  <a:alpha val="60000"/>
+                </a:srgbClr>
+              </a:solidFill>
+            </a:ln>
+          </p:spPr>
+          <p:style>
+            <a:lnRef idx="2">
+              <a:schemeClr val="accent1">
+                <a:shade val="50000"/>
+              </a:schemeClr>
+            </a:lnRef>
+            <a:fillRef idx="1">
+              <a:schemeClr val="accent1"/>
+            </a:fillRef>
+            <a:effectRef idx="0">
+              <a:schemeClr val="accent1"/>
+            </a:effectRef>
+            <a:fontRef idx="minor">
+              <a:schemeClr val="lt1"/>
+            </a:fontRef>
+          </p:style>
+          <p:txBody>
+            <a:bodyPr rtlCol="0" anchor="ctr"/>
+            <a:lstStyle/>
+            <a:p>
+              <a:pPr algn="ctr"/>
+              <a:endParaRPr lang="de-DE"/>
+            </a:p>
+          </p:txBody>
+        </p:sp>
+        <p:sp>
+          <p:nvSpPr>
+            <p:cNvPr id="160" name="Rechteck 159"/>
+            <p:cNvSpPr/>
+            <p:nvPr/>
+          </p:nvSpPr>
+          <p:spPr>
+            <a:xfrm>
+              <a:off x="1385786" y="1046790"/>
+              <a:ext cx="95451" cy="100973"/>
+            </a:xfrm>
+            <a:prstGeom prst="rect">
+              <a:avLst/>
+            </a:prstGeom>
+            <a:noFill/>
+            <a:ln w="12700">
+              <a:solidFill>
+                <a:srgbClr val="84FF15">
+                  <a:alpha val="60000"/>
+                </a:srgbClr>
+              </a:solidFill>
+            </a:ln>
+          </p:spPr>
+          <p:style>
+            <a:lnRef idx="2">
+              <a:schemeClr val="accent1">
+                <a:shade val="50000"/>
+              </a:schemeClr>
+            </a:lnRef>
+            <a:fillRef idx="1">
+              <a:schemeClr val="accent1"/>
+            </a:fillRef>
+            <a:effectRef idx="0">
+              <a:schemeClr val="accent1"/>
+            </a:effectRef>
+            <a:fontRef idx="minor">
+              <a:schemeClr val="lt1"/>
+            </a:fontRef>
+          </p:style>
+          <p:txBody>
+            <a:bodyPr rtlCol="0" anchor="ctr"/>
+            <a:lstStyle/>
+            <a:p>
+              <a:pPr algn="ctr"/>
+              <a:endParaRPr lang="de-DE"/>
+            </a:p>
+          </p:txBody>
+        </p:sp>
+        <p:sp>
+          <p:nvSpPr>
+            <p:cNvPr id="161" name="Rechteck 160"/>
+            <p:cNvSpPr/>
+            <p:nvPr/>
+          </p:nvSpPr>
+          <p:spPr>
+            <a:xfrm>
+              <a:off x="1624012" y="1070511"/>
+              <a:ext cx="45719" cy="45719"/>
+            </a:xfrm>
+            <a:prstGeom prst="rect">
+              <a:avLst/>
+            </a:prstGeom>
+            <a:noFill/>
+            <a:ln w="12700">
+              <a:solidFill>
+                <a:srgbClr val="84FF15">
+                  <a:alpha val="60000"/>
+                </a:srgbClr>
+              </a:solidFill>
+            </a:ln>
+          </p:spPr>
+          <p:style>
+            <a:lnRef idx="2">
+              <a:schemeClr val="accent1">
+                <a:shade val="50000"/>
+              </a:schemeClr>
+            </a:lnRef>
+            <a:fillRef idx="1">
+              <a:schemeClr val="accent1"/>
+            </a:fillRef>
+            <a:effectRef idx="0">
+              <a:schemeClr val="accent1"/>
+            </a:effectRef>
+            <a:fontRef idx="minor">
+              <a:schemeClr val="lt1"/>
+            </a:fontRef>
+          </p:style>
+          <p:txBody>
+            <a:bodyPr rtlCol="0" anchor="ctr"/>
+            <a:lstStyle/>
+            <a:p>
+              <a:pPr algn="ctr"/>
+              <a:endParaRPr lang="de-DE"/>
+            </a:p>
+          </p:txBody>
+        </p:sp>
+        <p:sp>
+          <p:nvSpPr>
+            <p:cNvPr id="162" name="Rechteck 161"/>
+            <p:cNvSpPr/>
+            <p:nvPr/>
+          </p:nvSpPr>
+          <p:spPr>
+            <a:xfrm>
+              <a:off x="1795624" y="1042028"/>
+              <a:ext cx="95090" cy="96210"/>
+            </a:xfrm>
+            <a:prstGeom prst="rect">
+              <a:avLst/>
+            </a:prstGeom>
+            <a:noFill/>
+            <a:ln w="12700">
+              <a:solidFill>
+                <a:srgbClr val="84FF15">
+                  <a:alpha val="60000"/>
+                </a:srgbClr>
+              </a:solidFill>
+            </a:ln>
+          </p:spPr>
+          <p:style>
+            <a:lnRef idx="2">
+              <a:schemeClr val="accent1">
+                <a:shade val="50000"/>
+              </a:schemeClr>
+            </a:lnRef>
+            <a:fillRef idx="1">
+              <a:schemeClr val="accent1"/>
+            </a:fillRef>
+            <a:effectRef idx="0">
+              <a:schemeClr val="accent1"/>
+            </a:effectRef>
+            <a:fontRef idx="minor">
+              <a:schemeClr val="lt1"/>
+            </a:fontRef>
+          </p:style>
+          <p:txBody>
+            <a:bodyPr rtlCol="0" anchor="ctr"/>
+            <a:lstStyle/>
+            <a:p>
+              <a:pPr algn="ctr"/>
+              <a:endParaRPr lang="de-DE"/>
+            </a:p>
+          </p:txBody>
+        </p:sp>
+      </p:grpSp>
+      <p:grpSp>
+        <p:nvGrpSpPr>
+          <p:cNvPr id="60" name="Gruppieren 59"/>
+          <p:cNvGrpSpPr/>
+          <p:nvPr/>
+        </p:nvGrpSpPr>
+        <p:grpSpPr>
+          <a:xfrm>
+            <a:off x="1384392" y="2324101"/>
+            <a:ext cx="787308" cy="395288"/>
+            <a:chOff x="1384392" y="2324101"/>
+            <a:chExt cx="787308" cy="395288"/>
+          </a:xfrm>
+        </p:grpSpPr>
+        <p:sp>
+          <p:nvSpPr>
+            <p:cNvPr id="172" name="Rechteck 171"/>
+            <p:cNvSpPr/>
+            <p:nvPr/>
+          </p:nvSpPr>
+          <p:spPr>
+            <a:xfrm>
+              <a:off x="1384392" y="2324101"/>
+              <a:ext cx="787308" cy="395288"/>
+            </a:xfrm>
+            <a:prstGeom prst="rect">
+              <a:avLst/>
+            </a:prstGeom>
+            <a:noFill/>
+            <a:ln w="12700">
+              <a:solidFill>
+                <a:schemeClr val="bg1">
+                  <a:lumMod val="65000"/>
+                </a:schemeClr>
+              </a:solidFill>
+            </a:ln>
+          </p:spPr>
+          <p:style>
+            <a:lnRef idx="2">
+              <a:schemeClr val="accent1">
+                <a:shade val="50000"/>
+              </a:schemeClr>
+            </a:lnRef>
+            <a:fillRef idx="1">
+              <a:schemeClr val="accent1"/>
+            </a:fillRef>
+            <a:effectRef idx="0">
+              <a:schemeClr val="accent1"/>
+            </a:effectRef>
+            <a:fontRef idx="minor">
+              <a:schemeClr val="lt1"/>
+            </a:fontRef>
+          </p:style>
+          <p:txBody>
+            <a:bodyPr rtlCol="0" anchor="ctr"/>
+            <a:lstStyle/>
+            <a:p>
+              <a:pPr algn="ctr"/>
+              <a:endParaRPr lang="de-DE"/>
+            </a:p>
+          </p:txBody>
+        </p:sp>
+        <p:grpSp>
+          <p:nvGrpSpPr>
+            <p:cNvPr id="29" name="Gruppieren 28"/>
+            <p:cNvGrpSpPr/>
+            <p:nvPr/>
+          </p:nvGrpSpPr>
+          <p:grpSpPr>
+            <a:xfrm>
+              <a:off x="1413492" y="2353965"/>
+              <a:ext cx="729108" cy="335560"/>
+              <a:chOff x="1292446" y="2472145"/>
+              <a:chExt cx="729108" cy="335560"/>
+            </a:xfrm>
+          </p:grpSpPr>
+          <p:grpSp>
+            <p:nvGrpSpPr>
+              <p:cNvPr id="23" name="Gruppieren 22"/>
+              <p:cNvGrpSpPr/>
+              <p:nvPr/>
+            </p:nvGrpSpPr>
+            <p:grpSpPr>
+              <a:xfrm>
+                <a:off x="1581373" y="2472145"/>
+                <a:ext cx="223576" cy="162356"/>
+                <a:chOff x="1544906" y="2472145"/>
+                <a:chExt cx="223576" cy="162356"/>
+              </a:xfrm>
+            </p:grpSpPr>
+            <p:pic>
+              <p:nvPicPr>
+                <p:cNvPr id="176" name="Picture 26"/>
+                <p:cNvPicPr>
+                  <a:picLocks noChangeAspect="1" noChangeArrowheads="1"/>
+                </p:cNvPicPr>
+                <p:nvPr/>
+              </p:nvPicPr>
+              <p:blipFill>
+                <a:blip r:embed="rId14" cstate="print">
+                  <a:extLst>
+                    <a:ext uri="{28A0092B-C50C-407E-A947-70E740481C1C}">
+                      <a14:useLocalDpi xmlns:a14="http://schemas.microsoft.com/office/drawing/2010/main" val="0"/>
+                    </a:ext>
+                  </a:extLst>
+                </a:blip>
+                <a:srcRect/>
+                <a:stretch>
+                  <a:fillRect/>
+                </a:stretch>
+              </p:blipFill>
+              <p:spPr bwMode="auto">
+                <a:xfrm>
+                  <a:off x="1544906" y="2472145"/>
+                  <a:ext cx="223576" cy="162356"/>
+                </a:xfrm>
+                <a:prstGeom prst="rect">
+                  <a:avLst/>
+                </a:prstGeom>
+                <a:noFill/>
+                <a:ln>
+                  <a:noFill/>
+                </a:ln>
+                <a:extLst>
+                  <a:ext uri="{909E8E84-426E-40DD-AFC4-6F175D3DCCD1}">
+                    <a14:hiddenFill xmlns:a14="http://schemas.microsoft.com/office/drawing/2010/main">
+                      <a:solidFill>
+                        <a:schemeClr val="accent1"/>
+                      </a:solidFill>
+                    </a14:hiddenFill>
+                  </a:ext>
+                  <a:ext uri="{91240B29-F687-4F45-9708-019B960494DF}">
+                    <a14:hiddenLine xmlns:a14="http://schemas.microsoft.com/office/drawing/2010/main" w="9525">
+                      <a:solidFill>
+                        <a:schemeClr val="tx1"/>
+                      </a:solidFill>
+                      <a:miter lim="800000"/>
+                      <a:headEnd/>
+                      <a:tailEnd/>
+                    </a14:hiddenLine>
+                  </a:ext>
+                </a:extLst>
+              </p:spPr>
+            </p:pic>
+            <p:sp>
+              <p:nvSpPr>
+                <p:cNvPr id="168" name="Rechteck 167"/>
+                <p:cNvSpPr/>
+                <p:nvPr/>
+              </p:nvSpPr>
+              <p:spPr>
+                <a:xfrm>
+                  <a:off x="1613205" y="2542119"/>
+                  <a:ext cx="52589" cy="45719"/>
+                </a:xfrm>
+                <a:prstGeom prst="rect">
+                  <a:avLst/>
+                </a:prstGeom>
+                <a:noFill/>
+                <a:ln w="12700">
+                  <a:solidFill>
+                    <a:srgbClr val="84FF15">
+                      <a:alpha val="60000"/>
+                    </a:srgbClr>
+                  </a:solidFill>
+                </a:ln>
+              </p:spPr>
+              <p:style>
+                <a:lnRef idx="2">
+                  <a:schemeClr val="accent1">
+                    <a:shade val="50000"/>
+                  </a:schemeClr>
+                </a:lnRef>
+                <a:fillRef idx="1">
+                  <a:schemeClr val="accent1"/>
+                </a:fillRef>
+                <a:effectRef idx="0">
+                  <a:schemeClr val="accent1"/>
+                </a:effectRef>
+                <a:fontRef idx="minor">
+                  <a:schemeClr val="lt1"/>
+                </a:fontRef>
+              </p:style>
+              <p:txBody>
+                <a:bodyPr rtlCol="0" anchor="ctr"/>
+                <a:lstStyle/>
+                <a:p>
+                  <a:pPr algn="ctr"/>
+                  <a:endParaRPr lang="de-DE"/>
+                </a:p>
+              </p:txBody>
+            </p:sp>
+          </p:grpSp>
+          <p:grpSp>
+            <p:nvGrpSpPr>
+              <p:cNvPr id="24" name="Gruppieren 23"/>
+              <p:cNvGrpSpPr/>
+              <p:nvPr/>
+            </p:nvGrpSpPr>
+            <p:grpSpPr>
+              <a:xfrm>
+                <a:off x="1292447" y="2645349"/>
+                <a:ext cx="217043" cy="162356"/>
+                <a:chOff x="1278868" y="2657254"/>
+                <a:chExt cx="217043" cy="162356"/>
+              </a:xfrm>
+            </p:grpSpPr>
+            <p:pic>
+              <p:nvPicPr>
+                <p:cNvPr id="177" name="Picture 27"/>
+                <p:cNvPicPr>
+                  <a:picLocks noChangeAspect="1" noChangeArrowheads="1"/>
+                </p:cNvPicPr>
+                <p:nvPr/>
+              </p:nvPicPr>
+              <p:blipFill>
+                <a:blip r:embed="rId15" cstate="print">
+                  <a:extLst>
+                    <a:ext uri="{28A0092B-C50C-407E-A947-70E740481C1C}">
+                      <a14:useLocalDpi xmlns:a14="http://schemas.microsoft.com/office/drawing/2010/main" val="0"/>
+                    </a:ext>
+                  </a:extLst>
+                </a:blip>
+                <a:srcRect/>
+                <a:stretch>
+                  <a:fillRect/>
+                </a:stretch>
+              </p:blipFill>
+              <p:spPr bwMode="auto">
+                <a:xfrm>
+                  <a:off x="1278868" y="2657254"/>
+                  <a:ext cx="217043" cy="162356"/>
+                </a:xfrm>
+                <a:prstGeom prst="rect">
+                  <a:avLst/>
+                </a:prstGeom>
+                <a:noFill/>
+                <a:ln>
+                  <a:noFill/>
+                </a:ln>
+                <a:extLst>
+                  <a:ext uri="{909E8E84-426E-40DD-AFC4-6F175D3DCCD1}">
+                    <a14:hiddenFill xmlns:a14="http://schemas.microsoft.com/office/drawing/2010/main">
+                      <a:solidFill>
+                        <a:schemeClr val="accent1"/>
+                      </a:solidFill>
+                    </a14:hiddenFill>
+                  </a:ext>
+                  <a:ext uri="{91240B29-F687-4F45-9708-019B960494DF}">
+                    <a14:hiddenLine xmlns:a14="http://schemas.microsoft.com/office/drawing/2010/main" w="9525">
+                      <a:solidFill>
+                        <a:schemeClr val="tx1"/>
+                      </a:solidFill>
+                      <a:miter lim="800000"/>
+                      <a:headEnd/>
+                      <a:tailEnd/>
+                    </a14:hiddenLine>
+                  </a:ext>
+                </a:extLst>
+              </p:spPr>
+            </p:pic>
+            <p:sp>
+              <p:nvSpPr>
+                <p:cNvPr id="169" name="Rechteck 168"/>
+                <p:cNvSpPr/>
+                <p:nvPr/>
+              </p:nvSpPr>
+              <p:spPr>
+                <a:xfrm>
+                  <a:off x="1387086" y="2674324"/>
+                  <a:ext cx="95451" cy="100973"/>
+                </a:xfrm>
+                <a:prstGeom prst="rect">
+                  <a:avLst/>
+                </a:prstGeom>
+                <a:noFill/>
+                <a:ln w="12700">
+                  <a:solidFill>
+                    <a:srgbClr val="84FF15">
+                      <a:alpha val="60000"/>
+                    </a:srgbClr>
+                  </a:solidFill>
+                </a:ln>
+              </p:spPr>
+              <p:style>
+                <a:lnRef idx="2">
+                  <a:schemeClr val="accent1">
+                    <a:shade val="50000"/>
+                  </a:schemeClr>
+                </a:lnRef>
+                <a:fillRef idx="1">
+                  <a:schemeClr val="accent1"/>
+                </a:fillRef>
+                <a:effectRef idx="0">
+                  <a:schemeClr val="accent1"/>
+                </a:effectRef>
+                <a:fontRef idx="minor">
+                  <a:schemeClr val="lt1"/>
+                </a:fontRef>
+              </p:style>
+              <p:txBody>
+                <a:bodyPr rtlCol="0" anchor="ctr"/>
+                <a:lstStyle/>
+                <a:p>
+                  <a:pPr algn="ctr"/>
+                  <a:endParaRPr lang="de-DE"/>
+                </a:p>
+              </p:txBody>
+            </p:sp>
+          </p:grpSp>
+          <p:grpSp>
+            <p:nvGrpSpPr>
+              <p:cNvPr id="27" name="Gruppieren 26"/>
+              <p:cNvGrpSpPr/>
+              <p:nvPr/>
+            </p:nvGrpSpPr>
+            <p:grpSpPr>
+              <a:xfrm>
+                <a:off x="1292446" y="2472145"/>
+                <a:ext cx="276797" cy="162000"/>
+                <a:chOff x="1292446" y="2472145"/>
+                <a:chExt cx="276797" cy="162000"/>
+              </a:xfrm>
+            </p:grpSpPr>
+            <p:pic>
+              <p:nvPicPr>
+                <p:cNvPr id="1055" name="Picture 31"/>
+                <p:cNvPicPr>
+                  <a:picLocks noChangeAspect="1" noChangeArrowheads="1"/>
+                </p:cNvPicPr>
+                <p:nvPr/>
+              </p:nvPicPr>
+              <p:blipFill>
+                <a:blip r:embed="rId18" cstate="print">
+                  <a:extLst>
+                    <a:ext uri="{28A0092B-C50C-407E-A947-70E740481C1C}">
+                      <a14:useLocalDpi xmlns:a14="http://schemas.microsoft.com/office/drawing/2010/main" val="0"/>
+                    </a:ext>
+                  </a:extLst>
+                </a:blip>
+                <a:srcRect/>
+                <a:stretch>
+                  <a:fillRect/>
+                </a:stretch>
+              </p:blipFill>
+              <p:spPr bwMode="auto">
+                <a:xfrm>
+                  <a:off x="1292446" y="2472145"/>
+                  <a:ext cx="276797" cy="162000"/>
+                </a:xfrm>
+                <a:prstGeom prst="rect">
+                  <a:avLst/>
+                </a:prstGeom>
+                <a:noFill/>
+                <a:ln>
+                  <a:noFill/>
+                </a:ln>
+                <a:extLst>
+                  <a:ext uri="{909E8E84-426E-40DD-AFC4-6F175D3DCCD1}">
+                    <a14:hiddenFill xmlns:a14="http://schemas.microsoft.com/office/drawing/2010/main">
+                      <a:solidFill>
+                        <a:schemeClr val="accent1"/>
+                      </a:solidFill>
+                    </a14:hiddenFill>
+                  </a:ext>
+                  <a:ext uri="{91240B29-F687-4F45-9708-019B960494DF}">
+                    <a14:hiddenLine xmlns:a14="http://schemas.microsoft.com/office/drawing/2010/main" w="9525">
+                      <a:solidFill>
+                        <a:schemeClr val="tx1"/>
+                      </a:solidFill>
+                      <a:miter lim="800000"/>
+                      <a:headEnd/>
+                      <a:tailEnd/>
+                    </a14:hiddenLine>
+                  </a:ext>
+                </a:extLst>
+              </p:spPr>
+            </p:pic>
+            <p:sp>
+              <p:nvSpPr>
+                <p:cNvPr id="186" name="Rechteck 185"/>
+                <p:cNvSpPr/>
+                <p:nvPr/>
+              </p:nvSpPr>
+              <p:spPr>
+                <a:xfrm>
+                  <a:off x="1331120" y="2545555"/>
+                  <a:ext cx="209550" cy="61913"/>
+                </a:xfrm>
+                <a:prstGeom prst="rect">
+                  <a:avLst/>
+                </a:prstGeom>
+                <a:noFill/>
+                <a:ln w="12700">
+                  <a:solidFill>
+                    <a:srgbClr val="84FF15">
+                      <a:alpha val="60000"/>
+                    </a:srgbClr>
+                  </a:solidFill>
+                </a:ln>
+              </p:spPr>
+              <p:style>
+                <a:lnRef idx="2">
+                  <a:schemeClr val="accent1">
+                    <a:shade val="50000"/>
+                  </a:schemeClr>
+                </a:lnRef>
+                <a:fillRef idx="1">
+                  <a:schemeClr val="accent1"/>
+                </a:fillRef>
+                <a:effectRef idx="0">
+                  <a:schemeClr val="accent1"/>
+                </a:effectRef>
+                <a:fontRef idx="minor">
+                  <a:schemeClr val="lt1"/>
+                </a:fontRef>
+              </p:style>
+              <p:txBody>
+                <a:bodyPr rtlCol="0" anchor="ctr"/>
+                <a:lstStyle/>
+                <a:p>
+                  <a:pPr algn="ctr"/>
+                  <a:endParaRPr lang="de-DE"/>
+                </a:p>
+              </p:txBody>
+            </p:sp>
+          </p:grpSp>
+          <p:grpSp>
+            <p:nvGrpSpPr>
+              <p:cNvPr id="28" name="Gruppieren 27"/>
+              <p:cNvGrpSpPr/>
+              <p:nvPr/>
+            </p:nvGrpSpPr>
+            <p:grpSpPr>
+              <a:xfrm>
+                <a:off x="1521881" y="2645349"/>
+                <a:ext cx="234997" cy="162000"/>
+                <a:chOff x="1521881" y="2645349"/>
+                <a:chExt cx="234997" cy="162000"/>
+              </a:xfrm>
+            </p:grpSpPr>
+            <p:pic>
+              <p:nvPicPr>
+                <p:cNvPr id="1057" name="Picture 33"/>
+                <p:cNvPicPr>
+                  <a:picLocks noChangeAspect="1" noChangeArrowheads="1"/>
+                </p:cNvPicPr>
+                <p:nvPr/>
+              </p:nvPicPr>
+              <p:blipFill>
+                <a:blip r:embed="rId19" cstate="print">
+                  <a:extLst>
+                    <a:ext uri="{28A0092B-C50C-407E-A947-70E740481C1C}">
+                      <a14:useLocalDpi xmlns:a14="http://schemas.microsoft.com/office/drawing/2010/main" val="0"/>
+                    </a:ext>
+                  </a:extLst>
+                </a:blip>
+                <a:srcRect/>
+                <a:stretch>
+                  <a:fillRect/>
+                </a:stretch>
+              </p:blipFill>
+              <p:spPr bwMode="auto">
+                <a:xfrm>
+                  <a:off x="1521881" y="2645349"/>
+                  <a:ext cx="234997" cy="162000"/>
+                </a:xfrm>
+                <a:prstGeom prst="rect">
+                  <a:avLst/>
+                </a:prstGeom>
+                <a:noFill/>
+                <a:ln>
+                  <a:noFill/>
+                </a:ln>
+                <a:extLst>
+                  <a:ext uri="{909E8E84-426E-40DD-AFC4-6F175D3DCCD1}">
+                    <a14:hiddenFill xmlns:a14="http://schemas.microsoft.com/office/drawing/2010/main">
+                      <a:solidFill>
+                        <a:schemeClr val="accent1"/>
+                      </a:solidFill>
+                    </a14:hiddenFill>
+                  </a:ext>
+                  <a:ext uri="{91240B29-F687-4F45-9708-019B960494DF}">
+                    <a14:hiddenLine xmlns:a14="http://schemas.microsoft.com/office/drawing/2010/main" w="9525">
+                      <a:solidFill>
+                        <a:schemeClr val="tx1"/>
+                      </a:solidFill>
+                      <a:miter lim="800000"/>
+                      <a:headEnd/>
+                      <a:tailEnd/>
+                    </a14:hiddenLine>
+                  </a:ext>
+                </a:extLst>
+              </p:spPr>
+            </p:pic>
+            <p:sp>
+              <p:nvSpPr>
+                <p:cNvPr id="187" name="Rechteck 186"/>
+                <p:cNvSpPr/>
+                <p:nvPr/>
+              </p:nvSpPr>
+              <p:spPr>
+                <a:xfrm>
+                  <a:off x="1594282" y="2731294"/>
+                  <a:ext cx="129743" cy="59531"/>
+                </a:xfrm>
+                <a:prstGeom prst="rect">
+                  <a:avLst/>
+                </a:prstGeom>
+                <a:noFill/>
+                <a:ln w="12700">
+                  <a:solidFill>
+                    <a:srgbClr val="84FF15">
+                      <a:alpha val="60000"/>
+                    </a:srgbClr>
+                  </a:solidFill>
+                </a:ln>
+              </p:spPr>
+              <p:style>
+                <a:lnRef idx="2">
+                  <a:schemeClr val="accent1">
+                    <a:shade val="50000"/>
+                  </a:schemeClr>
+                </a:lnRef>
+                <a:fillRef idx="1">
+                  <a:schemeClr val="accent1"/>
+                </a:fillRef>
+                <a:effectRef idx="0">
+                  <a:schemeClr val="accent1"/>
+                </a:effectRef>
+                <a:fontRef idx="minor">
+                  <a:schemeClr val="lt1"/>
+                </a:fontRef>
+              </p:style>
+              <p:txBody>
+                <a:bodyPr rtlCol="0" anchor="ctr"/>
+                <a:lstStyle/>
+                <a:p>
+                  <a:pPr algn="ctr"/>
+                  <a:endParaRPr lang="de-DE"/>
+                </a:p>
+              </p:txBody>
+            </p:sp>
+          </p:grpSp>
+          <p:grpSp>
+            <p:nvGrpSpPr>
+              <p:cNvPr id="26" name="Gruppieren 25"/>
+              <p:cNvGrpSpPr/>
+              <p:nvPr/>
+            </p:nvGrpSpPr>
+            <p:grpSpPr>
+              <a:xfrm>
+                <a:off x="1817079" y="2472501"/>
+                <a:ext cx="204475" cy="162000"/>
+                <a:chOff x="1817079" y="2472501"/>
+                <a:chExt cx="204475" cy="162000"/>
+              </a:xfrm>
+            </p:grpSpPr>
+            <p:pic>
+              <p:nvPicPr>
+                <p:cNvPr id="1054" name="Picture 30"/>
+                <p:cNvPicPr>
+                  <a:picLocks noChangeAspect="1" noChangeArrowheads="1"/>
+                </p:cNvPicPr>
+                <p:nvPr/>
+              </p:nvPicPr>
+              <p:blipFill>
+                <a:blip r:embed="rId20" cstate="print">
+                  <a:extLst>
+                    <a:ext uri="{28A0092B-C50C-407E-A947-70E740481C1C}">
+                      <a14:useLocalDpi xmlns:a14="http://schemas.microsoft.com/office/drawing/2010/main" val="0"/>
+                    </a:ext>
+                  </a:extLst>
+                </a:blip>
+                <a:srcRect/>
+                <a:stretch>
+                  <a:fillRect/>
+                </a:stretch>
+              </p:blipFill>
+              <p:spPr bwMode="auto">
+                <a:xfrm>
+                  <a:off x="1817079" y="2472501"/>
+                  <a:ext cx="204475" cy="162000"/>
+                </a:xfrm>
+                <a:prstGeom prst="rect">
+                  <a:avLst/>
+                </a:prstGeom>
+                <a:noFill/>
+                <a:ln>
+                  <a:noFill/>
+                </a:ln>
+                <a:extLst>
+                  <a:ext uri="{909E8E84-426E-40DD-AFC4-6F175D3DCCD1}">
+                    <a14:hiddenFill xmlns:a14="http://schemas.microsoft.com/office/drawing/2010/main">
+                      <a:solidFill>
+                        <a:schemeClr val="accent1"/>
+                      </a:solidFill>
+                    </a14:hiddenFill>
+                  </a:ext>
+                  <a:ext uri="{91240B29-F687-4F45-9708-019B960494DF}">
+                    <a14:hiddenLine xmlns:a14="http://schemas.microsoft.com/office/drawing/2010/main" w="9525">
+                      <a:solidFill>
+                        <a:schemeClr val="tx1"/>
+                      </a:solidFill>
+                      <a:miter lim="800000"/>
+                      <a:headEnd/>
+                      <a:tailEnd/>
+                    </a14:hiddenLine>
+                  </a:ext>
+                </a:extLst>
+              </p:spPr>
+            </p:pic>
+            <p:sp>
+              <p:nvSpPr>
+                <p:cNvPr id="188" name="Rechteck 187"/>
+                <p:cNvSpPr/>
+                <p:nvPr/>
+              </p:nvSpPr>
+              <p:spPr>
+                <a:xfrm>
+                  <a:off x="1852441" y="2550415"/>
+                  <a:ext cx="54941" cy="52291"/>
+                </a:xfrm>
+                <a:prstGeom prst="rect">
+                  <a:avLst/>
+                </a:prstGeom>
+                <a:noFill/>
+                <a:ln w="12700">
+                  <a:solidFill>
+                    <a:srgbClr val="84FF15">
+                      <a:alpha val="60000"/>
+                    </a:srgbClr>
+                  </a:solidFill>
+                </a:ln>
+              </p:spPr>
+              <p:style>
+                <a:lnRef idx="2">
+                  <a:schemeClr val="accent1">
+                    <a:shade val="50000"/>
+                  </a:schemeClr>
+                </a:lnRef>
+                <a:fillRef idx="1">
+                  <a:schemeClr val="accent1"/>
+                </a:fillRef>
+                <a:effectRef idx="0">
+                  <a:schemeClr val="accent1"/>
+                </a:effectRef>
+                <a:fontRef idx="minor">
+                  <a:schemeClr val="lt1"/>
+                </a:fontRef>
+              </p:style>
+              <p:txBody>
+                <a:bodyPr rtlCol="0" anchor="ctr"/>
+                <a:lstStyle/>
+                <a:p>
+                  <a:pPr algn="ctr"/>
+                  <a:endParaRPr lang="de-DE"/>
+                </a:p>
+              </p:txBody>
+            </p:sp>
+          </p:grpSp>
+          <p:grpSp>
+            <p:nvGrpSpPr>
+              <p:cNvPr id="25" name="Gruppieren 24"/>
+              <p:cNvGrpSpPr/>
+              <p:nvPr/>
+            </p:nvGrpSpPr>
+            <p:grpSpPr>
+              <a:xfrm>
+                <a:off x="1769269" y="2645349"/>
+                <a:ext cx="249535" cy="162000"/>
+                <a:chOff x="1769269" y="2645349"/>
+                <a:chExt cx="249535" cy="162000"/>
+              </a:xfrm>
+            </p:grpSpPr>
+            <p:pic>
+              <p:nvPicPr>
+                <p:cNvPr id="1056" name="Picture 32"/>
+                <p:cNvPicPr>
+                  <a:picLocks noChangeAspect="1" noChangeArrowheads="1"/>
+                </p:cNvPicPr>
+                <p:nvPr/>
+              </p:nvPicPr>
+              <p:blipFill>
+                <a:blip r:embed="rId21" cstate="print">
+                  <a:extLst>
+                    <a:ext uri="{28A0092B-C50C-407E-A947-70E740481C1C}">
+                      <a14:useLocalDpi xmlns:a14="http://schemas.microsoft.com/office/drawing/2010/main" val="0"/>
+                    </a:ext>
+                  </a:extLst>
+                </a:blip>
+                <a:srcRect/>
+                <a:stretch>
+                  <a:fillRect/>
+                </a:stretch>
+              </p:blipFill>
+              <p:spPr bwMode="auto">
+                <a:xfrm>
+                  <a:off x="1769269" y="2645349"/>
+                  <a:ext cx="249535" cy="162000"/>
+                </a:xfrm>
+                <a:prstGeom prst="rect">
+                  <a:avLst/>
+                </a:prstGeom>
+                <a:noFill/>
+                <a:ln>
+                  <a:noFill/>
+                </a:ln>
+                <a:extLst>
+                  <a:ext uri="{909E8E84-426E-40DD-AFC4-6F175D3DCCD1}">
+                    <a14:hiddenFill xmlns:a14="http://schemas.microsoft.com/office/drawing/2010/main">
+                      <a:solidFill>
+                        <a:schemeClr val="accent1"/>
+                      </a:solidFill>
+                    </a14:hiddenFill>
+                  </a:ext>
+                  <a:ext uri="{91240B29-F687-4F45-9708-019B960494DF}">
+                    <a14:hiddenLine xmlns:a14="http://schemas.microsoft.com/office/drawing/2010/main" w="9525">
+                      <a:solidFill>
+                        <a:schemeClr val="tx1"/>
+                      </a:solidFill>
+                      <a:miter lim="800000"/>
+                      <a:headEnd/>
+                      <a:tailEnd/>
+                    </a14:hiddenLine>
+                  </a:ext>
+                </a:extLst>
+              </p:spPr>
+            </p:pic>
+            <p:sp>
+              <p:nvSpPr>
+                <p:cNvPr id="189" name="Rechteck 188"/>
+                <p:cNvSpPr/>
+                <p:nvPr/>
+              </p:nvSpPr>
+              <p:spPr>
+                <a:xfrm>
+                  <a:off x="1802131" y="2736055"/>
+                  <a:ext cx="45719" cy="47625"/>
+                </a:xfrm>
+                <a:prstGeom prst="rect">
+                  <a:avLst/>
+                </a:prstGeom>
+                <a:noFill/>
+                <a:ln w="12700">
+                  <a:solidFill>
+                    <a:srgbClr val="84FF15">
+                      <a:alpha val="60000"/>
+                    </a:srgbClr>
+                  </a:solidFill>
+                </a:ln>
+              </p:spPr>
+              <p:style>
+                <a:lnRef idx="2">
+                  <a:schemeClr val="accent1">
+                    <a:shade val="50000"/>
+                  </a:schemeClr>
+                </a:lnRef>
+                <a:fillRef idx="1">
+                  <a:schemeClr val="accent1"/>
+                </a:fillRef>
+                <a:effectRef idx="0">
+                  <a:schemeClr val="accent1"/>
+                </a:effectRef>
+                <a:fontRef idx="minor">
+                  <a:schemeClr val="lt1"/>
+                </a:fontRef>
+              </p:style>
+              <p:txBody>
+                <a:bodyPr rtlCol="0" anchor="ctr"/>
+                <a:lstStyle/>
+                <a:p>
+                  <a:pPr algn="ctr"/>
+                  <a:endParaRPr lang="de-DE"/>
+                </a:p>
+              </p:txBody>
+            </p:sp>
+            <p:sp>
+              <p:nvSpPr>
+                <p:cNvPr id="190" name="Rechteck 189"/>
+                <p:cNvSpPr/>
+                <p:nvPr/>
+              </p:nvSpPr>
+              <p:spPr>
+                <a:xfrm>
+                  <a:off x="1843169" y="2726527"/>
+                  <a:ext cx="57069" cy="54773"/>
+                </a:xfrm>
+                <a:prstGeom prst="rect">
+                  <a:avLst/>
+                </a:prstGeom>
+                <a:noFill/>
+                <a:ln w="12700">
+                  <a:solidFill>
+                    <a:srgbClr val="84FF15">
+                      <a:alpha val="60000"/>
+                    </a:srgbClr>
+                  </a:solidFill>
+                </a:ln>
+              </p:spPr>
+              <p:style>
+                <a:lnRef idx="2">
+                  <a:schemeClr val="accent1">
+                    <a:shade val="50000"/>
+                  </a:schemeClr>
+                </a:lnRef>
+                <a:fillRef idx="1">
+                  <a:schemeClr val="accent1"/>
+                </a:fillRef>
+                <a:effectRef idx="0">
+                  <a:schemeClr val="accent1"/>
+                </a:effectRef>
+                <a:fontRef idx="minor">
+                  <a:schemeClr val="lt1"/>
+                </a:fontRef>
+              </p:style>
+              <p:txBody>
+                <a:bodyPr rtlCol="0" anchor="ctr"/>
+                <a:lstStyle/>
+                <a:p>
+                  <a:pPr algn="ctr"/>
+                  <a:endParaRPr lang="de-DE"/>
+                </a:p>
+              </p:txBody>
+            </p:sp>
+            <p:sp>
+              <p:nvSpPr>
+                <p:cNvPr id="191" name="Rechteck 190"/>
+                <p:cNvSpPr/>
+                <p:nvPr/>
+              </p:nvSpPr>
+              <p:spPr>
+                <a:xfrm>
+                  <a:off x="1905211" y="2712906"/>
+                  <a:ext cx="45719" cy="54108"/>
+                </a:xfrm>
+                <a:prstGeom prst="rect">
+                  <a:avLst/>
+                </a:prstGeom>
+                <a:noFill/>
+                <a:ln w="12700">
+                  <a:solidFill>
+                    <a:srgbClr val="84FF15">
+                      <a:alpha val="60000"/>
+                    </a:srgbClr>
+                  </a:solidFill>
+                </a:ln>
+              </p:spPr>
+              <p:style>
+                <a:lnRef idx="2">
+                  <a:schemeClr val="accent1">
+                    <a:shade val="50000"/>
+                  </a:schemeClr>
+                </a:lnRef>
+                <a:fillRef idx="1">
+                  <a:schemeClr val="accent1"/>
+                </a:fillRef>
+                <a:effectRef idx="0">
+                  <a:schemeClr val="accent1"/>
+                </a:effectRef>
+                <a:fontRef idx="minor">
+                  <a:schemeClr val="lt1"/>
+                </a:fontRef>
+              </p:style>
+              <p:txBody>
+                <a:bodyPr rtlCol="0" anchor="ctr"/>
+                <a:lstStyle/>
+                <a:p>
+                  <a:pPr algn="ctr"/>
+                  <a:endParaRPr lang="de-DE"/>
+                </a:p>
+              </p:txBody>
+            </p:sp>
+            <p:sp>
+              <p:nvSpPr>
+                <p:cNvPr id="192" name="Rechteck 191"/>
+                <p:cNvSpPr/>
+                <p:nvPr/>
+              </p:nvSpPr>
+              <p:spPr>
+                <a:xfrm>
+                  <a:off x="1966215" y="2694052"/>
+                  <a:ext cx="45941" cy="45719"/>
+                </a:xfrm>
+                <a:prstGeom prst="rect">
+                  <a:avLst/>
+                </a:prstGeom>
+                <a:noFill/>
+                <a:ln w="12700">
+                  <a:solidFill>
+                    <a:srgbClr val="84FF15">
+                      <a:alpha val="60000"/>
+                    </a:srgbClr>
+                  </a:solidFill>
+                </a:ln>
+              </p:spPr>
+              <p:style>
+                <a:lnRef idx="2">
+                  <a:schemeClr val="accent1">
+                    <a:shade val="50000"/>
+                  </a:schemeClr>
+                </a:lnRef>
+                <a:fillRef idx="1">
+                  <a:schemeClr val="accent1"/>
+                </a:fillRef>
+                <a:effectRef idx="0">
+                  <a:schemeClr val="accent1"/>
+                </a:effectRef>
+                <a:fontRef idx="minor">
+                  <a:schemeClr val="lt1"/>
+                </a:fontRef>
+              </p:style>
+              <p:txBody>
+                <a:bodyPr rtlCol="0" anchor="ctr"/>
+                <a:lstStyle/>
+                <a:p>
+                  <a:pPr algn="ctr"/>
+                  <a:endParaRPr lang="de-DE"/>
+                </a:p>
+              </p:txBody>
+            </p:sp>
+          </p:grpSp>
+        </p:grpSp>
+      </p:grpSp>
       <p:cxnSp>
         <p:nvCxnSpPr>
-          <p:cNvPr id="85" name="Gerade Verbindung mit Pfeil 84"/>
+          <p:cNvPr id="198" name="Gerade Verbindung mit Pfeil 197"/>
           <p:cNvCxnSpPr/>
           <p:nvPr/>
         </p:nvCxnSpPr>
         <p:spPr>
           <a:xfrm flipV="1">
-            <a:off x="1603268" y="666755"/>
-            <a:ext cx="0" cy="142449"/>
+            <a:off x="1783820" y="2135549"/>
+            <a:ext cx="0" cy="131212"/>
           </a:xfrm>
           <a:prstGeom prst="straightConnector1">
             <a:avLst/>
@@ -5280,419 +7168,16 @@
           </a:fontRef>
         </p:style>
       </p:cxnSp>
-      <p:sp>
-        <p:nvSpPr>
-          <p:cNvPr id="86" name="Rechteck 85"/>
-          <p:cNvSpPr/>
-          <p:nvPr/>
-        </p:nvSpPr>
-        <p:spPr>
-          <a:xfrm>
-            <a:off x="1326432" y="905754"/>
-            <a:ext cx="181908" cy="133745"/>
-          </a:xfrm>
-          <a:prstGeom prst="rect">
-            <a:avLst/>
-          </a:prstGeom>
-          <a:solidFill>
-            <a:schemeClr val="bg1">
-              <a:lumMod val="50000"/>
-            </a:schemeClr>
-          </a:solidFill>
-          <a:ln>
-            <a:noFill/>
-          </a:ln>
-        </p:spPr>
-        <p:style>
-          <a:lnRef idx="2">
-            <a:schemeClr val="accent1">
-              <a:shade val="50000"/>
-            </a:schemeClr>
-          </a:lnRef>
-          <a:fillRef idx="1">
-            <a:schemeClr val="accent1"/>
-          </a:fillRef>
-          <a:effectRef idx="0">
-            <a:schemeClr val="accent1"/>
-          </a:effectRef>
-          <a:fontRef idx="minor">
-            <a:schemeClr val="lt1"/>
-          </a:fontRef>
-        </p:style>
-        <p:txBody>
-          <a:bodyPr rtlCol="0" anchor="ctr"/>
-          <a:lstStyle/>
-          <a:p>
-            <a:pPr algn="ctr"/>
-            <a:endParaRPr lang="de-DE"/>
-          </a:p>
-        </p:txBody>
-      </p:sp>
-      <p:sp>
-        <p:nvSpPr>
-          <p:cNvPr id="87" name="Rechteck 86"/>
-          <p:cNvSpPr/>
-          <p:nvPr/>
-        </p:nvSpPr>
-        <p:spPr>
-          <a:xfrm>
-            <a:off x="1326432" y="1066117"/>
-            <a:ext cx="181908" cy="133745"/>
-          </a:xfrm>
-          <a:prstGeom prst="rect">
-            <a:avLst/>
-          </a:prstGeom>
-          <a:solidFill>
-            <a:schemeClr val="bg1">
-              <a:lumMod val="50000"/>
-            </a:schemeClr>
-          </a:solidFill>
-          <a:ln>
-            <a:noFill/>
-          </a:ln>
-        </p:spPr>
-        <p:style>
-          <a:lnRef idx="2">
-            <a:schemeClr val="accent1">
-              <a:shade val="50000"/>
-            </a:schemeClr>
-          </a:lnRef>
-          <a:fillRef idx="1">
-            <a:schemeClr val="accent1"/>
-          </a:fillRef>
-          <a:effectRef idx="0">
-            <a:schemeClr val="accent1"/>
-          </a:effectRef>
-          <a:fontRef idx="minor">
-            <a:schemeClr val="lt1"/>
-          </a:fontRef>
-        </p:style>
-        <p:txBody>
-          <a:bodyPr rtlCol="0" anchor="ctr"/>
-          <a:lstStyle/>
-          <a:p>
-            <a:pPr algn="ctr"/>
-            <a:endParaRPr lang="de-DE"/>
-          </a:p>
-        </p:txBody>
-      </p:sp>
-      <p:sp>
-        <p:nvSpPr>
-          <p:cNvPr id="88" name="Rechteck 87"/>
-          <p:cNvSpPr/>
-          <p:nvPr/>
-        </p:nvSpPr>
-        <p:spPr>
-          <a:xfrm>
-            <a:off x="1529426" y="1073725"/>
-            <a:ext cx="181908" cy="133745"/>
-          </a:xfrm>
-          <a:prstGeom prst="rect">
-            <a:avLst/>
-          </a:prstGeom>
-          <a:solidFill>
-            <a:schemeClr val="bg1">
-              <a:lumMod val="50000"/>
-            </a:schemeClr>
-          </a:solidFill>
-          <a:ln>
-            <a:noFill/>
-          </a:ln>
-        </p:spPr>
-        <p:style>
-          <a:lnRef idx="2">
-            <a:schemeClr val="accent1">
-              <a:shade val="50000"/>
-            </a:schemeClr>
-          </a:lnRef>
-          <a:fillRef idx="1">
-            <a:schemeClr val="accent1"/>
-          </a:fillRef>
-          <a:effectRef idx="0">
-            <a:schemeClr val="accent1"/>
-          </a:effectRef>
-          <a:fontRef idx="minor">
-            <a:schemeClr val="lt1"/>
-          </a:fontRef>
-        </p:style>
-        <p:txBody>
-          <a:bodyPr rtlCol="0" anchor="ctr"/>
-          <a:lstStyle/>
-          <a:p>
-            <a:pPr algn="ctr"/>
-            <a:endParaRPr lang="de-DE"/>
-          </a:p>
-        </p:txBody>
-      </p:sp>
-      <p:sp>
-        <p:nvSpPr>
-          <p:cNvPr id="89" name="Rechteck 88"/>
-          <p:cNvSpPr/>
-          <p:nvPr/>
-        </p:nvSpPr>
-        <p:spPr>
-          <a:xfrm>
-            <a:off x="1529426" y="905753"/>
-            <a:ext cx="181908" cy="133745"/>
-          </a:xfrm>
-          <a:prstGeom prst="rect">
-            <a:avLst/>
-          </a:prstGeom>
-          <a:solidFill>
-            <a:schemeClr val="bg1">
-              <a:lumMod val="50000"/>
-            </a:schemeClr>
-          </a:solidFill>
-          <a:ln>
-            <a:noFill/>
-          </a:ln>
-        </p:spPr>
-        <p:style>
-          <a:lnRef idx="2">
-            <a:schemeClr val="accent1">
-              <a:shade val="50000"/>
-            </a:schemeClr>
-          </a:lnRef>
-          <a:fillRef idx="1">
-            <a:schemeClr val="accent1"/>
-          </a:fillRef>
-          <a:effectRef idx="0">
-            <a:schemeClr val="accent1"/>
-          </a:effectRef>
-          <a:fontRef idx="minor">
-            <a:schemeClr val="lt1"/>
-          </a:fontRef>
-        </p:style>
-        <p:txBody>
-          <a:bodyPr rtlCol="0" anchor="ctr"/>
-          <a:lstStyle/>
-          <a:p>
-            <a:pPr algn="ctr"/>
-            <a:endParaRPr lang="de-DE"/>
-          </a:p>
-        </p:txBody>
-      </p:sp>
-      <p:sp>
-        <p:nvSpPr>
-          <p:cNvPr id="90" name="Rechteck 89"/>
-          <p:cNvSpPr/>
-          <p:nvPr/>
-        </p:nvSpPr>
-        <p:spPr>
-          <a:xfrm>
-            <a:off x="1733600" y="906797"/>
-            <a:ext cx="181908" cy="133745"/>
-          </a:xfrm>
-          <a:prstGeom prst="rect">
-            <a:avLst/>
-          </a:prstGeom>
-          <a:solidFill>
-            <a:schemeClr val="bg1">
-              <a:lumMod val="50000"/>
-            </a:schemeClr>
-          </a:solidFill>
-          <a:ln>
-            <a:noFill/>
-          </a:ln>
-        </p:spPr>
-        <p:style>
-          <a:lnRef idx="2">
-            <a:schemeClr val="accent1">
-              <a:shade val="50000"/>
-            </a:schemeClr>
-          </a:lnRef>
-          <a:fillRef idx="1">
-            <a:schemeClr val="accent1"/>
-          </a:fillRef>
-          <a:effectRef idx="0">
-            <a:schemeClr val="accent1"/>
-          </a:effectRef>
-          <a:fontRef idx="minor">
-            <a:schemeClr val="lt1"/>
-          </a:fontRef>
-        </p:style>
-        <p:txBody>
-          <a:bodyPr rtlCol="0" anchor="ctr"/>
-          <a:lstStyle/>
-          <a:p>
-            <a:pPr algn="ctr"/>
-            <a:endParaRPr lang="de-DE"/>
-          </a:p>
-        </p:txBody>
-      </p:sp>
-      <p:sp>
-        <p:nvSpPr>
-          <p:cNvPr id="91" name="Rechteck 90"/>
-          <p:cNvSpPr/>
-          <p:nvPr/>
-        </p:nvSpPr>
-        <p:spPr>
-          <a:xfrm>
-            <a:off x="1733600" y="1073725"/>
-            <a:ext cx="181908" cy="133745"/>
-          </a:xfrm>
-          <a:prstGeom prst="rect">
-            <a:avLst/>
-          </a:prstGeom>
-          <a:solidFill>
-            <a:schemeClr val="bg1">
-              <a:lumMod val="50000"/>
-            </a:schemeClr>
-          </a:solidFill>
-          <a:ln>
-            <a:noFill/>
-          </a:ln>
-        </p:spPr>
-        <p:style>
-          <a:lnRef idx="2">
-            <a:schemeClr val="accent1">
-              <a:shade val="50000"/>
-            </a:schemeClr>
-          </a:lnRef>
-          <a:fillRef idx="1">
-            <a:schemeClr val="accent1"/>
-          </a:fillRef>
-          <a:effectRef idx="0">
-            <a:schemeClr val="accent1"/>
-          </a:effectRef>
-          <a:fontRef idx="minor">
-            <a:schemeClr val="lt1"/>
-          </a:fontRef>
-        </p:style>
-        <p:txBody>
-          <a:bodyPr rtlCol="0" anchor="ctr"/>
-          <a:lstStyle/>
-          <a:p>
-            <a:pPr algn="ctr"/>
-            <a:endParaRPr lang="de-DE"/>
-          </a:p>
-        </p:txBody>
-      </p:sp>
-      <p:sp>
-        <p:nvSpPr>
-          <p:cNvPr id="92" name="Rechteck 91"/>
-          <p:cNvSpPr/>
-          <p:nvPr/>
-        </p:nvSpPr>
-        <p:spPr>
-          <a:xfrm>
-            <a:off x="3784533" y="2941645"/>
-            <a:ext cx="648072" cy="390856"/>
-          </a:xfrm>
-          <a:prstGeom prst="rect">
-            <a:avLst/>
-          </a:prstGeom>
-          <a:noFill/>
-          <a:ln>
-            <a:solidFill>
-              <a:schemeClr val="bg1">
-                <a:lumMod val="65000"/>
-              </a:schemeClr>
-            </a:solidFill>
-          </a:ln>
-        </p:spPr>
-        <p:style>
-          <a:lnRef idx="2">
-            <a:schemeClr val="accent1">
-              <a:shade val="50000"/>
-            </a:schemeClr>
-          </a:lnRef>
-          <a:fillRef idx="1">
-            <a:schemeClr val="accent1"/>
-          </a:fillRef>
-          <a:effectRef idx="0">
-            <a:schemeClr val="accent1"/>
-          </a:effectRef>
-          <a:fontRef idx="minor">
-            <a:schemeClr val="lt1"/>
-          </a:fontRef>
-        </p:style>
-        <p:txBody>
-          <a:bodyPr rtlCol="0" anchor="ctr"/>
-          <a:lstStyle/>
-          <a:p>
-            <a:pPr algn="ctr"/>
-            <a:endParaRPr lang="de-DE"/>
-          </a:p>
-        </p:txBody>
-      </p:sp>
-      <p:sp>
-        <p:nvSpPr>
-          <p:cNvPr id="93" name="Textfeld 92"/>
-          <p:cNvSpPr txBox="1"/>
-          <p:nvPr/>
-        </p:nvSpPr>
-        <p:spPr>
-          <a:xfrm>
-            <a:off x="3686019" y="3329735"/>
-            <a:ext cx="845103" cy="230832"/>
-          </a:xfrm>
-          <a:prstGeom prst="rect">
-            <a:avLst/>
-          </a:prstGeom>
-          <a:noFill/>
-        </p:spPr>
-        <p:txBody>
-          <a:bodyPr wrap="none" rtlCol="0">
-            <a:spAutoFit/>
-          </a:bodyPr>
-          <a:lstStyle/>
-          <a:p>
-            <a:pPr algn="ctr"/>
-            <a:r>
-              <a:rPr lang="de-DE" dirty="0" err="1" smtClean="0">
-                <a:solidFill>
-                  <a:schemeClr val="bg1">
-                    <a:lumMod val="65000"/>
-                  </a:schemeClr>
-                </a:solidFill>
-                <a:latin typeface="cmr10" panose="020B0500000000000000" pitchFamily="34" charset="0"/>
-              </a:rPr>
-              <a:t>training</a:t>
-            </a:r>
-            <a:r>
-              <a:rPr lang="de-DE" dirty="0" smtClean="0">
-                <a:solidFill>
-                  <a:schemeClr val="bg1">
-                    <a:lumMod val="65000"/>
-                  </a:schemeClr>
-                </a:solidFill>
-                <a:latin typeface="cmr10" panose="020B0500000000000000" pitchFamily="34" charset="0"/>
-              </a:rPr>
-              <a:t> </a:t>
-            </a:r>
-            <a:r>
-              <a:rPr lang="de-DE" dirty="0" err="1" smtClean="0">
-                <a:solidFill>
-                  <a:schemeClr val="bg1">
-                    <a:lumMod val="65000"/>
-                  </a:schemeClr>
-                </a:solidFill>
-                <a:latin typeface="cmr10" panose="020B0500000000000000" pitchFamily="34" charset="0"/>
-              </a:rPr>
-              <a:t>data</a:t>
-            </a:r>
-            <a:endParaRPr lang="de-DE" dirty="0">
-              <a:solidFill>
-                <a:schemeClr val="bg1">
-                  <a:lumMod val="65000"/>
-                </a:schemeClr>
-              </a:solidFill>
-              <a:latin typeface="cmr10" panose="020B0500000000000000" pitchFamily="34" charset="0"/>
-            </a:endParaRPr>
-          </a:p>
-        </p:txBody>
-      </p:sp>
       <p:cxnSp>
         <p:nvCxnSpPr>
-          <p:cNvPr id="94" name="Gerade Verbindung mit Pfeil 93"/>
+          <p:cNvPr id="199" name="Gerade Verbindung mit Pfeil 198"/>
           <p:cNvCxnSpPr/>
           <p:nvPr/>
         </p:nvCxnSpPr>
         <p:spPr>
           <a:xfrm flipV="1">
-            <a:off x="4091458" y="2720871"/>
-            <a:ext cx="0" cy="142449"/>
+            <a:off x="1784396" y="599590"/>
+            <a:ext cx="0" cy="131212"/>
           </a:xfrm>
           <a:prstGeom prst="straightConnector1">
             <a:avLst/>
@@ -5722,16 +7207,164 @@
           </a:fontRef>
         </p:style>
       </p:cxnSp>
-      <p:sp>
-        <p:nvSpPr>
-          <p:cNvPr id="95" name="Rechteck 94"/>
+      <p:cxnSp>
+        <p:nvCxnSpPr>
+          <p:cNvPr id="200" name="Gerade Verbindung mit Pfeil 199"/>
+          <p:cNvCxnSpPr/>
+          <p:nvPr/>
+        </p:nvCxnSpPr>
+        <p:spPr>
+          <a:xfrm>
+            <a:off x="2364518" y="1851981"/>
+            <a:ext cx="144016" cy="0"/>
+          </a:xfrm>
+          <a:prstGeom prst="straightConnector1">
+            <a:avLst/>
+          </a:prstGeom>
+          <a:ln w="19050">
+            <a:solidFill>
+              <a:schemeClr val="tx1"/>
+            </a:solidFill>
+            <a:headEnd type="none" w="med" len="med"/>
+            <a:tailEnd type="triangle" w="sm" len="med"/>
+          </a:ln>
+        </p:spPr>
+        <p:style>
+          <a:lnRef idx="1">
+            <a:schemeClr val="accent1"/>
+          </a:lnRef>
+          <a:fillRef idx="0">
+            <a:schemeClr val="accent1"/>
+          </a:fillRef>
+          <a:effectRef idx="0">
+            <a:schemeClr val="accent1"/>
+          </a:effectRef>
+          <a:fontRef idx="minor">
+            <a:schemeClr val="tx1"/>
+          </a:fontRef>
+        </p:style>
+      </p:cxnSp>
+      <p:cxnSp>
+        <p:nvCxnSpPr>
+          <p:cNvPr id="201" name="Gerade Verbindung mit Pfeil 200"/>
+          <p:cNvCxnSpPr/>
+          <p:nvPr/>
+        </p:nvCxnSpPr>
+        <p:spPr>
+          <a:xfrm>
+            <a:off x="1060258" y="1851981"/>
+            <a:ext cx="144016" cy="0"/>
+          </a:xfrm>
+          <a:prstGeom prst="straightConnector1">
+            <a:avLst/>
+          </a:prstGeom>
+          <a:ln w="19050">
+            <a:solidFill>
+              <a:schemeClr val="tx1"/>
+            </a:solidFill>
+            <a:headEnd type="none" w="med" len="med"/>
+            <a:tailEnd type="triangle" w="sm" len="med"/>
+          </a:ln>
+        </p:spPr>
+        <p:style>
+          <a:lnRef idx="1">
+            <a:schemeClr val="accent1"/>
+          </a:lnRef>
+          <a:fillRef idx="0">
+            <a:schemeClr val="accent1"/>
+          </a:fillRef>
+          <a:effectRef idx="0">
+            <a:schemeClr val="accent1"/>
+          </a:effectRef>
+          <a:fontRef idx="minor">
+            <a:schemeClr val="tx1"/>
+          </a:fontRef>
+        </p:style>
+      </p:cxnSp>
+      <p:cxnSp>
+        <p:nvCxnSpPr>
+          <p:cNvPr id="203" name="Gerade Verbindung mit Pfeil 202"/>
+          <p:cNvCxnSpPr/>
+          <p:nvPr/>
+        </p:nvCxnSpPr>
+        <p:spPr>
+          <a:xfrm>
+            <a:off x="4750569" y="1851981"/>
+            <a:ext cx="144016" cy="0"/>
+          </a:xfrm>
+          <a:prstGeom prst="straightConnector1">
+            <a:avLst/>
+          </a:prstGeom>
+          <a:ln w="19050">
+            <a:solidFill>
+              <a:schemeClr val="tx1"/>
+            </a:solidFill>
+            <a:headEnd type="none" w="med" len="med"/>
+            <a:tailEnd type="triangle" w="sm" len="med"/>
+          </a:ln>
+        </p:spPr>
+        <p:style>
+          <a:lnRef idx="1">
+            <a:schemeClr val="accent1"/>
+          </a:lnRef>
+          <a:fillRef idx="0">
+            <a:schemeClr val="accent1"/>
+          </a:fillRef>
+          <a:effectRef idx="0">
+            <a:schemeClr val="accent1"/>
+          </a:effectRef>
+          <a:fontRef idx="minor">
+            <a:schemeClr val="tx1"/>
+          </a:fontRef>
+        </p:style>
+      </p:cxnSp>
+      <p:cxnSp>
+        <p:nvCxnSpPr>
+          <p:cNvPr id="204" name="Gerade Verbindung mit Pfeil 203"/>
+          <p:cNvCxnSpPr/>
+          <p:nvPr/>
+        </p:nvCxnSpPr>
+        <p:spPr>
+          <a:xfrm>
+            <a:off x="3427159" y="1851981"/>
+            <a:ext cx="144016" cy="0"/>
+          </a:xfrm>
+          <a:prstGeom prst="straightConnector1">
+            <a:avLst/>
+          </a:prstGeom>
+          <a:ln w="19050">
+            <a:solidFill>
+              <a:schemeClr val="tx1"/>
+            </a:solidFill>
+            <a:headEnd type="none" w="med" len="med"/>
+            <a:tailEnd type="triangle" w="sm" len="med"/>
+          </a:ln>
+        </p:spPr>
+        <p:style>
+          <a:lnRef idx="1">
+            <a:schemeClr val="accent1"/>
+          </a:lnRef>
+          <a:fillRef idx="0">
+            <a:schemeClr val="accent1"/>
+          </a:fillRef>
+          <a:effectRef idx="0">
+            <a:schemeClr val="accent1"/>
+          </a:effectRef>
+          <a:fontRef idx="minor">
+            <a:schemeClr val="tx1"/>
+          </a:fontRef>
+        </p:style>
+      </p:cxnSp>
+      <p:sp>
+        <p:nvSpPr>
+          <p:cNvPr id="125" name="Rechteck 124"/>
           <p:cNvSpPr/>
           <p:nvPr/>
         </p:nvSpPr>
         <p:spPr>
           <a:xfrm>
-            <a:off x="3814622" y="2987920"/>
-            <a:ext cx="181908" cy="133745"/>
+            <a:off x="1617162" y="3037003"/>
+            <a:ext cx="502944" cy="2366003"/>
           </a:xfrm>
           <a:prstGeom prst="rect">
             <a:avLst/>
@@ -5767,292 +7400,6 @@
           <a:p>
             <a:pPr algn="ctr"/>
             <a:endParaRPr lang="de-DE"/>
-          </a:p>
-        </p:txBody>
-      </p:sp>
-      <p:sp>
-        <p:nvSpPr>
-          <p:cNvPr id="96" name="Rechteck 95"/>
-          <p:cNvSpPr/>
-          <p:nvPr/>
-        </p:nvSpPr>
-        <p:spPr>
-          <a:xfrm>
-            <a:off x="3814622" y="3148283"/>
-            <a:ext cx="181908" cy="133745"/>
-          </a:xfrm>
-          <a:prstGeom prst="rect">
-            <a:avLst/>
-          </a:prstGeom>
-          <a:solidFill>
-            <a:schemeClr val="bg1">
-              <a:lumMod val="50000"/>
-            </a:schemeClr>
-          </a:solidFill>
-          <a:ln>
-            <a:noFill/>
-          </a:ln>
-        </p:spPr>
-        <p:style>
-          <a:lnRef idx="2">
-            <a:schemeClr val="accent1">
-              <a:shade val="50000"/>
-            </a:schemeClr>
-          </a:lnRef>
-          <a:fillRef idx="1">
-            <a:schemeClr val="accent1"/>
-          </a:fillRef>
-          <a:effectRef idx="0">
-            <a:schemeClr val="accent1"/>
-          </a:effectRef>
-          <a:fontRef idx="minor">
-            <a:schemeClr val="lt1"/>
-          </a:fontRef>
-        </p:style>
-        <p:txBody>
-          <a:bodyPr rtlCol="0" anchor="ctr"/>
-          <a:lstStyle/>
-          <a:p>
-            <a:pPr algn="ctr"/>
-            <a:endParaRPr lang="de-DE"/>
-          </a:p>
-        </p:txBody>
-      </p:sp>
-      <p:sp>
-        <p:nvSpPr>
-          <p:cNvPr id="97" name="Rechteck 96"/>
-          <p:cNvSpPr/>
-          <p:nvPr/>
-        </p:nvSpPr>
-        <p:spPr>
-          <a:xfrm>
-            <a:off x="4017616" y="3155891"/>
-            <a:ext cx="181908" cy="133745"/>
-          </a:xfrm>
-          <a:prstGeom prst="rect">
-            <a:avLst/>
-          </a:prstGeom>
-          <a:solidFill>
-            <a:schemeClr val="bg1">
-              <a:lumMod val="50000"/>
-            </a:schemeClr>
-          </a:solidFill>
-          <a:ln>
-            <a:noFill/>
-          </a:ln>
-        </p:spPr>
-        <p:style>
-          <a:lnRef idx="2">
-            <a:schemeClr val="accent1">
-              <a:shade val="50000"/>
-            </a:schemeClr>
-          </a:lnRef>
-          <a:fillRef idx="1">
-            <a:schemeClr val="accent1"/>
-          </a:fillRef>
-          <a:effectRef idx="0">
-            <a:schemeClr val="accent1"/>
-          </a:effectRef>
-          <a:fontRef idx="minor">
-            <a:schemeClr val="lt1"/>
-          </a:fontRef>
-        </p:style>
-        <p:txBody>
-          <a:bodyPr rtlCol="0" anchor="ctr"/>
-          <a:lstStyle/>
-          <a:p>
-            <a:pPr algn="ctr"/>
-            <a:endParaRPr lang="de-DE"/>
-          </a:p>
-        </p:txBody>
-      </p:sp>
-      <p:sp>
-        <p:nvSpPr>
-          <p:cNvPr id="98" name="Rechteck 97"/>
-          <p:cNvSpPr/>
-          <p:nvPr/>
-        </p:nvSpPr>
-        <p:spPr>
-          <a:xfrm>
-            <a:off x="4017616" y="2987919"/>
-            <a:ext cx="181908" cy="133745"/>
-          </a:xfrm>
-          <a:prstGeom prst="rect">
-            <a:avLst/>
-          </a:prstGeom>
-          <a:solidFill>
-            <a:schemeClr val="bg1">
-              <a:lumMod val="50000"/>
-            </a:schemeClr>
-          </a:solidFill>
-          <a:ln>
-            <a:noFill/>
-          </a:ln>
-        </p:spPr>
-        <p:style>
-          <a:lnRef idx="2">
-            <a:schemeClr val="accent1">
-              <a:shade val="50000"/>
-            </a:schemeClr>
-          </a:lnRef>
-          <a:fillRef idx="1">
-            <a:schemeClr val="accent1"/>
-          </a:fillRef>
-          <a:effectRef idx="0">
-            <a:schemeClr val="accent1"/>
-          </a:effectRef>
-          <a:fontRef idx="minor">
-            <a:schemeClr val="lt1"/>
-          </a:fontRef>
-        </p:style>
-        <p:txBody>
-          <a:bodyPr rtlCol="0" anchor="ctr"/>
-          <a:lstStyle/>
-          <a:p>
-            <a:pPr algn="ctr"/>
-            <a:endParaRPr lang="de-DE"/>
-          </a:p>
-        </p:txBody>
-      </p:sp>
-      <p:sp>
-        <p:nvSpPr>
-          <p:cNvPr id="99" name="Rechteck 98"/>
-          <p:cNvSpPr/>
-          <p:nvPr/>
-        </p:nvSpPr>
-        <p:spPr>
-          <a:xfrm>
-            <a:off x="4221790" y="2988963"/>
-            <a:ext cx="181908" cy="133745"/>
-          </a:xfrm>
-          <a:prstGeom prst="rect">
-            <a:avLst/>
-          </a:prstGeom>
-          <a:solidFill>
-            <a:schemeClr val="bg1">
-              <a:lumMod val="50000"/>
-            </a:schemeClr>
-          </a:solidFill>
-          <a:ln>
-            <a:noFill/>
-          </a:ln>
-        </p:spPr>
-        <p:style>
-          <a:lnRef idx="2">
-            <a:schemeClr val="accent1">
-              <a:shade val="50000"/>
-            </a:schemeClr>
-          </a:lnRef>
-          <a:fillRef idx="1">
-            <a:schemeClr val="accent1"/>
-          </a:fillRef>
-          <a:effectRef idx="0">
-            <a:schemeClr val="accent1"/>
-          </a:effectRef>
-          <a:fontRef idx="minor">
-            <a:schemeClr val="lt1"/>
-          </a:fontRef>
-        </p:style>
-        <p:txBody>
-          <a:bodyPr rtlCol="0" anchor="ctr"/>
-          <a:lstStyle/>
-          <a:p>
-            <a:pPr algn="ctr"/>
-            <a:endParaRPr lang="de-DE"/>
-          </a:p>
-        </p:txBody>
-      </p:sp>
-      <p:sp>
-        <p:nvSpPr>
-          <p:cNvPr id="100" name="Rechteck 99"/>
-          <p:cNvSpPr/>
-          <p:nvPr/>
-        </p:nvSpPr>
-        <p:spPr>
-          <a:xfrm>
-            <a:off x="4221790" y="3155891"/>
-            <a:ext cx="181908" cy="133745"/>
-          </a:xfrm>
-          <a:prstGeom prst="rect">
-            <a:avLst/>
-          </a:prstGeom>
-          <a:solidFill>
-            <a:schemeClr val="bg1">
-              <a:lumMod val="50000"/>
-            </a:schemeClr>
-          </a:solidFill>
-          <a:ln>
-            <a:noFill/>
-          </a:ln>
-        </p:spPr>
-        <p:style>
-          <a:lnRef idx="2">
-            <a:schemeClr val="accent1">
-              <a:shade val="50000"/>
-            </a:schemeClr>
-          </a:lnRef>
-          <a:fillRef idx="1">
-            <a:schemeClr val="accent1"/>
-          </a:fillRef>
-          <a:effectRef idx="0">
-            <a:schemeClr val="accent1"/>
-          </a:effectRef>
-          <a:fontRef idx="minor">
-            <a:schemeClr val="lt1"/>
-          </a:fontRef>
-        </p:style>
-        <p:txBody>
-          <a:bodyPr rtlCol="0" anchor="ctr"/>
-          <a:lstStyle/>
-          <a:p>
-            <a:pPr algn="ctr"/>
-            <a:endParaRPr lang="de-DE"/>
-          </a:p>
-        </p:txBody>
-      </p:sp>
-      <p:sp>
-        <p:nvSpPr>
-          <p:cNvPr id="3" name="Textfeld 2"/>
-          <p:cNvSpPr txBox="1"/>
-          <p:nvPr/>
-        </p:nvSpPr>
-        <p:spPr>
-          <a:xfrm rot="19800000">
-            <a:off x="478360" y="998030"/>
-            <a:ext cx="4750403" cy="1323439"/>
-          </a:xfrm>
-          <a:prstGeom prst="rect">
-            <a:avLst/>
-          </a:prstGeom>
-          <a:noFill/>
-        </p:spPr>
-        <p:txBody>
-          <a:bodyPr wrap="none" rtlCol="0">
-            <a:spAutoFit/>
-          </a:bodyPr>
-          <a:lstStyle/>
-          <a:p>
-            <a:r>
-              <a:rPr lang="de-DE" sz="8000" dirty="0" smtClean="0">
-                <a:solidFill>
-                  <a:schemeClr val="accent6"/>
-                </a:solidFill>
-              </a:rPr>
-              <a:t>in </a:t>
-            </a:r>
-            <a:r>
-              <a:rPr lang="de-DE" sz="8000" dirty="0" err="1" smtClean="0">
-                <a:solidFill>
-                  <a:schemeClr val="accent6"/>
-                </a:solidFill>
-              </a:rPr>
-              <a:t>progress</a:t>
-            </a:r>
-            <a:endParaRPr lang="de-DE" sz="8000" dirty="0">
-              <a:solidFill>
-                <a:schemeClr val="accent6"/>
-              </a:solidFill>
-            </a:endParaRPr>
           </a:p>
         </p:txBody>
       </p:sp>
@@ -6070,6 +7417,3262 @@
 </file>
 
 <file path=ppt/slides/slide2.xml><?xml version="1.0" encoding="utf-8"?>
+<p:sld xmlns:a="http://schemas.openxmlformats.org/drawingml/2006/main" xmlns:r="http://schemas.openxmlformats.org/officeDocument/2006/relationships" xmlns:p="http://schemas.openxmlformats.org/presentationml/2006/main">
+  <p:cSld>
+    <p:spTree>
+      <p:nvGrpSpPr>
+        <p:cNvPr id="1" name=""/>
+        <p:cNvGrpSpPr/>
+        <p:nvPr/>
+      </p:nvGrpSpPr>
+      <p:grpSpPr>
+        <a:xfrm>
+          <a:off x="0" y="0"/>
+          <a:ext cx="0" cy="0"/>
+          <a:chOff x="0" y="0"/>
+          <a:chExt cx="0" cy="0"/>
+        </a:xfrm>
+      </p:grpSpPr>
+      <p:pic>
+        <p:nvPicPr>
+          <p:cNvPr id="67" name="Picture 3" descr="H:\MisPel\Doc\2016-12-15 Masterarbeit Andras\Git\LogoRetrieval-Paper\img\logos\bmw_peugeot_small.jpg"/>
+          <p:cNvPicPr>
+            <a:picLocks noChangeAspect="1" noChangeArrowheads="1"/>
+          </p:cNvPicPr>
+          <p:nvPr/>
+        </p:nvPicPr>
+        <p:blipFill>
+          <a:blip r:embed="rId2" cstate="print">
+            <a:extLst>
+              <a:ext uri="{28A0092B-C50C-407E-A947-70E740481C1C}">
+                <a14:useLocalDpi xmlns:a14="http://schemas.microsoft.com/office/drawing/2010/main" val="0"/>
+              </a:ext>
+            </a:extLst>
+          </a:blip>
+          <a:srcRect/>
+          <a:stretch>
+            <a:fillRect/>
+          </a:stretch>
+        </p:blipFill>
+        <p:spPr bwMode="auto">
+          <a:xfrm>
+            <a:off x="2412536" y="148090"/>
+            <a:ext cx="647934" cy="426557"/>
+          </a:xfrm>
+          <a:prstGeom prst="rect">
+            <a:avLst/>
+          </a:prstGeom>
+          <a:noFill/>
+          <a:extLst>
+            <a:ext uri="{909E8E84-426E-40DD-AFC4-6F175D3DCCD1}">
+              <a14:hiddenFill xmlns:a14="http://schemas.microsoft.com/office/drawing/2010/main">
+                <a:solidFill>
+                  <a:srgbClr val="FFFFFF"/>
+                </a:solidFill>
+              </a14:hiddenFill>
+            </a:ext>
+          </a:extLst>
+        </p:spPr>
+      </p:pic>
+      <p:sp>
+        <p:nvSpPr>
+          <p:cNvPr id="7" name="Textfeld 6"/>
+          <p:cNvSpPr txBox="1"/>
+          <p:nvPr/>
+        </p:nvSpPr>
+        <p:spPr>
+          <a:xfrm rot="16200000">
+            <a:off x="-281511" y="541441"/>
+            <a:ext cx="665567" cy="230832"/>
+          </a:xfrm>
+          <a:prstGeom prst="rect">
+            <a:avLst/>
+          </a:prstGeom>
+          <a:noFill/>
+        </p:spPr>
+        <p:txBody>
+          <a:bodyPr wrap="none" rtlCol="0">
+            <a:spAutoFit/>
+          </a:bodyPr>
+          <a:lstStyle/>
+          <a:p>
+            <a:r>
+              <a:rPr lang="de-DE" dirty="0" err="1" smtClean="0">
+                <a:latin typeface="cmr10" panose="020B0500000000000000" pitchFamily="34" charset="0"/>
+              </a:rPr>
+              <a:t>closed</a:t>
+            </a:r>
+            <a:r>
+              <a:rPr lang="de-DE" dirty="0" smtClean="0">
+                <a:latin typeface="cmr10" panose="020B0500000000000000" pitchFamily="34" charset="0"/>
+              </a:rPr>
+              <a:t> </a:t>
+            </a:r>
+            <a:r>
+              <a:rPr lang="de-DE" dirty="0" err="1" smtClean="0">
+                <a:latin typeface="cmr10" panose="020B0500000000000000" pitchFamily="34" charset="0"/>
+              </a:rPr>
+              <a:t>set</a:t>
+            </a:r>
+            <a:endParaRPr lang="de-DE" dirty="0">
+              <a:latin typeface="cmr10" panose="020B0500000000000000" pitchFamily="34" charset="0"/>
+            </a:endParaRPr>
+          </a:p>
+        </p:txBody>
+      </p:sp>
+      <p:sp>
+        <p:nvSpPr>
+          <p:cNvPr id="37" name="Textfeld 36"/>
+          <p:cNvSpPr txBox="1"/>
+          <p:nvPr/>
+        </p:nvSpPr>
+        <p:spPr>
+          <a:xfrm rot="16200000">
+            <a:off x="-249449" y="2284197"/>
+            <a:ext cx="601447" cy="230832"/>
+          </a:xfrm>
+          <a:prstGeom prst="rect">
+            <a:avLst/>
+          </a:prstGeom>
+          <a:noFill/>
+        </p:spPr>
+        <p:txBody>
+          <a:bodyPr wrap="none" rtlCol="0">
+            <a:spAutoFit/>
+          </a:bodyPr>
+          <a:lstStyle/>
+          <a:p>
+            <a:r>
+              <a:rPr lang="de-DE" dirty="0" smtClean="0">
+                <a:latin typeface="cmr10" panose="020B0500000000000000" pitchFamily="34" charset="0"/>
+              </a:rPr>
+              <a:t>open </a:t>
+            </a:r>
+            <a:r>
+              <a:rPr lang="de-DE" dirty="0" err="1" smtClean="0">
+                <a:latin typeface="cmr10" panose="020B0500000000000000" pitchFamily="34" charset="0"/>
+              </a:rPr>
+              <a:t>set</a:t>
+            </a:r>
+            <a:endParaRPr lang="de-DE" dirty="0">
+              <a:latin typeface="cmr10" panose="020B0500000000000000" pitchFamily="34" charset="0"/>
+            </a:endParaRPr>
+          </a:p>
+        </p:txBody>
+      </p:sp>
+      <p:sp>
+        <p:nvSpPr>
+          <p:cNvPr id="12" name="Abgerundetes Rechteck 11"/>
+          <p:cNvSpPr/>
+          <p:nvPr/>
+        </p:nvSpPr>
+        <p:spPr>
+          <a:xfrm>
+            <a:off x="1111297" y="77585"/>
+            <a:ext cx="983942" cy="539584"/>
+          </a:xfrm>
+          <a:prstGeom prst="roundRect">
+            <a:avLst/>
+          </a:prstGeom>
+          <a:noFill/>
+          <a:ln>
+            <a:solidFill>
+              <a:schemeClr val="tx1"/>
+            </a:solidFill>
+          </a:ln>
+        </p:spPr>
+        <p:style>
+          <a:lnRef idx="2">
+            <a:schemeClr val="accent1">
+              <a:shade val="50000"/>
+            </a:schemeClr>
+          </a:lnRef>
+          <a:fillRef idx="1">
+            <a:schemeClr val="accent1"/>
+          </a:fillRef>
+          <a:effectRef idx="0">
+            <a:schemeClr val="accent1"/>
+          </a:effectRef>
+          <a:fontRef idx="minor">
+            <a:schemeClr val="lt1"/>
+          </a:fontRef>
+        </p:style>
+        <p:txBody>
+          <a:bodyPr rtlCol="0" anchor="ctr"/>
+          <a:lstStyle/>
+          <a:p>
+            <a:pPr algn="ctr"/>
+            <a:r>
+              <a:rPr lang="de-DE" dirty="0" err="1" smtClean="0">
+                <a:solidFill>
+                  <a:sysClr val="windowText" lastClr="000000"/>
+                </a:solidFill>
+                <a:latin typeface="cmr10" panose="020B0500000000000000" pitchFamily="34" charset="0"/>
+              </a:rPr>
+              <a:t>Detection</a:t>
+            </a:r>
+            <a:r>
+              <a:rPr lang="de-DE" dirty="0" smtClean="0">
+                <a:solidFill>
+                  <a:sysClr val="windowText" lastClr="000000"/>
+                </a:solidFill>
+                <a:latin typeface="cmr10" panose="020B0500000000000000" pitchFamily="34" charset="0"/>
+              </a:rPr>
+              <a:t> + </a:t>
+            </a:r>
+            <a:r>
+              <a:rPr lang="de-DE" dirty="0" err="1" smtClean="0">
+                <a:solidFill>
+                  <a:sysClr val="windowText" lastClr="000000"/>
+                </a:solidFill>
+                <a:latin typeface="cmr10" panose="020B0500000000000000" pitchFamily="34" charset="0"/>
+              </a:rPr>
+              <a:t>Classification</a:t>
+            </a:r>
+            <a:r>
+              <a:rPr lang="de-DE" dirty="0" smtClean="0">
+                <a:solidFill>
+                  <a:sysClr val="windowText" lastClr="000000"/>
+                </a:solidFill>
+                <a:latin typeface="cmr10" panose="020B0500000000000000" pitchFamily="34" charset="0"/>
+              </a:rPr>
+              <a:t>     </a:t>
+            </a:r>
+            <a:r>
+              <a:rPr lang="de-DE" sz="700" dirty="0" smtClean="0">
+                <a:solidFill>
+                  <a:sysClr val="windowText" lastClr="000000"/>
+                </a:solidFill>
+                <a:latin typeface="cmr10" panose="020B0500000000000000" pitchFamily="34" charset="0"/>
+              </a:rPr>
+              <a:t>(e.g. </a:t>
+            </a:r>
+            <a:r>
+              <a:rPr lang="de-DE" sz="700" dirty="0" err="1" smtClean="0">
+                <a:solidFill>
+                  <a:sysClr val="windowText" lastClr="000000"/>
+                </a:solidFill>
+                <a:latin typeface="cmr10" panose="020B0500000000000000" pitchFamily="34" charset="0"/>
+              </a:rPr>
+              <a:t>Yolo</a:t>
+            </a:r>
+            <a:r>
+              <a:rPr lang="de-DE" sz="700" dirty="0" smtClean="0">
+                <a:solidFill>
+                  <a:sysClr val="windowText" lastClr="000000"/>
+                </a:solidFill>
+                <a:latin typeface="cmr10" panose="020B0500000000000000" pitchFamily="34" charset="0"/>
+              </a:rPr>
+              <a:t>, SSD, </a:t>
+            </a:r>
+            <a:r>
+              <a:rPr lang="de-DE" sz="700" dirty="0" err="1" smtClean="0">
+                <a:solidFill>
+                  <a:sysClr val="windowText" lastClr="000000"/>
+                </a:solidFill>
+                <a:latin typeface="cmr10" panose="020B0500000000000000" pitchFamily="34" charset="0"/>
+              </a:rPr>
+              <a:t>Faster</a:t>
+            </a:r>
+            <a:r>
+              <a:rPr lang="de-DE" sz="700" dirty="0" smtClean="0">
+                <a:solidFill>
+                  <a:sysClr val="windowText" lastClr="000000"/>
+                </a:solidFill>
+                <a:latin typeface="cmr10" panose="020B0500000000000000" pitchFamily="34" charset="0"/>
+              </a:rPr>
+              <a:t> R-CNN)</a:t>
+            </a:r>
+            <a:endParaRPr lang="de-DE" sz="700" dirty="0">
+              <a:solidFill>
+                <a:sysClr val="windowText" lastClr="000000"/>
+              </a:solidFill>
+              <a:latin typeface="cmr10" panose="020B0500000000000000" pitchFamily="34" charset="0"/>
+            </a:endParaRPr>
+          </a:p>
+        </p:txBody>
+      </p:sp>
+      <p:sp>
+        <p:nvSpPr>
+          <p:cNvPr id="39" name="Rechteck 38"/>
+          <p:cNvSpPr/>
+          <p:nvPr/>
+        </p:nvSpPr>
+        <p:spPr>
+          <a:xfrm>
+            <a:off x="2797023" y="353057"/>
+            <a:ext cx="72383" cy="66043"/>
+          </a:xfrm>
+          <a:prstGeom prst="rect">
+            <a:avLst/>
+          </a:prstGeom>
+          <a:noFill/>
+          <a:ln w="12700">
+            <a:solidFill>
+              <a:srgbClr val="00B050"/>
+            </a:solidFill>
+          </a:ln>
+        </p:spPr>
+        <p:style>
+          <a:lnRef idx="2">
+            <a:schemeClr val="accent1">
+              <a:shade val="50000"/>
+            </a:schemeClr>
+          </a:lnRef>
+          <a:fillRef idx="1">
+            <a:schemeClr val="accent1"/>
+          </a:fillRef>
+          <a:effectRef idx="0">
+            <a:schemeClr val="accent1"/>
+          </a:effectRef>
+          <a:fontRef idx="minor">
+            <a:schemeClr val="lt1"/>
+          </a:fontRef>
+        </p:style>
+        <p:txBody>
+          <a:bodyPr rtlCol="0" anchor="ctr"/>
+          <a:lstStyle/>
+          <a:p>
+            <a:pPr algn="ctr"/>
+            <a:endParaRPr lang="de-DE"/>
+          </a:p>
+        </p:txBody>
+      </p:sp>
+      <p:sp>
+        <p:nvSpPr>
+          <p:cNvPr id="40" name="Rechteck 39"/>
+          <p:cNvSpPr/>
+          <p:nvPr/>
+        </p:nvSpPr>
+        <p:spPr>
+          <a:xfrm>
+            <a:off x="2386820" y="1844554"/>
+            <a:ext cx="288111" cy="124743"/>
+          </a:xfrm>
+          <a:prstGeom prst="rect">
+            <a:avLst/>
+          </a:prstGeom>
+          <a:noFill/>
+          <a:ln w="12700">
+            <a:solidFill>
+              <a:srgbClr val="00B050"/>
+            </a:solidFill>
+          </a:ln>
+        </p:spPr>
+        <p:style>
+          <a:lnRef idx="2">
+            <a:schemeClr val="accent1">
+              <a:shade val="50000"/>
+            </a:schemeClr>
+          </a:lnRef>
+          <a:fillRef idx="1">
+            <a:schemeClr val="accent1"/>
+          </a:fillRef>
+          <a:effectRef idx="0">
+            <a:schemeClr val="accent1"/>
+          </a:effectRef>
+          <a:fontRef idx="minor">
+            <a:schemeClr val="lt1"/>
+          </a:fontRef>
+        </p:style>
+        <p:txBody>
+          <a:bodyPr rtlCol="0" anchor="ctr"/>
+          <a:lstStyle/>
+          <a:p>
+            <a:pPr algn="ctr"/>
+            <a:endParaRPr lang="de-DE"/>
+          </a:p>
+        </p:txBody>
+      </p:sp>
+      <p:sp>
+        <p:nvSpPr>
+          <p:cNvPr id="41" name="Rechteck 40"/>
+          <p:cNvSpPr/>
+          <p:nvPr/>
+        </p:nvSpPr>
+        <p:spPr>
+          <a:xfrm>
+            <a:off x="2907897" y="2104555"/>
+            <a:ext cx="288111" cy="124743"/>
+          </a:xfrm>
+          <a:prstGeom prst="rect">
+            <a:avLst/>
+          </a:prstGeom>
+          <a:noFill/>
+          <a:ln w="12700">
+            <a:solidFill>
+              <a:srgbClr val="00B050"/>
+            </a:solidFill>
+          </a:ln>
+        </p:spPr>
+        <p:style>
+          <a:lnRef idx="2">
+            <a:schemeClr val="accent1">
+              <a:shade val="50000"/>
+            </a:schemeClr>
+          </a:lnRef>
+          <a:fillRef idx="1">
+            <a:schemeClr val="accent1"/>
+          </a:fillRef>
+          <a:effectRef idx="0">
+            <a:schemeClr val="accent1"/>
+          </a:effectRef>
+          <a:fontRef idx="minor">
+            <a:schemeClr val="lt1"/>
+          </a:fontRef>
+        </p:style>
+        <p:txBody>
+          <a:bodyPr rtlCol="0" anchor="ctr"/>
+          <a:lstStyle/>
+          <a:p>
+            <a:pPr algn="ctr"/>
+            <a:endParaRPr lang="de-DE"/>
+          </a:p>
+        </p:txBody>
+      </p:sp>
+      <p:sp>
+        <p:nvSpPr>
+          <p:cNvPr id="42" name="Rechteck 41"/>
+          <p:cNvSpPr/>
+          <p:nvPr/>
+        </p:nvSpPr>
+        <p:spPr>
+          <a:xfrm>
+            <a:off x="2433415" y="2063976"/>
+            <a:ext cx="288111" cy="124743"/>
+          </a:xfrm>
+          <a:prstGeom prst="rect">
+            <a:avLst/>
+          </a:prstGeom>
+          <a:noFill/>
+          <a:ln w="12700">
+            <a:solidFill>
+              <a:srgbClr val="00B050"/>
+            </a:solidFill>
+          </a:ln>
+        </p:spPr>
+        <p:style>
+          <a:lnRef idx="2">
+            <a:schemeClr val="accent1">
+              <a:shade val="50000"/>
+            </a:schemeClr>
+          </a:lnRef>
+          <a:fillRef idx="1">
+            <a:schemeClr val="accent1"/>
+          </a:fillRef>
+          <a:effectRef idx="0">
+            <a:schemeClr val="accent1"/>
+          </a:effectRef>
+          <a:fontRef idx="minor">
+            <a:schemeClr val="lt1"/>
+          </a:fontRef>
+        </p:style>
+        <p:txBody>
+          <a:bodyPr rtlCol="0" anchor="ctr"/>
+          <a:lstStyle/>
+          <a:p>
+            <a:pPr algn="ctr"/>
+            <a:endParaRPr lang="de-DE"/>
+          </a:p>
+        </p:txBody>
+      </p:sp>
+      <p:sp>
+        <p:nvSpPr>
+          <p:cNvPr id="44" name="Textfeld 43"/>
+          <p:cNvSpPr txBox="1"/>
+          <p:nvPr/>
+        </p:nvSpPr>
+        <p:spPr>
+          <a:xfrm>
+            <a:off x="2845594" y="258415"/>
+            <a:ext cx="401071" cy="215444"/>
+          </a:xfrm>
+          <a:prstGeom prst="rect">
+            <a:avLst/>
+          </a:prstGeom>
+          <a:noFill/>
+        </p:spPr>
+        <p:txBody>
+          <a:bodyPr wrap="none" rtlCol="0">
+            <a:spAutoFit/>
+          </a:bodyPr>
+          <a:lstStyle/>
+          <a:p>
+            <a:pPr algn="ctr"/>
+            <a:r>
+              <a:rPr lang="de-DE" sz="800" dirty="0" err="1" smtClean="0">
+                <a:solidFill>
+                  <a:srgbClr val="00B050"/>
+                </a:solidFill>
+                <a:latin typeface="cmr10" panose="020B0500000000000000" pitchFamily="34" charset="0"/>
+              </a:rPr>
+              <a:t>bmw</a:t>
+            </a:r>
+            <a:endParaRPr lang="de-DE" sz="800" dirty="0">
+              <a:solidFill>
+                <a:srgbClr val="00B050"/>
+              </a:solidFill>
+              <a:latin typeface="cmr10" panose="020B0500000000000000" pitchFamily="34" charset="0"/>
+            </a:endParaRPr>
+          </a:p>
+        </p:txBody>
+      </p:sp>
+      <p:sp>
+        <p:nvSpPr>
+          <p:cNvPr id="45" name="Abgerundetes Rechteck 44"/>
+          <p:cNvSpPr/>
+          <p:nvPr/>
+        </p:nvSpPr>
+        <p:spPr>
+          <a:xfrm>
+            <a:off x="3608427" y="2114938"/>
+            <a:ext cx="1000284" cy="545454"/>
+          </a:xfrm>
+          <a:prstGeom prst="roundRect">
+            <a:avLst/>
+          </a:prstGeom>
+          <a:noFill/>
+          <a:ln>
+            <a:solidFill>
+              <a:schemeClr val="tx1"/>
+            </a:solidFill>
+          </a:ln>
+        </p:spPr>
+        <p:style>
+          <a:lnRef idx="2">
+            <a:schemeClr val="accent1">
+              <a:shade val="50000"/>
+            </a:schemeClr>
+          </a:lnRef>
+          <a:fillRef idx="1">
+            <a:schemeClr val="accent1"/>
+          </a:fillRef>
+          <a:effectRef idx="0">
+            <a:schemeClr val="accent1"/>
+          </a:effectRef>
+          <a:fontRef idx="minor">
+            <a:schemeClr val="lt1"/>
+          </a:fontRef>
+        </p:style>
+        <p:txBody>
+          <a:bodyPr rtlCol="0" anchor="ctr"/>
+          <a:lstStyle/>
+          <a:p>
+            <a:pPr algn="ctr"/>
+            <a:r>
+              <a:rPr lang="de-DE" dirty="0" err="1" smtClean="0">
+                <a:solidFill>
+                  <a:sysClr val="windowText" lastClr="000000"/>
+                </a:solidFill>
+                <a:latin typeface="cmr10" panose="020B0500000000000000" pitchFamily="34" charset="0"/>
+              </a:rPr>
+              <a:t>Comparison</a:t>
+            </a:r>
+            <a:r>
+              <a:rPr lang="de-DE" dirty="0" smtClean="0">
+                <a:solidFill>
+                  <a:sysClr val="windowText" lastClr="000000"/>
+                </a:solidFill>
+                <a:latin typeface="cmr10" panose="020B0500000000000000" pitchFamily="34" charset="0"/>
+              </a:rPr>
+              <a:t> </a:t>
+            </a:r>
+            <a:r>
+              <a:rPr lang="de-DE" sz="700" dirty="0" smtClean="0">
+                <a:solidFill>
+                  <a:sysClr val="windowText" lastClr="000000"/>
+                </a:solidFill>
+                <a:latin typeface="cmr10" panose="020B0500000000000000" pitchFamily="34" charset="0"/>
+              </a:rPr>
+              <a:t>(e.g. VGG, </a:t>
+            </a:r>
+            <a:r>
+              <a:rPr lang="de-DE" sz="700" dirty="0" err="1" smtClean="0">
+                <a:solidFill>
+                  <a:sysClr val="windowText" lastClr="000000"/>
+                </a:solidFill>
+                <a:latin typeface="cmr10" panose="020B0500000000000000" pitchFamily="34" charset="0"/>
+              </a:rPr>
+              <a:t>ResNet</a:t>
+            </a:r>
+            <a:r>
+              <a:rPr lang="de-DE" sz="700" dirty="0" smtClean="0">
+                <a:solidFill>
+                  <a:sysClr val="windowText" lastClr="000000"/>
+                </a:solidFill>
+                <a:latin typeface="cmr10" panose="020B0500000000000000" pitchFamily="34" charset="0"/>
+              </a:rPr>
+              <a:t>, </a:t>
+            </a:r>
+            <a:r>
+              <a:rPr lang="de-DE" sz="700" dirty="0" err="1" smtClean="0">
+                <a:solidFill>
+                  <a:sysClr val="windowText" lastClr="000000"/>
+                </a:solidFill>
+                <a:latin typeface="cmr10" panose="020B0500000000000000" pitchFamily="34" charset="0"/>
+              </a:rPr>
+              <a:t>DenseNet</a:t>
+            </a:r>
+            <a:r>
+              <a:rPr lang="de-DE" sz="700" dirty="0" smtClean="0">
+                <a:solidFill>
+                  <a:sysClr val="windowText" lastClr="000000"/>
+                </a:solidFill>
+                <a:latin typeface="cmr10" panose="020B0500000000000000" pitchFamily="34" charset="0"/>
+              </a:rPr>
+              <a:t>)</a:t>
+            </a:r>
+            <a:endParaRPr lang="de-DE" sz="700" dirty="0">
+              <a:solidFill>
+                <a:sysClr val="windowText" lastClr="000000"/>
+              </a:solidFill>
+              <a:latin typeface="cmr10" panose="020B0500000000000000" pitchFamily="34" charset="0"/>
+            </a:endParaRPr>
+          </a:p>
+        </p:txBody>
+      </p:sp>
+      <p:sp>
+        <p:nvSpPr>
+          <p:cNvPr id="46" name="Textfeld 45"/>
+          <p:cNvSpPr txBox="1"/>
+          <p:nvPr/>
+        </p:nvSpPr>
+        <p:spPr>
+          <a:xfrm>
+            <a:off x="2856321" y="1934117"/>
+            <a:ext cx="367408" cy="215444"/>
+          </a:xfrm>
+          <a:prstGeom prst="rect">
+            <a:avLst/>
+          </a:prstGeom>
+          <a:noFill/>
+        </p:spPr>
+        <p:txBody>
+          <a:bodyPr wrap="none" rtlCol="0">
+            <a:spAutoFit/>
+          </a:bodyPr>
+          <a:lstStyle/>
+          <a:p>
+            <a:pPr algn="ctr"/>
+            <a:r>
+              <a:rPr lang="de-DE" sz="800" dirty="0" smtClean="0">
+                <a:solidFill>
+                  <a:srgbClr val="00B050"/>
+                </a:solidFill>
+                <a:latin typeface="cmr10" panose="020B0500000000000000" pitchFamily="34" charset="0"/>
+              </a:rPr>
+              <a:t>logo</a:t>
+            </a:r>
+            <a:endParaRPr lang="de-DE" sz="800" dirty="0">
+              <a:solidFill>
+                <a:srgbClr val="00B050"/>
+              </a:solidFill>
+              <a:latin typeface="cmr10" panose="020B0500000000000000" pitchFamily="34" charset="0"/>
+            </a:endParaRPr>
+          </a:p>
+        </p:txBody>
+      </p:sp>
+      <p:sp>
+        <p:nvSpPr>
+          <p:cNvPr id="47" name="Textfeld 46"/>
+          <p:cNvSpPr txBox="1"/>
+          <p:nvPr/>
+        </p:nvSpPr>
+        <p:spPr>
+          <a:xfrm>
+            <a:off x="2352265" y="1669367"/>
+            <a:ext cx="367408" cy="215444"/>
+          </a:xfrm>
+          <a:prstGeom prst="rect">
+            <a:avLst/>
+          </a:prstGeom>
+          <a:noFill/>
+        </p:spPr>
+        <p:txBody>
+          <a:bodyPr wrap="none" rtlCol="0">
+            <a:spAutoFit/>
+          </a:bodyPr>
+          <a:lstStyle/>
+          <a:p>
+            <a:pPr algn="ctr"/>
+            <a:r>
+              <a:rPr lang="de-DE" sz="800" dirty="0" smtClean="0">
+                <a:solidFill>
+                  <a:srgbClr val="00B050"/>
+                </a:solidFill>
+                <a:latin typeface="cmr10" panose="020B0500000000000000" pitchFamily="34" charset="0"/>
+              </a:rPr>
+              <a:t>logo</a:t>
+            </a:r>
+            <a:endParaRPr lang="de-DE" sz="800" dirty="0">
+              <a:solidFill>
+                <a:srgbClr val="00B050"/>
+              </a:solidFill>
+              <a:latin typeface="cmr10" panose="020B0500000000000000" pitchFamily="34" charset="0"/>
+            </a:endParaRPr>
+          </a:p>
+        </p:txBody>
+      </p:sp>
+      <p:sp>
+        <p:nvSpPr>
+          <p:cNvPr id="48" name="Textfeld 47"/>
+          <p:cNvSpPr txBox="1"/>
+          <p:nvPr/>
+        </p:nvSpPr>
+        <p:spPr>
+          <a:xfrm>
+            <a:off x="2394906" y="2154370"/>
+            <a:ext cx="367408" cy="215444"/>
+          </a:xfrm>
+          <a:prstGeom prst="rect">
+            <a:avLst/>
+          </a:prstGeom>
+          <a:noFill/>
+        </p:spPr>
+        <p:txBody>
+          <a:bodyPr wrap="none" rtlCol="0">
+            <a:spAutoFit/>
+          </a:bodyPr>
+          <a:lstStyle/>
+          <a:p>
+            <a:pPr algn="ctr"/>
+            <a:r>
+              <a:rPr lang="de-DE" sz="800" dirty="0" smtClean="0">
+                <a:solidFill>
+                  <a:srgbClr val="00B050"/>
+                </a:solidFill>
+                <a:latin typeface="cmr10" panose="020B0500000000000000" pitchFamily="34" charset="0"/>
+              </a:rPr>
+              <a:t>logo</a:t>
+            </a:r>
+            <a:endParaRPr lang="de-DE" sz="800" dirty="0">
+              <a:solidFill>
+                <a:srgbClr val="00B050"/>
+              </a:solidFill>
+              <a:latin typeface="cmr10" panose="020B0500000000000000" pitchFamily="34" charset="0"/>
+            </a:endParaRPr>
+          </a:p>
+        </p:txBody>
+      </p:sp>
+      <p:sp>
+        <p:nvSpPr>
+          <p:cNvPr id="52" name="Rechteck 51"/>
+          <p:cNvSpPr/>
+          <p:nvPr/>
+        </p:nvSpPr>
+        <p:spPr>
+          <a:xfrm>
+            <a:off x="2798944" y="2585471"/>
+            <a:ext cx="363816" cy="360040"/>
+          </a:xfrm>
+          <a:prstGeom prst="rect">
+            <a:avLst/>
+          </a:prstGeom>
+          <a:solidFill>
+            <a:schemeClr val="bg1">
+              <a:lumMod val="50000"/>
+            </a:schemeClr>
+          </a:solidFill>
+          <a:ln>
+            <a:noFill/>
+          </a:ln>
+        </p:spPr>
+        <p:style>
+          <a:lnRef idx="2">
+            <a:schemeClr val="accent1">
+              <a:shade val="50000"/>
+            </a:schemeClr>
+          </a:lnRef>
+          <a:fillRef idx="1">
+            <a:schemeClr val="accent1"/>
+          </a:fillRef>
+          <a:effectRef idx="0">
+            <a:schemeClr val="accent1"/>
+          </a:effectRef>
+          <a:fontRef idx="minor">
+            <a:schemeClr val="lt1"/>
+          </a:fontRef>
+        </p:style>
+        <p:txBody>
+          <a:bodyPr rtlCol="0" anchor="ctr"/>
+          <a:lstStyle/>
+          <a:p>
+            <a:pPr algn="ctr"/>
+            <a:endParaRPr lang="de-DE"/>
+          </a:p>
+        </p:txBody>
+      </p:sp>
+      <p:sp>
+        <p:nvSpPr>
+          <p:cNvPr id="53" name="Rechteck 52"/>
+          <p:cNvSpPr/>
+          <p:nvPr/>
+        </p:nvSpPr>
+        <p:spPr>
+          <a:xfrm>
+            <a:off x="4859290" y="2207646"/>
+            <a:ext cx="288111" cy="124743"/>
+          </a:xfrm>
+          <a:prstGeom prst="rect">
+            <a:avLst/>
+          </a:prstGeom>
+          <a:noFill/>
+          <a:ln w="12700">
+            <a:solidFill>
+              <a:srgbClr val="00B050"/>
+            </a:solidFill>
+          </a:ln>
+        </p:spPr>
+        <p:style>
+          <a:lnRef idx="2">
+            <a:schemeClr val="accent1">
+              <a:shade val="50000"/>
+            </a:schemeClr>
+          </a:lnRef>
+          <a:fillRef idx="1">
+            <a:schemeClr val="accent1"/>
+          </a:fillRef>
+          <a:effectRef idx="0">
+            <a:schemeClr val="accent1"/>
+          </a:effectRef>
+          <a:fontRef idx="minor">
+            <a:schemeClr val="lt1"/>
+          </a:fontRef>
+        </p:style>
+        <p:txBody>
+          <a:bodyPr rtlCol="0" anchor="ctr"/>
+          <a:lstStyle/>
+          <a:p>
+            <a:pPr algn="ctr"/>
+            <a:endParaRPr lang="de-DE"/>
+          </a:p>
+        </p:txBody>
+      </p:sp>
+      <p:sp>
+        <p:nvSpPr>
+          <p:cNvPr id="54" name="Rechteck 53"/>
+          <p:cNvSpPr/>
+          <p:nvPr/>
+        </p:nvSpPr>
+        <p:spPr>
+          <a:xfrm>
+            <a:off x="5396916" y="2442943"/>
+            <a:ext cx="288111" cy="124743"/>
+          </a:xfrm>
+          <a:prstGeom prst="rect">
+            <a:avLst/>
+          </a:prstGeom>
+          <a:noFill/>
+          <a:ln w="12700">
+            <a:solidFill>
+              <a:srgbClr val="00B050"/>
+            </a:solidFill>
+          </a:ln>
+        </p:spPr>
+        <p:style>
+          <a:lnRef idx="2">
+            <a:schemeClr val="accent1">
+              <a:shade val="50000"/>
+            </a:schemeClr>
+          </a:lnRef>
+          <a:fillRef idx="1">
+            <a:schemeClr val="accent1"/>
+          </a:fillRef>
+          <a:effectRef idx="0">
+            <a:schemeClr val="accent1"/>
+          </a:effectRef>
+          <a:fontRef idx="minor">
+            <a:schemeClr val="lt1"/>
+          </a:fontRef>
+        </p:style>
+        <p:txBody>
+          <a:bodyPr rtlCol="0" anchor="ctr"/>
+          <a:lstStyle/>
+          <a:p>
+            <a:pPr algn="ctr"/>
+            <a:endParaRPr lang="de-DE"/>
+          </a:p>
+        </p:txBody>
+      </p:sp>
+      <p:sp>
+        <p:nvSpPr>
+          <p:cNvPr id="55" name="Rechteck 54"/>
+          <p:cNvSpPr/>
+          <p:nvPr/>
+        </p:nvSpPr>
+        <p:spPr>
+          <a:xfrm>
+            <a:off x="4905885" y="2427068"/>
+            <a:ext cx="288111" cy="124743"/>
+          </a:xfrm>
+          <a:prstGeom prst="rect">
+            <a:avLst/>
+          </a:prstGeom>
+          <a:noFill/>
+          <a:ln w="12700">
+            <a:solidFill>
+              <a:srgbClr val="FFC000"/>
+            </a:solidFill>
+          </a:ln>
+        </p:spPr>
+        <p:style>
+          <a:lnRef idx="2">
+            <a:schemeClr val="accent1">
+              <a:shade val="50000"/>
+            </a:schemeClr>
+          </a:lnRef>
+          <a:fillRef idx="1">
+            <a:schemeClr val="accent1"/>
+          </a:fillRef>
+          <a:effectRef idx="0">
+            <a:schemeClr val="accent1"/>
+          </a:effectRef>
+          <a:fontRef idx="minor">
+            <a:schemeClr val="lt1"/>
+          </a:fontRef>
+        </p:style>
+        <p:txBody>
+          <a:bodyPr rtlCol="0" anchor="ctr"/>
+          <a:lstStyle/>
+          <a:p>
+            <a:pPr algn="ctr"/>
+            <a:endParaRPr lang="de-DE"/>
+          </a:p>
+        </p:txBody>
+      </p:sp>
+      <p:sp>
+        <p:nvSpPr>
+          <p:cNvPr id="56" name="Textfeld 55"/>
+          <p:cNvSpPr txBox="1"/>
+          <p:nvPr/>
+        </p:nvSpPr>
+        <p:spPr>
+          <a:xfrm>
+            <a:off x="5297250" y="2266963"/>
+            <a:ext cx="463589" cy="215444"/>
+          </a:xfrm>
+          <a:prstGeom prst="rect">
+            <a:avLst/>
+          </a:prstGeom>
+          <a:noFill/>
+        </p:spPr>
+        <p:txBody>
+          <a:bodyPr wrap="none" rtlCol="0">
+            <a:spAutoFit/>
+          </a:bodyPr>
+          <a:lstStyle/>
+          <a:p>
+            <a:pPr algn="ctr"/>
+            <a:r>
+              <a:rPr lang="de-DE" sz="800" dirty="0" err="1" smtClean="0">
+                <a:solidFill>
+                  <a:srgbClr val="00B050"/>
+                </a:solidFill>
+                <a:latin typeface="cmr10" panose="020B0500000000000000" pitchFamily="34" charset="0"/>
+              </a:rPr>
+              <a:t>match</a:t>
+            </a:r>
+            <a:endParaRPr lang="de-DE" sz="800" dirty="0">
+              <a:solidFill>
+                <a:srgbClr val="00B050"/>
+              </a:solidFill>
+              <a:latin typeface="cmr10" panose="020B0500000000000000" pitchFamily="34" charset="0"/>
+            </a:endParaRPr>
+          </a:p>
+        </p:txBody>
+      </p:sp>
+      <p:sp>
+        <p:nvSpPr>
+          <p:cNvPr id="57" name="Textfeld 56"/>
+          <p:cNvSpPr txBox="1"/>
+          <p:nvPr/>
+        </p:nvSpPr>
+        <p:spPr>
+          <a:xfrm>
+            <a:off x="4776645" y="2026917"/>
+            <a:ext cx="463589" cy="215444"/>
+          </a:xfrm>
+          <a:prstGeom prst="rect">
+            <a:avLst/>
+          </a:prstGeom>
+          <a:noFill/>
+        </p:spPr>
+        <p:txBody>
+          <a:bodyPr wrap="none" rtlCol="0">
+            <a:spAutoFit/>
+          </a:bodyPr>
+          <a:lstStyle/>
+          <a:p>
+            <a:pPr algn="ctr"/>
+            <a:r>
+              <a:rPr lang="de-DE" sz="800" dirty="0" err="1" smtClean="0">
+                <a:solidFill>
+                  <a:srgbClr val="00B050"/>
+                </a:solidFill>
+                <a:latin typeface="cmr10" panose="020B0500000000000000" pitchFamily="34" charset="0"/>
+              </a:rPr>
+              <a:t>match</a:t>
+            </a:r>
+            <a:endParaRPr lang="de-DE" sz="800" dirty="0">
+              <a:solidFill>
+                <a:srgbClr val="00B050"/>
+              </a:solidFill>
+              <a:latin typeface="cmr10" panose="020B0500000000000000" pitchFamily="34" charset="0"/>
+            </a:endParaRPr>
+          </a:p>
+        </p:txBody>
+      </p:sp>
+      <p:cxnSp>
+        <p:nvCxnSpPr>
+          <p:cNvPr id="59" name="Gerade Verbindung 58"/>
+          <p:cNvCxnSpPr/>
+          <p:nvPr/>
+        </p:nvCxnSpPr>
+        <p:spPr>
+          <a:xfrm>
+            <a:off x="0" y="1556521"/>
+            <a:ext cx="5761038" cy="0"/>
+          </a:xfrm>
+          <a:prstGeom prst="line">
+            <a:avLst/>
+          </a:prstGeom>
+          <a:ln w="6350">
+            <a:solidFill>
+              <a:schemeClr val="tx1">
+                <a:lumMod val="50000"/>
+                <a:lumOff val="50000"/>
+              </a:schemeClr>
+            </a:solidFill>
+            <a:prstDash val="sysDash"/>
+          </a:ln>
+        </p:spPr>
+        <p:style>
+          <a:lnRef idx="1">
+            <a:schemeClr val="accent1"/>
+          </a:lnRef>
+          <a:fillRef idx="0">
+            <a:schemeClr val="accent1"/>
+          </a:fillRef>
+          <a:effectRef idx="0">
+            <a:schemeClr val="accent1"/>
+          </a:effectRef>
+          <a:fontRef idx="minor">
+            <a:schemeClr val="tx1"/>
+          </a:fontRef>
+        </p:style>
+      </p:cxnSp>
+      <p:sp>
+        <p:nvSpPr>
+          <p:cNvPr id="63" name="Abgerundetes Rechteck 62"/>
+          <p:cNvSpPr/>
+          <p:nvPr/>
+        </p:nvSpPr>
+        <p:spPr>
+          <a:xfrm>
+            <a:off x="1111297" y="1709258"/>
+            <a:ext cx="983942" cy="558622"/>
+          </a:xfrm>
+          <a:prstGeom prst="roundRect">
+            <a:avLst/>
+          </a:prstGeom>
+          <a:noFill/>
+          <a:ln>
+            <a:solidFill>
+              <a:schemeClr val="tx1"/>
+            </a:solidFill>
+          </a:ln>
+        </p:spPr>
+        <p:style>
+          <a:lnRef idx="2">
+            <a:schemeClr val="accent1">
+              <a:shade val="50000"/>
+            </a:schemeClr>
+          </a:lnRef>
+          <a:fillRef idx="1">
+            <a:schemeClr val="accent1"/>
+          </a:fillRef>
+          <a:effectRef idx="0">
+            <a:schemeClr val="accent1"/>
+          </a:effectRef>
+          <a:fontRef idx="minor">
+            <a:schemeClr val="lt1"/>
+          </a:fontRef>
+        </p:style>
+        <p:txBody>
+          <a:bodyPr rtlCol="0" anchor="ctr"/>
+          <a:lstStyle/>
+          <a:p>
+            <a:pPr algn="ctr"/>
+            <a:r>
+              <a:rPr lang="de-DE" dirty="0" err="1" smtClean="0">
+                <a:solidFill>
+                  <a:sysClr val="windowText" lastClr="000000"/>
+                </a:solidFill>
+                <a:latin typeface="cmr10" panose="020B0500000000000000" pitchFamily="34" charset="0"/>
+              </a:rPr>
+              <a:t>Detection</a:t>
+            </a:r>
+            <a:r>
+              <a:rPr lang="de-DE" dirty="0" smtClean="0">
+                <a:solidFill>
+                  <a:sysClr val="windowText" lastClr="000000"/>
+                </a:solidFill>
+                <a:latin typeface="cmr10" panose="020B0500000000000000" pitchFamily="34" charset="0"/>
+              </a:rPr>
+              <a:t>        </a:t>
+            </a:r>
+            <a:r>
+              <a:rPr lang="de-DE" sz="700" dirty="0" smtClean="0">
+                <a:solidFill>
+                  <a:sysClr val="windowText" lastClr="000000"/>
+                </a:solidFill>
+                <a:latin typeface="cmr10" panose="020B0500000000000000" pitchFamily="34" charset="0"/>
+              </a:rPr>
+              <a:t>(e.g. </a:t>
+            </a:r>
+            <a:r>
+              <a:rPr lang="de-DE" sz="700" dirty="0" err="1" smtClean="0">
+                <a:solidFill>
+                  <a:sysClr val="windowText" lastClr="000000"/>
+                </a:solidFill>
+                <a:latin typeface="cmr10" panose="020B0500000000000000" pitchFamily="34" charset="0"/>
+              </a:rPr>
+              <a:t>Yolo</a:t>
+            </a:r>
+            <a:r>
+              <a:rPr lang="de-DE" sz="700" dirty="0" smtClean="0">
+                <a:solidFill>
+                  <a:sysClr val="windowText" lastClr="000000"/>
+                </a:solidFill>
+                <a:latin typeface="cmr10" panose="020B0500000000000000" pitchFamily="34" charset="0"/>
+              </a:rPr>
+              <a:t>, SSD, </a:t>
+            </a:r>
+            <a:r>
+              <a:rPr lang="de-DE" sz="700" dirty="0" err="1" smtClean="0">
+                <a:solidFill>
+                  <a:sysClr val="windowText" lastClr="000000"/>
+                </a:solidFill>
+                <a:latin typeface="cmr10" panose="020B0500000000000000" pitchFamily="34" charset="0"/>
+              </a:rPr>
+              <a:t>Faster</a:t>
+            </a:r>
+            <a:r>
+              <a:rPr lang="de-DE" sz="700" dirty="0" smtClean="0">
+                <a:solidFill>
+                  <a:sysClr val="windowText" lastClr="000000"/>
+                </a:solidFill>
+                <a:latin typeface="cmr10" panose="020B0500000000000000" pitchFamily="34" charset="0"/>
+              </a:rPr>
+              <a:t> R-CNN)</a:t>
+            </a:r>
+            <a:endParaRPr lang="de-DE" sz="700" dirty="0">
+              <a:solidFill>
+                <a:sysClr val="windowText" lastClr="000000"/>
+              </a:solidFill>
+              <a:latin typeface="cmr10" panose="020B0500000000000000" pitchFamily="34" charset="0"/>
+            </a:endParaRPr>
+          </a:p>
+        </p:txBody>
+      </p:sp>
+      <p:cxnSp>
+        <p:nvCxnSpPr>
+          <p:cNvPr id="1024" name="Gerade Verbindung mit Pfeil 1023"/>
+          <p:cNvCxnSpPr/>
+          <p:nvPr/>
+        </p:nvCxnSpPr>
+        <p:spPr>
+          <a:xfrm flipV="1">
+            <a:off x="3312567" y="2601346"/>
+            <a:ext cx="144016" cy="92706"/>
+          </a:xfrm>
+          <a:prstGeom prst="straightConnector1">
+            <a:avLst/>
+          </a:prstGeom>
+          <a:ln w="19050">
+            <a:solidFill>
+              <a:schemeClr val="tx1"/>
+            </a:solidFill>
+            <a:headEnd type="none" w="med" len="med"/>
+            <a:tailEnd type="triangle" w="sm" len="med"/>
+          </a:ln>
+        </p:spPr>
+        <p:style>
+          <a:lnRef idx="1">
+            <a:schemeClr val="accent1"/>
+          </a:lnRef>
+          <a:fillRef idx="0">
+            <a:schemeClr val="accent1"/>
+          </a:fillRef>
+          <a:effectRef idx="0">
+            <a:schemeClr val="accent1"/>
+          </a:effectRef>
+          <a:fontRef idx="minor">
+            <a:schemeClr val="tx1"/>
+          </a:fontRef>
+        </p:style>
+      </p:cxnSp>
+      <p:cxnSp>
+        <p:nvCxnSpPr>
+          <p:cNvPr id="66" name="Gerade Verbindung mit Pfeil 65"/>
+          <p:cNvCxnSpPr/>
+          <p:nvPr/>
+        </p:nvCxnSpPr>
+        <p:spPr>
+          <a:xfrm>
+            <a:off x="3327717" y="2088690"/>
+            <a:ext cx="144016" cy="100029"/>
+          </a:xfrm>
+          <a:prstGeom prst="straightConnector1">
+            <a:avLst/>
+          </a:prstGeom>
+          <a:ln w="19050">
+            <a:solidFill>
+              <a:schemeClr val="tx1"/>
+            </a:solidFill>
+            <a:headEnd type="none" w="med" len="med"/>
+            <a:tailEnd type="triangle" w="sm" len="med"/>
+          </a:ln>
+        </p:spPr>
+        <p:style>
+          <a:lnRef idx="1">
+            <a:schemeClr val="accent1"/>
+          </a:lnRef>
+          <a:fillRef idx="0">
+            <a:schemeClr val="accent1"/>
+          </a:fillRef>
+          <a:effectRef idx="0">
+            <a:schemeClr val="accent1"/>
+          </a:effectRef>
+          <a:fontRef idx="minor">
+            <a:schemeClr val="tx1"/>
+          </a:fontRef>
+        </p:style>
+      </p:cxnSp>
+      <p:cxnSp>
+        <p:nvCxnSpPr>
+          <p:cNvPr id="68" name="Gerade Verbindung mit Pfeil 67"/>
+          <p:cNvCxnSpPr/>
+          <p:nvPr/>
+        </p:nvCxnSpPr>
+        <p:spPr>
+          <a:xfrm>
+            <a:off x="936303" y="1982097"/>
+            <a:ext cx="144016" cy="6472"/>
+          </a:xfrm>
+          <a:prstGeom prst="straightConnector1">
+            <a:avLst/>
+          </a:prstGeom>
+          <a:ln w="19050">
+            <a:solidFill>
+              <a:schemeClr val="tx1"/>
+            </a:solidFill>
+            <a:headEnd type="none" w="med" len="med"/>
+            <a:tailEnd type="triangle" w="sm" len="med"/>
+          </a:ln>
+        </p:spPr>
+        <p:style>
+          <a:lnRef idx="1">
+            <a:schemeClr val="accent1"/>
+          </a:lnRef>
+          <a:fillRef idx="0">
+            <a:schemeClr val="accent1"/>
+          </a:fillRef>
+          <a:effectRef idx="0">
+            <a:schemeClr val="accent1"/>
+          </a:effectRef>
+          <a:fontRef idx="minor">
+            <a:schemeClr val="tx1"/>
+          </a:fontRef>
+        </p:style>
+      </p:cxnSp>
+      <p:cxnSp>
+        <p:nvCxnSpPr>
+          <p:cNvPr id="70" name="Gerade Verbindung mit Pfeil 69"/>
+          <p:cNvCxnSpPr/>
+          <p:nvPr/>
+        </p:nvCxnSpPr>
+        <p:spPr>
+          <a:xfrm>
+            <a:off x="936303" y="359787"/>
+            <a:ext cx="144016" cy="6472"/>
+          </a:xfrm>
+          <a:prstGeom prst="straightConnector1">
+            <a:avLst/>
+          </a:prstGeom>
+          <a:ln w="19050">
+            <a:solidFill>
+              <a:schemeClr val="tx1"/>
+            </a:solidFill>
+            <a:headEnd type="none" w="med" len="med"/>
+            <a:tailEnd type="triangle" w="sm" len="med"/>
+          </a:ln>
+        </p:spPr>
+        <p:style>
+          <a:lnRef idx="1">
+            <a:schemeClr val="accent1"/>
+          </a:lnRef>
+          <a:fillRef idx="0">
+            <a:schemeClr val="accent1"/>
+          </a:fillRef>
+          <a:effectRef idx="0">
+            <a:schemeClr val="accent1"/>
+          </a:effectRef>
+          <a:fontRef idx="minor">
+            <a:schemeClr val="tx1"/>
+          </a:fontRef>
+        </p:style>
+      </p:cxnSp>
+      <p:cxnSp>
+        <p:nvCxnSpPr>
+          <p:cNvPr id="71" name="Gerade Verbindung mit Pfeil 70"/>
+          <p:cNvCxnSpPr/>
+          <p:nvPr/>
+        </p:nvCxnSpPr>
+        <p:spPr>
+          <a:xfrm>
+            <a:off x="2174491" y="359787"/>
+            <a:ext cx="144016" cy="6472"/>
+          </a:xfrm>
+          <a:prstGeom prst="straightConnector1">
+            <a:avLst/>
+          </a:prstGeom>
+          <a:ln w="19050">
+            <a:solidFill>
+              <a:schemeClr val="tx1"/>
+            </a:solidFill>
+            <a:headEnd type="none" w="med" len="med"/>
+            <a:tailEnd type="triangle" w="sm" len="med"/>
+          </a:ln>
+        </p:spPr>
+        <p:style>
+          <a:lnRef idx="1">
+            <a:schemeClr val="accent1"/>
+          </a:lnRef>
+          <a:fillRef idx="0">
+            <a:schemeClr val="accent1"/>
+          </a:fillRef>
+          <a:effectRef idx="0">
+            <a:schemeClr val="accent1"/>
+          </a:effectRef>
+          <a:fontRef idx="minor">
+            <a:schemeClr val="tx1"/>
+          </a:fontRef>
+        </p:style>
+      </p:cxnSp>
+      <p:cxnSp>
+        <p:nvCxnSpPr>
+          <p:cNvPr id="72" name="Gerade Verbindung mit Pfeil 71"/>
+          <p:cNvCxnSpPr/>
+          <p:nvPr/>
+        </p:nvCxnSpPr>
+        <p:spPr>
+          <a:xfrm>
+            <a:off x="2174491" y="1989745"/>
+            <a:ext cx="144016" cy="6472"/>
+          </a:xfrm>
+          <a:prstGeom prst="straightConnector1">
+            <a:avLst/>
+          </a:prstGeom>
+          <a:ln w="19050">
+            <a:solidFill>
+              <a:schemeClr val="tx1"/>
+            </a:solidFill>
+            <a:headEnd type="none" w="med" len="med"/>
+            <a:tailEnd type="triangle" w="sm" len="med"/>
+          </a:ln>
+        </p:spPr>
+        <p:style>
+          <a:lnRef idx="1">
+            <a:schemeClr val="accent1"/>
+          </a:lnRef>
+          <a:fillRef idx="0">
+            <a:schemeClr val="accent1"/>
+          </a:fillRef>
+          <a:effectRef idx="0">
+            <a:schemeClr val="accent1"/>
+          </a:effectRef>
+          <a:fontRef idx="minor">
+            <a:schemeClr val="tx1"/>
+          </a:fontRef>
+        </p:style>
+      </p:cxnSp>
+      <p:cxnSp>
+        <p:nvCxnSpPr>
+          <p:cNvPr id="73" name="Gerade Verbindung mit Pfeil 72"/>
+          <p:cNvCxnSpPr/>
+          <p:nvPr/>
+        </p:nvCxnSpPr>
+        <p:spPr>
+          <a:xfrm>
+            <a:off x="4665881" y="2387665"/>
+            <a:ext cx="144016" cy="6472"/>
+          </a:xfrm>
+          <a:prstGeom prst="straightConnector1">
+            <a:avLst/>
+          </a:prstGeom>
+          <a:ln w="19050">
+            <a:solidFill>
+              <a:schemeClr val="tx1"/>
+            </a:solidFill>
+            <a:headEnd type="none" w="med" len="med"/>
+            <a:tailEnd type="triangle" w="sm" len="med"/>
+          </a:ln>
+        </p:spPr>
+        <p:style>
+          <a:lnRef idx="1">
+            <a:schemeClr val="accent1"/>
+          </a:lnRef>
+          <a:fillRef idx="0">
+            <a:schemeClr val="accent1"/>
+          </a:fillRef>
+          <a:effectRef idx="0">
+            <a:schemeClr val="accent1"/>
+          </a:effectRef>
+          <a:fontRef idx="minor">
+            <a:schemeClr val="tx1"/>
+          </a:fontRef>
+        </p:style>
+      </p:cxnSp>
+      <p:sp>
+        <p:nvSpPr>
+          <p:cNvPr id="1028" name="Textfeld 1027"/>
+          <p:cNvSpPr txBox="1"/>
+          <p:nvPr/>
+        </p:nvSpPr>
+        <p:spPr>
+          <a:xfrm>
+            <a:off x="323624" y="584433"/>
+            <a:ext cx="453970" cy="230832"/>
+          </a:xfrm>
+          <a:prstGeom prst="rect">
+            <a:avLst/>
+          </a:prstGeom>
+          <a:noFill/>
+        </p:spPr>
+        <p:txBody>
+          <a:bodyPr wrap="none" rtlCol="0">
+            <a:spAutoFit/>
+          </a:bodyPr>
+          <a:lstStyle/>
+          <a:p>
+            <a:pPr algn="ctr"/>
+            <a:r>
+              <a:rPr lang="de-DE" dirty="0" err="1" smtClean="0">
+                <a:latin typeface="cmr10" panose="020B0500000000000000" pitchFamily="34" charset="0"/>
+              </a:rPr>
+              <a:t>input</a:t>
+            </a:r>
+            <a:endParaRPr lang="de-DE" dirty="0">
+              <a:latin typeface="cmr10" panose="020B0500000000000000" pitchFamily="34" charset="0"/>
+            </a:endParaRPr>
+          </a:p>
+        </p:txBody>
+      </p:sp>
+      <p:sp>
+        <p:nvSpPr>
+          <p:cNvPr id="75" name="Textfeld 74"/>
+          <p:cNvSpPr txBox="1"/>
+          <p:nvPr/>
+        </p:nvSpPr>
+        <p:spPr>
+          <a:xfrm>
+            <a:off x="313205" y="2249281"/>
+            <a:ext cx="453970" cy="230832"/>
+          </a:xfrm>
+          <a:prstGeom prst="rect">
+            <a:avLst/>
+          </a:prstGeom>
+          <a:noFill/>
+        </p:spPr>
+        <p:txBody>
+          <a:bodyPr wrap="none" rtlCol="0">
+            <a:spAutoFit/>
+          </a:bodyPr>
+          <a:lstStyle/>
+          <a:p>
+            <a:pPr algn="ctr"/>
+            <a:r>
+              <a:rPr lang="de-DE" dirty="0" err="1" smtClean="0">
+                <a:latin typeface="cmr10" panose="020B0500000000000000" pitchFamily="34" charset="0"/>
+              </a:rPr>
+              <a:t>input</a:t>
+            </a:r>
+            <a:endParaRPr lang="de-DE" dirty="0">
+              <a:latin typeface="cmr10" panose="020B0500000000000000" pitchFamily="34" charset="0"/>
+            </a:endParaRPr>
+          </a:p>
+        </p:txBody>
+      </p:sp>
+      <p:sp>
+        <p:nvSpPr>
+          <p:cNvPr id="76" name="Textfeld 75"/>
+          <p:cNvSpPr txBox="1"/>
+          <p:nvPr/>
+        </p:nvSpPr>
+        <p:spPr>
+          <a:xfrm>
+            <a:off x="2747456" y="2916877"/>
+            <a:ext cx="466794" cy="230832"/>
+          </a:xfrm>
+          <a:prstGeom prst="rect">
+            <a:avLst/>
+          </a:prstGeom>
+          <a:noFill/>
+        </p:spPr>
+        <p:txBody>
+          <a:bodyPr wrap="none" rtlCol="0">
+            <a:spAutoFit/>
+          </a:bodyPr>
+          <a:lstStyle/>
+          <a:p>
+            <a:pPr algn="ctr"/>
+            <a:r>
+              <a:rPr lang="de-DE" dirty="0" err="1" smtClean="0">
+                <a:latin typeface="cmr10" panose="020B0500000000000000" pitchFamily="34" charset="0"/>
+              </a:rPr>
+              <a:t>query</a:t>
+            </a:r>
+            <a:endParaRPr lang="de-DE" dirty="0">
+              <a:latin typeface="cmr10" panose="020B0500000000000000" pitchFamily="34" charset="0"/>
+            </a:endParaRPr>
+          </a:p>
+        </p:txBody>
+      </p:sp>
+      <p:sp>
+        <p:nvSpPr>
+          <p:cNvPr id="2" name="Rechteck 1"/>
+          <p:cNvSpPr/>
+          <p:nvPr/>
+        </p:nvSpPr>
+        <p:spPr>
+          <a:xfrm>
+            <a:off x="1296343" y="2546201"/>
+            <a:ext cx="648072" cy="390856"/>
+          </a:xfrm>
+          <a:prstGeom prst="rect">
+            <a:avLst/>
+          </a:prstGeom>
+          <a:noFill/>
+          <a:ln>
+            <a:solidFill>
+              <a:schemeClr val="bg1">
+                <a:lumMod val="65000"/>
+              </a:schemeClr>
+            </a:solidFill>
+          </a:ln>
+        </p:spPr>
+        <p:style>
+          <a:lnRef idx="2">
+            <a:schemeClr val="accent1">
+              <a:shade val="50000"/>
+            </a:schemeClr>
+          </a:lnRef>
+          <a:fillRef idx="1">
+            <a:schemeClr val="accent1"/>
+          </a:fillRef>
+          <a:effectRef idx="0">
+            <a:schemeClr val="accent1"/>
+          </a:effectRef>
+          <a:fontRef idx="minor">
+            <a:schemeClr val="lt1"/>
+          </a:fontRef>
+        </p:style>
+        <p:txBody>
+          <a:bodyPr rtlCol="0" anchor="ctr"/>
+          <a:lstStyle/>
+          <a:p>
+            <a:pPr algn="ctr"/>
+            <a:endParaRPr lang="de-DE"/>
+          </a:p>
+        </p:txBody>
+      </p:sp>
+      <p:sp>
+        <p:nvSpPr>
+          <p:cNvPr id="38" name="Textfeld 37"/>
+          <p:cNvSpPr txBox="1"/>
+          <p:nvPr/>
+        </p:nvSpPr>
+        <p:spPr>
+          <a:xfrm>
+            <a:off x="1197829" y="2934291"/>
+            <a:ext cx="845103" cy="230832"/>
+          </a:xfrm>
+          <a:prstGeom prst="rect">
+            <a:avLst/>
+          </a:prstGeom>
+          <a:noFill/>
+        </p:spPr>
+        <p:txBody>
+          <a:bodyPr wrap="none" rtlCol="0">
+            <a:spAutoFit/>
+          </a:bodyPr>
+          <a:lstStyle/>
+          <a:p>
+            <a:pPr algn="ctr"/>
+            <a:r>
+              <a:rPr lang="de-DE" dirty="0" err="1" smtClean="0">
+                <a:solidFill>
+                  <a:schemeClr val="bg1">
+                    <a:lumMod val="65000"/>
+                  </a:schemeClr>
+                </a:solidFill>
+                <a:latin typeface="cmr10" panose="020B0500000000000000" pitchFamily="34" charset="0"/>
+              </a:rPr>
+              <a:t>training</a:t>
+            </a:r>
+            <a:r>
+              <a:rPr lang="de-DE" dirty="0" smtClean="0">
+                <a:solidFill>
+                  <a:schemeClr val="bg1">
+                    <a:lumMod val="65000"/>
+                  </a:schemeClr>
+                </a:solidFill>
+                <a:latin typeface="cmr10" panose="020B0500000000000000" pitchFamily="34" charset="0"/>
+              </a:rPr>
+              <a:t> </a:t>
+            </a:r>
+            <a:r>
+              <a:rPr lang="de-DE" dirty="0" err="1" smtClean="0">
+                <a:solidFill>
+                  <a:schemeClr val="bg1">
+                    <a:lumMod val="65000"/>
+                  </a:schemeClr>
+                </a:solidFill>
+                <a:latin typeface="cmr10" panose="020B0500000000000000" pitchFamily="34" charset="0"/>
+              </a:rPr>
+              <a:t>data</a:t>
+            </a:r>
+            <a:endParaRPr lang="de-DE" dirty="0">
+              <a:solidFill>
+                <a:schemeClr val="bg1">
+                  <a:lumMod val="65000"/>
+                </a:schemeClr>
+              </a:solidFill>
+              <a:latin typeface="cmr10" panose="020B0500000000000000" pitchFamily="34" charset="0"/>
+            </a:endParaRPr>
+          </a:p>
+        </p:txBody>
+      </p:sp>
+      <p:cxnSp>
+        <p:nvCxnSpPr>
+          <p:cNvPr id="43" name="Gerade Verbindung mit Pfeil 42"/>
+          <p:cNvCxnSpPr/>
+          <p:nvPr/>
+        </p:nvCxnSpPr>
+        <p:spPr>
+          <a:xfrm flipV="1">
+            <a:off x="1603268" y="2325427"/>
+            <a:ext cx="0" cy="142449"/>
+          </a:xfrm>
+          <a:prstGeom prst="straightConnector1">
+            <a:avLst/>
+          </a:prstGeom>
+          <a:ln w="19050">
+            <a:solidFill>
+              <a:schemeClr val="bg1">
+                <a:lumMod val="65000"/>
+              </a:schemeClr>
+            </a:solidFill>
+            <a:headEnd type="none" w="med" len="med"/>
+            <a:tailEnd type="triangle" w="sm" len="med"/>
+          </a:ln>
+        </p:spPr>
+        <p:style>
+          <a:lnRef idx="1">
+            <a:schemeClr val="accent1"/>
+          </a:lnRef>
+          <a:fillRef idx="0">
+            <a:schemeClr val="accent1"/>
+          </a:fillRef>
+          <a:effectRef idx="0">
+            <a:schemeClr val="accent1"/>
+          </a:effectRef>
+          <a:fontRef idx="minor">
+            <a:schemeClr val="tx1"/>
+          </a:fontRef>
+        </p:style>
+      </p:cxnSp>
+      <p:sp>
+        <p:nvSpPr>
+          <p:cNvPr id="49" name="Rechteck 48"/>
+          <p:cNvSpPr/>
+          <p:nvPr/>
+        </p:nvSpPr>
+        <p:spPr>
+          <a:xfrm>
+            <a:off x="1326432" y="2592476"/>
+            <a:ext cx="181908" cy="133745"/>
+          </a:xfrm>
+          <a:prstGeom prst="rect">
+            <a:avLst/>
+          </a:prstGeom>
+          <a:solidFill>
+            <a:schemeClr val="bg1">
+              <a:lumMod val="50000"/>
+            </a:schemeClr>
+          </a:solidFill>
+          <a:ln>
+            <a:noFill/>
+          </a:ln>
+        </p:spPr>
+        <p:style>
+          <a:lnRef idx="2">
+            <a:schemeClr val="accent1">
+              <a:shade val="50000"/>
+            </a:schemeClr>
+          </a:lnRef>
+          <a:fillRef idx="1">
+            <a:schemeClr val="accent1"/>
+          </a:fillRef>
+          <a:effectRef idx="0">
+            <a:schemeClr val="accent1"/>
+          </a:effectRef>
+          <a:fontRef idx="minor">
+            <a:schemeClr val="lt1"/>
+          </a:fontRef>
+        </p:style>
+        <p:txBody>
+          <a:bodyPr rtlCol="0" anchor="ctr"/>
+          <a:lstStyle/>
+          <a:p>
+            <a:pPr algn="ctr"/>
+            <a:endParaRPr lang="de-DE"/>
+          </a:p>
+        </p:txBody>
+      </p:sp>
+      <p:sp>
+        <p:nvSpPr>
+          <p:cNvPr id="50" name="Rechteck 49"/>
+          <p:cNvSpPr/>
+          <p:nvPr/>
+        </p:nvSpPr>
+        <p:spPr>
+          <a:xfrm>
+            <a:off x="1326432" y="2752839"/>
+            <a:ext cx="181908" cy="133745"/>
+          </a:xfrm>
+          <a:prstGeom prst="rect">
+            <a:avLst/>
+          </a:prstGeom>
+          <a:solidFill>
+            <a:schemeClr val="bg1">
+              <a:lumMod val="50000"/>
+            </a:schemeClr>
+          </a:solidFill>
+          <a:ln>
+            <a:noFill/>
+          </a:ln>
+        </p:spPr>
+        <p:style>
+          <a:lnRef idx="2">
+            <a:schemeClr val="accent1">
+              <a:shade val="50000"/>
+            </a:schemeClr>
+          </a:lnRef>
+          <a:fillRef idx="1">
+            <a:schemeClr val="accent1"/>
+          </a:fillRef>
+          <a:effectRef idx="0">
+            <a:schemeClr val="accent1"/>
+          </a:effectRef>
+          <a:fontRef idx="minor">
+            <a:schemeClr val="lt1"/>
+          </a:fontRef>
+        </p:style>
+        <p:txBody>
+          <a:bodyPr rtlCol="0" anchor="ctr"/>
+          <a:lstStyle/>
+          <a:p>
+            <a:pPr algn="ctr"/>
+            <a:endParaRPr lang="de-DE"/>
+          </a:p>
+        </p:txBody>
+      </p:sp>
+      <p:sp>
+        <p:nvSpPr>
+          <p:cNvPr id="61" name="Rechteck 60"/>
+          <p:cNvSpPr/>
+          <p:nvPr/>
+        </p:nvSpPr>
+        <p:spPr>
+          <a:xfrm>
+            <a:off x="1529426" y="2760447"/>
+            <a:ext cx="181908" cy="133745"/>
+          </a:xfrm>
+          <a:prstGeom prst="rect">
+            <a:avLst/>
+          </a:prstGeom>
+          <a:solidFill>
+            <a:schemeClr val="bg1">
+              <a:lumMod val="50000"/>
+            </a:schemeClr>
+          </a:solidFill>
+          <a:ln>
+            <a:noFill/>
+          </a:ln>
+        </p:spPr>
+        <p:style>
+          <a:lnRef idx="2">
+            <a:schemeClr val="accent1">
+              <a:shade val="50000"/>
+            </a:schemeClr>
+          </a:lnRef>
+          <a:fillRef idx="1">
+            <a:schemeClr val="accent1"/>
+          </a:fillRef>
+          <a:effectRef idx="0">
+            <a:schemeClr val="accent1"/>
+          </a:effectRef>
+          <a:fontRef idx="minor">
+            <a:schemeClr val="lt1"/>
+          </a:fontRef>
+        </p:style>
+        <p:txBody>
+          <a:bodyPr rtlCol="0" anchor="ctr"/>
+          <a:lstStyle/>
+          <a:p>
+            <a:pPr algn="ctr"/>
+            <a:endParaRPr lang="de-DE"/>
+          </a:p>
+        </p:txBody>
+      </p:sp>
+      <p:sp>
+        <p:nvSpPr>
+          <p:cNvPr id="62" name="Rechteck 61"/>
+          <p:cNvSpPr/>
+          <p:nvPr/>
+        </p:nvSpPr>
+        <p:spPr>
+          <a:xfrm>
+            <a:off x="1529426" y="2592475"/>
+            <a:ext cx="181908" cy="133745"/>
+          </a:xfrm>
+          <a:prstGeom prst="rect">
+            <a:avLst/>
+          </a:prstGeom>
+          <a:solidFill>
+            <a:schemeClr val="bg1">
+              <a:lumMod val="50000"/>
+            </a:schemeClr>
+          </a:solidFill>
+          <a:ln>
+            <a:noFill/>
+          </a:ln>
+        </p:spPr>
+        <p:style>
+          <a:lnRef idx="2">
+            <a:schemeClr val="accent1">
+              <a:shade val="50000"/>
+            </a:schemeClr>
+          </a:lnRef>
+          <a:fillRef idx="1">
+            <a:schemeClr val="accent1"/>
+          </a:fillRef>
+          <a:effectRef idx="0">
+            <a:schemeClr val="accent1"/>
+          </a:effectRef>
+          <a:fontRef idx="minor">
+            <a:schemeClr val="lt1"/>
+          </a:fontRef>
+        </p:style>
+        <p:txBody>
+          <a:bodyPr rtlCol="0" anchor="ctr"/>
+          <a:lstStyle/>
+          <a:p>
+            <a:pPr algn="ctr"/>
+            <a:endParaRPr lang="de-DE"/>
+          </a:p>
+        </p:txBody>
+      </p:sp>
+      <p:sp>
+        <p:nvSpPr>
+          <p:cNvPr id="64" name="Rechteck 63"/>
+          <p:cNvSpPr/>
+          <p:nvPr/>
+        </p:nvSpPr>
+        <p:spPr>
+          <a:xfrm>
+            <a:off x="1733600" y="2593519"/>
+            <a:ext cx="181908" cy="133745"/>
+          </a:xfrm>
+          <a:prstGeom prst="rect">
+            <a:avLst/>
+          </a:prstGeom>
+          <a:solidFill>
+            <a:schemeClr val="bg1">
+              <a:lumMod val="50000"/>
+            </a:schemeClr>
+          </a:solidFill>
+          <a:ln>
+            <a:noFill/>
+          </a:ln>
+        </p:spPr>
+        <p:style>
+          <a:lnRef idx="2">
+            <a:schemeClr val="accent1">
+              <a:shade val="50000"/>
+            </a:schemeClr>
+          </a:lnRef>
+          <a:fillRef idx="1">
+            <a:schemeClr val="accent1"/>
+          </a:fillRef>
+          <a:effectRef idx="0">
+            <a:schemeClr val="accent1"/>
+          </a:effectRef>
+          <a:fontRef idx="minor">
+            <a:schemeClr val="lt1"/>
+          </a:fontRef>
+        </p:style>
+        <p:txBody>
+          <a:bodyPr rtlCol="0" anchor="ctr"/>
+          <a:lstStyle/>
+          <a:p>
+            <a:pPr algn="ctr"/>
+            <a:endParaRPr lang="de-DE"/>
+          </a:p>
+        </p:txBody>
+      </p:sp>
+      <p:sp>
+        <p:nvSpPr>
+          <p:cNvPr id="65" name="Rechteck 64"/>
+          <p:cNvSpPr/>
+          <p:nvPr/>
+        </p:nvSpPr>
+        <p:spPr>
+          <a:xfrm>
+            <a:off x="1733600" y="2760447"/>
+            <a:ext cx="181908" cy="133745"/>
+          </a:xfrm>
+          <a:prstGeom prst="rect">
+            <a:avLst/>
+          </a:prstGeom>
+          <a:solidFill>
+            <a:schemeClr val="bg1">
+              <a:lumMod val="50000"/>
+            </a:schemeClr>
+          </a:solidFill>
+          <a:ln>
+            <a:noFill/>
+          </a:ln>
+        </p:spPr>
+        <p:style>
+          <a:lnRef idx="2">
+            <a:schemeClr val="accent1">
+              <a:shade val="50000"/>
+            </a:schemeClr>
+          </a:lnRef>
+          <a:fillRef idx="1">
+            <a:schemeClr val="accent1"/>
+          </a:fillRef>
+          <a:effectRef idx="0">
+            <a:schemeClr val="accent1"/>
+          </a:effectRef>
+          <a:fontRef idx="minor">
+            <a:schemeClr val="lt1"/>
+          </a:fontRef>
+        </p:style>
+        <p:txBody>
+          <a:bodyPr rtlCol="0" anchor="ctr"/>
+          <a:lstStyle/>
+          <a:p>
+            <a:pPr algn="ctr"/>
+            <a:endParaRPr lang="de-DE"/>
+          </a:p>
+        </p:txBody>
+      </p:sp>
+      <p:sp>
+        <p:nvSpPr>
+          <p:cNvPr id="83" name="Rechteck 82"/>
+          <p:cNvSpPr/>
+          <p:nvPr/>
+        </p:nvSpPr>
+        <p:spPr>
+          <a:xfrm>
+            <a:off x="1296343" y="859479"/>
+            <a:ext cx="648072" cy="390856"/>
+          </a:xfrm>
+          <a:prstGeom prst="rect">
+            <a:avLst/>
+          </a:prstGeom>
+          <a:noFill/>
+          <a:ln>
+            <a:solidFill>
+              <a:schemeClr val="bg1">
+                <a:lumMod val="65000"/>
+              </a:schemeClr>
+            </a:solidFill>
+          </a:ln>
+        </p:spPr>
+        <p:style>
+          <a:lnRef idx="2">
+            <a:schemeClr val="accent1">
+              <a:shade val="50000"/>
+            </a:schemeClr>
+          </a:lnRef>
+          <a:fillRef idx="1">
+            <a:schemeClr val="accent1"/>
+          </a:fillRef>
+          <a:effectRef idx="0">
+            <a:schemeClr val="accent1"/>
+          </a:effectRef>
+          <a:fontRef idx="minor">
+            <a:schemeClr val="lt1"/>
+          </a:fontRef>
+        </p:style>
+        <p:txBody>
+          <a:bodyPr rtlCol="0" anchor="ctr"/>
+          <a:lstStyle/>
+          <a:p>
+            <a:pPr algn="ctr"/>
+            <a:endParaRPr lang="de-DE"/>
+          </a:p>
+        </p:txBody>
+      </p:sp>
+      <p:sp>
+        <p:nvSpPr>
+          <p:cNvPr id="84" name="Textfeld 83"/>
+          <p:cNvSpPr txBox="1"/>
+          <p:nvPr/>
+        </p:nvSpPr>
+        <p:spPr>
+          <a:xfrm>
+            <a:off x="1197829" y="1247569"/>
+            <a:ext cx="845103" cy="230832"/>
+          </a:xfrm>
+          <a:prstGeom prst="rect">
+            <a:avLst/>
+          </a:prstGeom>
+          <a:noFill/>
+        </p:spPr>
+        <p:txBody>
+          <a:bodyPr wrap="none" rtlCol="0">
+            <a:spAutoFit/>
+          </a:bodyPr>
+          <a:lstStyle/>
+          <a:p>
+            <a:pPr algn="ctr"/>
+            <a:r>
+              <a:rPr lang="de-DE" dirty="0" err="1" smtClean="0">
+                <a:solidFill>
+                  <a:schemeClr val="bg1">
+                    <a:lumMod val="65000"/>
+                  </a:schemeClr>
+                </a:solidFill>
+                <a:latin typeface="cmr10" panose="020B0500000000000000" pitchFamily="34" charset="0"/>
+              </a:rPr>
+              <a:t>training</a:t>
+            </a:r>
+            <a:r>
+              <a:rPr lang="de-DE" dirty="0" smtClean="0">
+                <a:solidFill>
+                  <a:schemeClr val="bg1">
+                    <a:lumMod val="65000"/>
+                  </a:schemeClr>
+                </a:solidFill>
+                <a:latin typeface="cmr10" panose="020B0500000000000000" pitchFamily="34" charset="0"/>
+              </a:rPr>
+              <a:t> </a:t>
+            </a:r>
+            <a:r>
+              <a:rPr lang="de-DE" dirty="0" err="1" smtClean="0">
+                <a:solidFill>
+                  <a:schemeClr val="bg1">
+                    <a:lumMod val="65000"/>
+                  </a:schemeClr>
+                </a:solidFill>
+                <a:latin typeface="cmr10" panose="020B0500000000000000" pitchFamily="34" charset="0"/>
+              </a:rPr>
+              <a:t>data</a:t>
+            </a:r>
+            <a:endParaRPr lang="de-DE" dirty="0">
+              <a:solidFill>
+                <a:schemeClr val="bg1">
+                  <a:lumMod val="65000"/>
+                </a:schemeClr>
+              </a:solidFill>
+              <a:latin typeface="cmr10" panose="020B0500000000000000" pitchFamily="34" charset="0"/>
+            </a:endParaRPr>
+          </a:p>
+        </p:txBody>
+      </p:sp>
+      <p:cxnSp>
+        <p:nvCxnSpPr>
+          <p:cNvPr id="85" name="Gerade Verbindung mit Pfeil 84"/>
+          <p:cNvCxnSpPr/>
+          <p:nvPr/>
+        </p:nvCxnSpPr>
+        <p:spPr>
+          <a:xfrm flipV="1">
+            <a:off x="1603268" y="666755"/>
+            <a:ext cx="0" cy="142449"/>
+          </a:xfrm>
+          <a:prstGeom prst="straightConnector1">
+            <a:avLst/>
+          </a:prstGeom>
+          <a:ln w="19050">
+            <a:solidFill>
+              <a:schemeClr val="bg1">
+                <a:lumMod val="65000"/>
+              </a:schemeClr>
+            </a:solidFill>
+            <a:headEnd type="none" w="med" len="med"/>
+            <a:tailEnd type="triangle" w="sm" len="med"/>
+          </a:ln>
+        </p:spPr>
+        <p:style>
+          <a:lnRef idx="1">
+            <a:schemeClr val="accent1"/>
+          </a:lnRef>
+          <a:fillRef idx="0">
+            <a:schemeClr val="accent1"/>
+          </a:fillRef>
+          <a:effectRef idx="0">
+            <a:schemeClr val="accent1"/>
+          </a:effectRef>
+          <a:fontRef idx="minor">
+            <a:schemeClr val="tx1"/>
+          </a:fontRef>
+        </p:style>
+      </p:cxnSp>
+      <p:sp>
+        <p:nvSpPr>
+          <p:cNvPr id="86" name="Rechteck 85"/>
+          <p:cNvSpPr/>
+          <p:nvPr/>
+        </p:nvSpPr>
+        <p:spPr>
+          <a:xfrm>
+            <a:off x="1326432" y="905754"/>
+            <a:ext cx="181908" cy="133745"/>
+          </a:xfrm>
+          <a:prstGeom prst="rect">
+            <a:avLst/>
+          </a:prstGeom>
+          <a:solidFill>
+            <a:schemeClr val="bg1">
+              <a:lumMod val="50000"/>
+            </a:schemeClr>
+          </a:solidFill>
+          <a:ln>
+            <a:noFill/>
+          </a:ln>
+        </p:spPr>
+        <p:style>
+          <a:lnRef idx="2">
+            <a:schemeClr val="accent1">
+              <a:shade val="50000"/>
+            </a:schemeClr>
+          </a:lnRef>
+          <a:fillRef idx="1">
+            <a:schemeClr val="accent1"/>
+          </a:fillRef>
+          <a:effectRef idx="0">
+            <a:schemeClr val="accent1"/>
+          </a:effectRef>
+          <a:fontRef idx="minor">
+            <a:schemeClr val="lt1"/>
+          </a:fontRef>
+        </p:style>
+        <p:txBody>
+          <a:bodyPr rtlCol="0" anchor="ctr"/>
+          <a:lstStyle/>
+          <a:p>
+            <a:pPr algn="ctr"/>
+            <a:endParaRPr lang="de-DE"/>
+          </a:p>
+        </p:txBody>
+      </p:sp>
+      <p:sp>
+        <p:nvSpPr>
+          <p:cNvPr id="87" name="Rechteck 86"/>
+          <p:cNvSpPr/>
+          <p:nvPr/>
+        </p:nvSpPr>
+        <p:spPr>
+          <a:xfrm>
+            <a:off x="1326432" y="1066117"/>
+            <a:ext cx="181908" cy="133745"/>
+          </a:xfrm>
+          <a:prstGeom prst="rect">
+            <a:avLst/>
+          </a:prstGeom>
+          <a:solidFill>
+            <a:schemeClr val="bg1">
+              <a:lumMod val="50000"/>
+            </a:schemeClr>
+          </a:solidFill>
+          <a:ln>
+            <a:noFill/>
+          </a:ln>
+        </p:spPr>
+        <p:style>
+          <a:lnRef idx="2">
+            <a:schemeClr val="accent1">
+              <a:shade val="50000"/>
+            </a:schemeClr>
+          </a:lnRef>
+          <a:fillRef idx="1">
+            <a:schemeClr val="accent1"/>
+          </a:fillRef>
+          <a:effectRef idx="0">
+            <a:schemeClr val="accent1"/>
+          </a:effectRef>
+          <a:fontRef idx="minor">
+            <a:schemeClr val="lt1"/>
+          </a:fontRef>
+        </p:style>
+        <p:txBody>
+          <a:bodyPr rtlCol="0" anchor="ctr"/>
+          <a:lstStyle/>
+          <a:p>
+            <a:pPr algn="ctr"/>
+            <a:endParaRPr lang="de-DE"/>
+          </a:p>
+        </p:txBody>
+      </p:sp>
+      <p:sp>
+        <p:nvSpPr>
+          <p:cNvPr id="88" name="Rechteck 87"/>
+          <p:cNvSpPr/>
+          <p:nvPr/>
+        </p:nvSpPr>
+        <p:spPr>
+          <a:xfrm>
+            <a:off x="1529426" y="1073725"/>
+            <a:ext cx="181908" cy="133745"/>
+          </a:xfrm>
+          <a:prstGeom prst="rect">
+            <a:avLst/>
+          </a:prstGeom>
+          <a:solidFill>
+            <a:schemeClr val="bg1">
+              <a:lumMod val="50000"/>
+            </a:schemeClr>
+          </a:solidFill>
+          <a:ln>
+            <a:noFill/>
+          </a:ln>
+        </p:spPr>
+        <p:style>
+          <a:lnRef idx="2">
+            <a:schemeClr val="accent1">
+              <a:shade val="50000"/>
+            </a:schemeClr>
+          </a:lnRef>
+          <a:fillRef idx="1">
+            <a:schemeClr val="accent1"/>
+          </a:fillRef>
+          <a:effectRef idx="0">
+            <a:schemeClr val="accent1"/>
+          </a:effectRef>
+          <a:fontRef idx="minor">
+            <a:schemeClr val="lt1"/>
+          </a:fontRef>
+        </p:style>
+        <p:txBody>
+          <a:bodyPr rtlCol="0" anchor="ctr"/>
+          <a:lstStyle/>
+          <a:p>
+            <a:pPr algn="ctr"/>
+            <a:endParaRPr lang="de-DE"/>
+          </a:p>
+        </p:txBody>
+      </p:sp>
+      <p:sp>
+        <p:nvSpPr>
+          <p:cNvPr id="89" name="Rechteck 88"/>
+          <p:cNvSpPr/>
+          <p:nvPr/>
+        </p:nvSpPr>
+        <p:spPr>
+          <a:xfrm>
+            <a:off x="1529426" y="905753"/>
+            <a:ext cx="181908" cy="133745"/>
+          </a:xfrm>
+          <a:prstGeom prst="rect">
+            <a:avLst/>
+          </a:prstGeom>
+          <a:solidFill>
+            <a:schemeClr val="bg1">
+              <a:lumMod val="50000"/>
+            </a:schemeClr>
+          </a:solidFill>
+          <a:ln>
+            <a:noFill/>
+          </a:ln>
+        </p:spPr>
+        <p:style>
+          <a:lnRef idx="2">
+            <a:schemeClr val="accent1">
+              <a:shade val="50000"/>
+            </a:schemeClr>
+          </a:lnRef>
+          <a:fillRef idx="1">
+            <a:schemeClr val="accent1"/>
+          </a:fillRef>
+          <a:effectRef idx="0">
+            <a:schemeClr val="accent1"/>
+          </a:effectRef>
+          <a:fontRef idx="minor">
+            <a:schemeClr val="lt1"/>
+          </a:fontRef>
+        </p:style>
+        <p:txBody>
+          <a:bodyPr rtlCol="0" anchor="ctr"/>
+          <a:lstStyle/>
+          <a:p>
+            <a:pPr algn="ctr"/>
+            <a:endParaRPr lang="de-DE"/>
+          </a:p>
+        </p:txBody>
+      </p:sp>
+      <p:sp>
+        <p:nvSpPr>
+          <p:cNvPr id="90" name="Rechteck 89"/>
+          <p:cNvSpPr/>
+          <p:nvPr/>
+        </p:nvSpPr>
+        <p:spPr>
+          <a:xfrm>
+            <a:off x="1733600" y="906797"/>
+            <a:ext cx="181908" cy="133745"/>
+          </a:xfrm>
+          <a:prstGeom prst="rect">
+            <a:avLst/>
+          </a:prstGeom>
+          <a:solidFill>
+            <a:schemeClr val="bg1">
+              <a:lumMod val="50000"/>
+            </a:schemeClr>
+          </a:solidFill>
+          <a:ln>
+            <a:noFill/>
+          </a:ln>
+        </p:spPr>
+        <p:style>
+          <a:lnRef idx="2">
+            <a:schemeClr val="accent1">
+              <a:shade val="50000"/>
+            </a:schemeClr>
+          </a:lnRef>
+          <a:fillRef idx="1">
+            <a:schemeClr val="accent1"/>
+          </a:fillRef>
+          <a:effectRef idx="0">
+            <a:schemeClr val="accent1"/>
+          </a:effectRef>
+          <a:fontRef idx="minor">
+            <a:schemeClr val="lt1"/>
+          </a:fontRef>
+        </p:style>
+        <p:txBody>
+          <a:bodyPr rtlCol="0" anchor="ctr"/>
+          <a:lstStyle/>
+          <a:p>
+            <a:pPr algn="ctr"/>
+            <a:endParaRPr lang="de-DE"/>
+          </a:p>
+        </p:txBody>
+      </p:sp>
+      <p:sp>
+        <p:nvSpPr>
+          <p:cNvPr id="91" name="Rechteck 90"/>
+          <p:cNvSpPr/>
+          <p:nvPr/>
+        </p:nvSpPr>
+        <p:spPr>
+          <a:xfrm>
+            <a:off x="1733600" y="1073725"/>
+            <a:ext cx="181908" cy="133745"/>
+          </a:xfrm>
+          <a:prstGeom prst="rect">
+            <a:avLst/>
+          </a:prstGeom>
+          <a:solidFill>
+            <a:schemeClr val="bg1">
+              <a:lumMod val="50000"/>
+            </a:schemeClr>
+          </a:solidFill>
+          <a:ln>
+            <a:noFill/>
+          </a:ln>
+        </p:spPr>
+        <p:style>
+          <a:lnRef idx="2">
+            <a:schemeClr val="accent1">
+              <a:shade val="50000"/>
+            </a:schemeClr>
+          </a:lnRef>
+          <a:fillRef idx="1">
+            <a:schemeClr val="accent1"/>
+          </a:fillRef>
+          <a:effectRef idx="0">
+            <a:schemeClr val="accent1"/>
+          </a:effectRef>
+          <a:fontRef idx="minor">
+            <a:schemeClr val="lt1"/>
+          </a:fontRef>
+        </p:style>
+        <p:txBody>
+          <a:bodyPr rtlCol="0" anchor="ctr"/>
+          <a:lstStyle/>
+          <a:p>
+            <a:pPr algn="ctr"/>
+            <a:endParaRPr lang="de-DE"/>
+          </a:p>
+        </p:txBody>
+      </p:sp>
+      <p:sp>
+        <p:nvSpPr>
+          <p:cNvPr id="92" name="Rechteck 91"/>
+          <p:cNvSpPr/>
+          <p:nvPr/>
+        </p:nvSpPr>
+        <p:spPr>
+          <a:xfrm>
+            <a:off x="3784533" y="2941645"/>
+            <a:ext cx="648072" cy="390856"/>
+          </a:xfrm>
+          <a:prstGeom prst="rect">
+            <a:avLst/>
+          </a:prstGeom>
+          <a:noFill/>
+          <a:ln>
+            <a:solidFill>
+              <a:schemeClr val="bg1">
+                <a:lumMod val="65000"/>
+              </a:schemeClr>
+            </a:solidFill>
+          </a:ln>
+        </p:spPr>
+        <p:style>
+          <a:lnRef idx="2">
+            <a:schemeClr val="accent1">
+              <a:shade val="50000"/>
+            </a:schemeClr>
+          </a:lnRef>
+          <a:fillRef idx="1">
+            <a:schemeClr val="accent1"/>
+          </a:fillRef>
+          <a:effectRef idx="0">
+            <a:schemeClr val="accent1"/>
+          </a:effectRef>
+          <a:fontRef idx="minor">
+            <a:schemeClr val="lt1"/>
+          </a:fontRef>
+        </p:style>
+        <p:txBody>
+          <a:bodyPr rtlCol="0" anchor="ctr"/>
+          <a:lstStyle/>
+          <a:p>
+            <a:pPr algn="ctr"/>
+            <a:endParaRPr lang="de-DE"/>
+          </a:p>
+        </p:txBody>
+      </p:sp>
+      <p:sp>
+        <p:nvSpPr>
+          <p:cNvPr id="93" name="Textfeld 92"/>
+          <p:cNvSpPr txBox="1"/>
+          <p:nvPr/>
+        </p:nvSpPr>
+        <p:spPr>
+          <a:xfrm>
+            <a:off x="3686019" y="3329735"/>
+            <a:ext cx="845103" cy="230832"/>
+          </a:xfrm>
+          <a:prstGeom prst="rect">
+            <a:avLst/>
+          </a:prstGeom>
+          <a:noFill/>
+        </p:spPr>
+        <p:txBody>
+          <a:bodyPr wrap="none" rtlCol="0">
+            <a:spAutoFit/>
+          </a:bodyPr>
+          <a:lstStyle/>
+          <a:p>
+            <a:pPr algn="ctr"/>
+            <a:r>
+              <a:rPr lang="de-DE" dirty="0" err="1" smtClean="0">
+                <a:solidFill>
+                  <a:schemeClr val="bg1">
+                    <a:lumMod val="65000"/>
+                  </a:schemeClr>
+                </a:solidFill>
+                <a:latin typeface="cmr10" panose="020B0500000000000000" pitchFamily="34" charset="0"/>
+              </a:rPr>
+              <a:t>training</a:t>
+            </a:r>
+            <a:r>
+              <a:rPr lang="de-DE" dirty="0" smtClean="0">
+                <a:solidFill>
+                  <a:schemeClr val="bg1">
+                    <a:lumMod val="65000"/>
+                  </a:schemeClr>
+                </a:solidFill>
+                <a:latin typeface="cmr10" panose="020B0500000000000000" pitchFamily="34" charset="0"/>
+              </a:rPr>
+              <a:t> </a:t>
+            </a:r>
+            <a:r>
+              <a:rPr lang="de-DE" dirty="0" err="1" smtClean="0">
+                <a:solidFill>
+                  <a:schemeClr val="bg1">
+                    <a:lumMod val="65000"/>
+                  </a:schemeClr>
+                </a:solidFill>
+                <a:latin typeface="cmr10" panose="020B0500000000000000" pitchFamily="34" charset="0"/>
+              </a:rPr>
+              <a:t>data</a:t>
+            </a:r>
+            <a:endParaRPr lang="de-DE" dirty="0">
+              <a:solidFill>
+                <a:schemeClr val="bg1">
+                  <a:lumMod val="65000"/>
+                </a:schemeClr>
+              </a:solidFill>
+              <a:latin typeface="cmr10" panose="020B0500000000000000" pitchFamily="34" charset="0"/>
+            </a:endParaRPr>
+          </a:p>
+        </p:txBody>
+      </p:sp>
+      <p:cxnSp>
+        <p:nvCxnSpPr>
+          <p:cNvPr id="94" name="Gerade Verbindung mit Pfeil 93"/>
+          <p:cNvCxnSpPr/>
+          <p:nvPr/>
+        </p:nvCxnSpPr>
+        <p:spPr>
+          <a:xfrm flipV="1">
+            <a:off x="4091458" y="2720871"/>
+            <a:ext cx="0" cy="142449"/>
+          </a:xfrm>
+          <a:prstGeom prst="straightConnector1">
+            <a:avLst/>
+          </a:prstGeom>
+          <a:ln w="19050">
+            <a:solidFill>
+              <a:schemeClr val="bg1">
+                <a:lumMod val="65000"/>
+              </a:schemeClr>
+            </a:solidFill>
+            <a:headEnd type="none" w="med" len="med"/>
+            <a:tailEnd type="triangle" w="sm" len="med"/>
+          </a:ln>
+        </p:spPr>
+        <p:style>
+          <a:lnRef idx="1">
+            <a:schemeClr val="accent1"/>
+          </a:lnRef>
+          <a:fillRef idx="0">
+            <a:schemeClr val="accent1"/>
+          </a:fillRef>
+          <a:effectRef idx="0">
+            <a:schemeClr val="accent1"/>
+          </a:effectRef>
+          <a:fontRef idx="minor">
+            <a:schemeClr val="tx1"/>
+          </a:fontRef>
+        </p:style>
+      </p:cxnSp>
+      <p:sp>
+        <p:nvSpPr>
+          <p:cNvPr id="95" name="Rechteck 94"/>
+          <p:cNvSpPr/>
+          <p:nvPr/>
+        </p:nvSpPr>
+        <p:spPr>
+          <a:xfrm>
+            <a:off x="3814622" y="2987920"/>
+            <a:ext cx="181908" cy="133745"/>
+          </a:xfrm>
+          <a:prstGeom prst="rect">
+            <a:avLst/>
+          </a:prstGeom>
+          <a:solidFill>
+            <a:schemeClr val="bg1">
+              <a:lumMod val="50000"/>
+            </a:schemeClr>
+          </a:solidFill>
+          <a:ln>
+            <a:noFill/>
+          </a:ln>
+        </p:spPr>
+        <p:style>
+          <a:lnRef idx="2">
+            <a:schemeClr val="accent1">
+              <a:shade val="50000"/>
+            </a:schemeClr>
+          </a:lnRef>
+          <a:fillRef idx="1">
+            <a:schemeClr val="accent1"/>
+          </a:fillRef>
+          <a:effectRef idx="0">
+            <a:schemeClr val="accent1"/>
+          </a:effectRef>
+          <a:fontRef idx="minor">
+            <a:schemeClr val="lt1"/>
+          </a:fontRef>
+        </p:style>
+        <p:txBody>
+          <a:bodyPr rtlCol="0" anchor="ctr"/>
+          <a:lstStyle/>
+          <a:p>
+            <a:pPr algn="ctr"/>
+            <a:endParaRPr lang="de-DE"/>
+          </a:p>
+        </p:txBody>
+      </p:sp>
+      <p:sp>
+        <p:nvSpPr>
+          <p:cNvPr id="96" name="Rechteck 95"/>
+          <p:cNvSpPr/>
+          <p:nvPr/>
+        </p:nvSpPr>
+        <p:spPr>
+          <a:xfrm>
+            <a:off x="3814622" y="3148283"/>
+            <a:ext cx="181908" cy="133745"/>
+          </a:xfrm>
+          <a:prstGeom prst="rect">
+            <a:avLst/>
+          </a:prstGeom>
+          <a:solidFill>
+            <a:schemeClr val="bg1">
+              <a:lumMod val="50000"/>
+            </a:schemeClr>
+          </a:solidFill>
+          <a:ln>
+            <a:noFill/>
+          </a:ln>
+        </p:spPr>
+        <p:style>
+          <a:lnRef idx="2">
+            <a:schemeClr val="accent1">
+              <a:shade val="50000"/>
+            </a:schemeClr>
+          </a:lnRef>
+          <a:fillRef idx="1">
+            <a:schemeClr val="accent1"/>
+          </a:fillRef>
+          <a:effectRef idx="0">
+            <a:schemeClr val="accent1"/>
+          </a:effectRef>
+          <a:fontRef idx="minor">
+            <a:schemeClr val="lt1"/>
+          </a:fontRef>
+        </p:style>
+        <p:txBody>
+          <a:bodyPr rtlCol="0" anchor="ctr"/>
+          <a:lstStyle/>
+          <a:p>
+            <a:pPr algn="ctr"/>
+            <a:endParaRPr lang="de-DE"/>
+          </a:p>
+        </p:txBody>
+      </p:sp>
+      <p:sp>
+        <p:nvSpPr>
+          <p:cNvPr id="97" name="Rechteck 96"/>
+          <p:cNvSpPr/>
+          <p:nvPr/>
+        </p:nvSpPr>
+        <p:spPr>
+          <a:xfrm>
+            <a:off x="4017616" y="3155891"/>
+            <a:ext cx="181908" cy="133745"/>
+          </a:xfrm>
+          <a:prstGeom prst="rect">
+            <a:avLst/>
+          </a:prstGeom>
+          <a:solidFill>
+            <a:schemeClr val="bg1">
+              <a:lumMod val="50000"/>
+            </a:schemeClr>
+          </a:solidFill>
+          <a:ln>
+            <a:noFill/>
+          </a:ln>
+        </p:spPr>
+        <p:style>
+          <a:lnRef idx="2">
+            <a:schemeClr val="accent1">
+              <a:shade val="50000"/>
+            </a:schemeClr>
+          </a:lnRef>
+          <a:fillRef idx="1">
+            <a:schemeClr val="accent1"/>
+          </a:fillRef>
+          <a:effectRef idx="0">
+            <a:schemeClr val="accent1"/>
+          </a:effectRef>
+          <a:fontRef idx="minor">
+            <a:schemeClr val="lt1"/>
+          </a:fontRef>
+        </p:style>
+        <p:txBody>
+          <a:bodyPr rtlCol="0" anchor="ctr"/>
+          <a:lstStyle/>
+          <a:p>
+            <a:pPr algn="ctr"/>
+            <a:endParaRPr lang="de-DE"/>
+          </a:p>
+        </p:txBody>
+      </p:sp>
+      <p:sp>
+        <p:nvSpPr>
+          <p:cNvPr id="98" name="Rechteck 97"/>
+          <p:cNvSpPr/>
+          <p:nvPr/>
+        </p:nvSpPr>
+        <p:spPr>
+          <a:xfrm>
+            <a:off x="4017616" y="2987919"/>
+            <a:ext cx="181908" cy="133745"/>
+          </a:xfrm>
+          <a:prstGeom prst="rect">
+            <a:avLst/>
+          </a:prstGeom>
+          <a:solidFill>
+            <a:schemeClr val="bg1">
+              <a:lumMod val="50000"/>
+            </a:schemeClr>
+          </a:solidFill>
+          <a:ln>
+            <a:noFill/>
+          </a:ln>
+        </p:spPr>
+        <p:style>
+          <a:lnRef idx="2">
+            <a:schemeClr val="accent1">
+              <a:shade val="50000"/>
+            </a:schemeClr>
+          </a:lnRef>
+          <a:fillRef idx="1">
+            <a:schemeClr val="accent1"/>
+          </a:fillRef>
+          <a:effectRef idx="0">
+            <a:schemeClr val="accent1"/>
+          </a:effectRef>
+          <a:fontRef idx="minor">
+            <a:schemeClr val="lt1"/>
+          </a:fontRef>
+        </p:style>
+        <p:txBody>
+          <a:bodyPr rtlCol="0" anchor="ctr"/>
+          <a:lstStyle/>
+          <a:p>
+            <a:pPr algn="ctr"/>
+            <a:endParaRPr lang="de-DE"/>
+          </a:p>
+        </p:txBody>
+      </p:sp>
+      <p:sp>
+        <p:nvSpPr>
+          <p:cNvPr id="99" name="Rechteck 98"/>
+          <p:cNvSpPr/>
+          <p:nvPr/>
+        </p:nvSpPr>
+        <p:spPr>
+          <a:xfrm>
+            <a:off x="4221790" y="2988963"/>
+            <a:ext cx="181908" cy="133745"/>
+          </a:xfrm>
+          <a:prstGeom prst="rect">
+            <a:avLst/>
+          </a:prstGeom>
+          <a:solidFill>
+            <a:schemeClr val="bg1">
+              <a:lumMod val="50000"/>
+            </a:schemeClr>
+          </a:solidFill>
+          <a:ln>
+            <a:noFill/>
+          </a:ln>
+        </p:spPr>
+        <p:style>
+          <a:lnRef idx="2">
+            <a:schemeClr val="accent1">
+              <a:shade val="50000"/>
+            </a:schemeClr>
+          </a:lnRef>
+          <a:fillRef idx="1">
+            <a:schemeClr val="accent1"/>
+          </a:fillRef>
+          <a:effectRef idx="0">
+            <a:schemeClr val="accent1"/>
+          </a:effectRef>
+          <a:fontRef idx="minor">
+            <a:schemeClr val="lt1"/>
+          </a:fontRef>
+        </p:style>
+        <p:txBody>
+          <a:bodyPr rtlCol="0" anchor="ctr"/>
+          <a:lstStyle/>
+          <a:p>
+            <a:pPr algn="ctr"/>
+            <a:endParaRPr lang="de-DE"/>
+          </a:p>
+        </p:txBody>
+      </p:sp>
+      <p:sp>
+        <p:nvSpPr>
+          <p:cNvPr id="100" name="Rechteck 99"/>
+          <p:cNvSpPr/>
+          <p:nvPr/>
+        </p:nvSpPr>
+        <p:spPr>
+          <a:xfrm>
+            <a:off x="4221790" y="3155891"/>
+            <a:ext cx="181908" cy="133745"/>
+          </a:xfrm>
+          <a:prstGeom prst="rect">
+            <a:avLst/>
+          </a:prstGeom>
+          <a:solidFill>
+            <a:schemeClr val="bg1">
+              <a:lumMod val="50000"/>
+            </a:schemeClr>
+          </a:solidFill>
+          <a:ln>
+            <a:noFill/>
+          </a:ln>
+        </p:spPr>
+        <p:style>
+          <a:lnRef idx="2">
+            <a:schemeClr val="accent1">
+              <a:shade val="50000"/>
+            </a:schemeClr>
+          </a:lnRef>
+          <a:fillRef idx="1">
+            <a:schemeClr val="accent1"/>
+          </a:fillRef>
+          <a:effectRef idx="0">
+            <a:schemeClr val="accent1"/>
+          </a:effectRef>
+          <a:fontRef idx="minor">
+            <a:schemeClr val="lt1"/>
+          </a:fontRef>
+        </p:style>
+        <p:txBody>
+          <a:bodyPr rtlCol="0" anchor="ctr"/>
+          <a:lstStyle/>
+          <a:p>
+            <a:pPr algn="ctr"/>
+            <a:endParaRPr lang="de-DE"/>
+          </a:p>
+        </p:txBody>
+      </p:sp>
+      <p:sp>
+        <p:nvSpPr>
+          <p:cNvPr id="3" name="Textfeld 2"/>
+          <p:cNvSpPr txBox="1"/>
+          <p:nvPr/>
+        </p:nvSpPr>
+        <p:spPr>
+          <a:xfrm rot="19800000">
+            <a:off x="478360" y="998030"/>
+            <a:ext cx="4750403" cy="1323439"/>
+          </a:xfrm>
+          <a:prstGeom prst="rect">
+            <a:avLst/>
+          </a:prstGeom>
+          <a:noFill/>
+        </p:spPr>
+        <p:txBody>
+          <a:bodyPr wrap="none" rtlCol="0">
+            <a:spAutoFit/>
+          </a:bodyPr>
+          <a:lstStyle/>
+          <a:p>
+            <a:r>
+              <a:rPr lang="de-DE" sz="8000" dirty="0" smtClean="0">
+                <a:solidFill>
+                  <a:schemeClr val="accent6"/>
+                </a:solidFill>
+              </a:rPr>
+              <a:t>in </a:t>
+            </a:r>
+            <a:r>
+              <a:rPr lang="de-DE" sz="8000" dirty="0" err="1" smtClean="0">
+                <a:solidFill>
+                  <a:schemeClr val="accent6"/>
+                </a:solidFill>
+              </a:rPr>
+              <a:t>progress</a:t>
+            </a:r>
+            <a:endParaRPr lang="de-DE" sz="8000" dirty="0">
+              <a:solidFill>
+                <a:schemeClr val="accent6"/>
+              </a:solidFill>
+            </a:endParaRPr>
+          </a:p>
+        </p:txBody>
+      </p:sp>
+      <p:pic>
+        <p:nvPicPr>
+          <p:cNvPr id="1027" name="Picture 3" descr="H:\MisPel\Doc\2016-12-15 Masterarbeit Andras\Git\LogoRetrieval-Paper\img\logos\bmw_peugeot_small.jpg"/>
+          <p:cNvPicPr>
+            <a:picLocks noChangeAspect="1" noChangeArrowheads="1"/>
+          </p:cNvPicPr>
+          <p:nvPr/>
+        </p:nvPicPr>
+        <p:blipFill>
+          <a:blip r:embed="rId2" cstate="print">
+            <a:extLst>
+              <a:ext uri="{28A0092B-C50C-407E-A947-70E740481C1C}">
+                <a14:useLocalDpi xmlns:a14="http://schemas.microsoft.com/office/drawing/2010/main" val="0"/>
+              </a:ext>
+            </a:extLst>
+          </a:blip>
+          <a:srcRect/>
+          <a:stretch>
+            <a:fillRect/>
+          </a:stretch>
+        </p:blipFill>
+        <p:spPr bwMode="auto">
+          <a:xfrm>
+            <a:off x="216223" y="148090"/>
+            <a:ext cx="647934" cy="426557"/>
+          </a:xfrm>
+          <a:prstGeom prst="rect">
+            <a:avLst/>
+          </a:prstGeom>
+          <a:noFill/>
+          <a:extLst>
+            <a:ext uri="{909E8E84-426E-40DD-AFC4-6F175D3DCCD1}">
+              <a14:hiddenFill xmlns:a14="http://schemas.microsoft.com/office/drawing/2010/main">
+                <a:solidFill>
+                  <a:srgbClr val="FFFFFF"/>
+                </a:solidFill>
+              </a14:hiddenFill>
+            </a:ext>
+          </a:extLst>
+        </p:spPr>
+      </p:pic>
+      <p:pic>
+        <p:nvPicPr>
+          <p:cNvPr id="77" name="Picture 3" descr="H:\MisPel\Doc\2016-12-15 Masterarbeit Andras\Git\LogoRetrieval-Paper\img\logos\bmw_peugeot_small.jpg"/>
+          <p:cNvPicPr>
+            <a:picLocks noChangeAspect="1" noChangeArrowheads="1"/>
+          </p:cNvPicPr>
+          <p:nvPr/>
+        </p:nvPicPr>
+        <p:blipFill>
+          <a:blip r:embed="rId2" cstate="print">
+            <a:extLst>
+              <a:ext uri="{28A0092B-C50C-407E-A947-70E740481C1C}">
+                <a14:useLocalDpi xmlns:a14="http://schemas.microsoft.com/office/drawing/2010/main" val="0"/>
+              </a:ext>
+            </a:extLst>
+          </a:blip>
+          <a:srcRect/>
+          <a:stretch>
+            <a:fillRect/>
+          </a:stretch>
+        </p:blipFill>
+        <p:spPr bwMode="auto">
+          <a:xfrm>
+            <a:off x="2412536" y="1768818"/>
+            <a:ext cx="647934" cy="426557"/>
+          </a:xfrm>
+          <a:prstGeom prst="rect">
+            <a:avLst/>
+          </a:prstGeom>
+          <a:noFill/>
+          <a:extLst>
+            <a:ext uri="{909E8E84-426E-40DD-AFC4-6F175D3DCCD1}">
+              <a14:hiddenFill xmlns:a14="http://schemas.microsoft.com/office/drawing/2010/main">
+                <a:solidFill>
+                  <a:srgbClr val="FFFFFF"/>
+                </a:solidFill>
+              </a14:hiddenFill>
+            </a:ext>
+          </a:extLst>
+        </p:spPr>
+      </p:pic>
+      <p:sp>
+        <p:nvSpPr>
+          <p:cNvPr id="78" name="Rechteck 77"/>
+          <p:cNvSpPr/>
+          <p:nvPr/>
+        </p:nvSpPr>
+        <p:spPr>
+          <a:xfrm>
+            <a:off x="2797023" y="1973785"/>
+            <a:ext cx="72383" cy="66043"/>
+          </a:xfrm>
+          <a:prstGeom prst="rect">
+            <a:avLst/>
+          </a:prstGeom>
+          <a:noFill/>
+          <a:ln w="12700">
+            <a:solidFill>
+              <a:srgbClr val="00B050"/>
+            </a:solidFill>
+          </a:ln>
+        </p:spPr>
+        <p:style>
+          <a:lnRef idx="2">
+            <a:schemeClr val="accent1">
+              <a:shade val="50000"/>
+            </a:schemeClr>
+          </a:lnRef>
+          <a:fillRef idx="1">
+            <a:schemeClr val="accent1"/>
+          </a:fillRef>
+          <a:effectRef idx="0">
+            <a:schemeClr val="accent1"/>
+          </a:effectRef>
+          <a:fontRef idx="minor">
+            <a:schemeClr val="lt1"/>
+          </a:fontRef>
+        </p:style>
+        <p:txBody>
+          <a:bodyPr rtlCol="0" anchor="ctr"/>
+          <a:lstStyle/>
+          <a:p>
+            <a:pPr algn="ctr"/>
+            <a:endParaRPr lang="de-DE"/>
+          </a:p>
+        </p:txBody>
+      </p:sp>
+      <p:sp>
+        <p:nvSpPr>
+          <p:cNvPr id="79" name="Textfeld 78"/>
+          <p:cNvSpPr txBox="1"/>
+          <p:nvPr/>
+        </p:nvSpPr>
+        <p:spPr>
+          <a:xfrm>
+            <a:off x="2845594" y="1879143"/>
+            <a:ext cx="401071" cy="215444"/>
+          </a:xfrm>
+          <a:prstGeom prst="rect">
+            <a:avLst/>
+          </a:prstGeom>
+          <a:noFill/>
+        </p:spPr>
+        <p:txBody>
+          <a:bodyPr wrap="none" rtlCol="0">
+            <a:spAutoFit/>
+          </a:bodyPr>
+          <a:lstStyle/>
+          <a:p>
+            <a:pPr algn="ctr"/>
+            <a:r>
+              <a:rPr lang="de-DE" sz="800" dirty="0" err="1" smtClean="0">
+                <a:solidFill>
+                  <a:srgbClr val="00B050"/>
+                </a:solidFill>
+                <a:latin typeface="cmr10" panose="020B0500000000000000" pitchFamily="34" charset="0"/>
+              </a:rPr>
+              <a:t>bmw</a:t>
+            </a:r>
+            <a:endParaRPr lang="de-DE" sz="800" dirty="0">
+              <a:solidFill>
+                <a:srgbClr val="00B050"/>
+              </a:solidFill>
+              <a:latin typeface="cmr10" panose="020B0500000000000000" pitchFamily="34" charset="0"/>
+            </a:endParaRPr>
+          </a:p>
+        </p:txBody>
+      </p:sp>
+      <p:pic>
+        <p:nvPicPr>
+          <p:cNvPr id="80" name="Picture 3" descr="H:\MisPel\Doc\2016-12-15 Masterarbeit Andras\Git\LogoRetrieval-Paper\img\logos\bmw_peugeot_small.jpg"/>
+          <p:cNvPicPr>
+            <a:picLocks noChangeAspect="1" noChangeArrowheads="1"/>
+          </p:cNvPicPr>
+          <p:nvPr/>
+        </p:nvPicPr>
+        <p:blipFill>
+          <a:blip r:embed="rId2" cstate="print">
+            <a:extLst>
+              <a:ext uri="{28A0092B-C50C-407E-A947-70E740481C1C}">
+                <a14:useLocalDpi xmlns:a14="http://schemas.microsoft.com/office/drawing/2010/main" val="0"/>
+              </a:ext>
+            </a:extLst>
+          </a:blip>
+          <a:srcRect/>
+          <a:stretch>
+            <a:fillRect/>
+          </a:stretch>
+        </p:blipFill>
+        <p:spPr bwMode="auto">
+          <a:xfrm>
+            <a:off x="216223" y="1768818"/>
+            <a:ext cx="647934" cy="426557"/>
+          </a:xfrm>
+          <a:prstGeom prst="rect">
+            <a:avLst/>
+          </a:prstGeom>
+          <a:noFill/>
+          <a:extLst>
+            <a:ext uri="{909E8E84-426E-40DD-AFC4-6F175D3DCCD1}">
+              <a14:hiddenFill xmlns:a14="http://schemas.microsoft.com/office/drawing/2010/main">
+                <a:solidFill>
+                  <a:srgbClr val="FFFFFF"/>
+                </a:solidFill>
+              </a14:hiddenFill>
+            </a:ext>
+          </a:extLst>
+        </p:spPr>
+      </p:pic>
+      <p:grpSp>
+        <p:nvGrpSpPr>
+          <p:cNvPr id="69" name="Gruppieren 68"/>
+          <p:cNvGrpSpPr/>
+          <p:nvPr/>
+        </p:nvGrpSpPr>
+        <p:grpSpPr>
+          <a:xfrm>
+            <a:off x="3976325" y="4716561"/>
+            <a:ext cx="428888" cy="133746"/>
+            <a:chOff x="1301600" y="3487941"/>
+            <a:chExt cx="1418035" cy="442203"/>
+          </a:xfrm>
+        </p:grpSpPr>
+        <p:pic>
+          <p:nvPicPr>
+            <p:cNvPr id="74" name="Picture 6" descr="F:\Data\Logo\LogoData-cleaned2\brandROIs\bmw\BMW_img000609_1.jpg"/>
+            <p:cNvPicPr>
+              <a:picLocks noChangeArrowheads="1"/>
+            </p:cNvPicPr>
+            <p:nvPr/>
+          </p:nvPicPr>
+          <p:blipFill>
+            <a:blip r:embed="rId3">
+              <a:extLst>
+                <a:ext uri="{28A0092B-C50C-407E-A947-70E740481C1C}">
+                  <a14:useLocalDpi xmlns:a14="http://schemas.microsoft.com/office/drawing/2010/main" val="0"/>
+                </a:ext>
+              </a:extLst>
+            </a:blip>
+            <a:srcRect/>
+            <a:stretch>
+              <a:fillRect/>
+            </a:stretch>
+          </p:blipFill>
+          <p:spPr bwMode="auto">
+            <a:xfrm>
+              <a:off x="1301600" y="3498144"/>
+              <a:ext cx="432000" cy="432000"/>
+            </a:xfrm>
+            <a:prstGeom prst="rect">
+              <a:avLst/>
+            </a:prstGeom>
+            <a:noFill/>
+            <a:extLst>
+              <a:ext uri="{909E8E84-426E-40DD-AFC4-6F175D3DCCD1}">
+                <a14:hiddenFill xmlns:a14="http://schemas.microsoft.com/office/drawing/2010/main">
+                  <a:solidFill>
+                    <a:srgbClr val="FFFFFF"/>
+                  </a:solidFill>
+                </a14:hiddenFill>
+              </a:ext>
+            </a:extLst>
+          </p:spPr>
+        </p:pic>
+        <p:pic>
+          <p:nvPicPr>
+            <p:cNvPr id="81" name="Picture 7" descr="F:\Data\Logo\LogoData-cleaned2\brandROIs\bmw\BMW_img000004_0.jpg"/>
+            <p:cNvPicPr>
+              <a:picLocks noChangeArrowheads="1"/>
+            </p:cNvPicPr>
+            <p:nvPr/>
+          </p:nvPicPr>
+          <p:blipFill>
+            <a:blip r:embed="rId4" cstate="print">
+              <a:extLst>
+                <a:ext uri="{28A0092B-C50C-407E-A947-70E740481C1C}">
+                  <a14:useLocalDpi xmlns:a14="http://schemas.microsoft.com/office/drawing/2010/main" val="0"/>
+                </a:ext>
+              </a:extLst>
+            </a:blip>
+            <a:srcRect/>
+            <a:stretch>
+              <a:fillRect/>
+            </a:stretch>
+          </p:blipFill>
+          <p:spPr bwMode="auto">
+            <a:xfrm rot="166472">
+              <a:off x="2287635" y="3497518"/>
+              <a:ext cx="432000" cy="432000"/>
+            </a:xfrm>
+            <a:prstGeom prst="rect">
+              <a:avLst/>
+            </a:prstGeom>
+            <a:noFill/>
+            <a:extLst>
+              <a:ext uri="{909E8E84-426E-40DD-AFC4-6F175D3DCCD1}">
+                <a14:hiddenFill xmlns:a14="http://schemas.microsoft.com/office/drawing/2010/main">
+                  <a:solidFill>
+                    <a:srgbClr val="FFFFFF"/>
+                  </a:solidFill>
+                </a14:hiddenFill>
+              </a:ext>
+            </a:extLst>
+          </p:spPr>
+        </p:pic>
+        <p:pic>
+          <p:nvPicPr>
+            <p:cNvPr id="82" name="Picture 8" descr="F:\Data\Logo\LogoData-cleaned2\brandROIs\bmw\BMW_img000322_2.jpg"/>
+            <p:cNvPicPr>
+              <a:picLocks noChangeArrowheads="1"/>
+            </p:cNvPicPr>
+            <p:nvPr/>
+          </p:nvPicPr>
+          <p:blipFill>
+            <a:blip r:embed="rId5" cstate="print">
+              <a:extLst>
+                <a:ext uri="{28A0092B-C50C-407E-A947-70E740481C1C}">
+                  <a14:useLocalDpi xmlns:a14="http://schemas.microsoft.com/office/drawing/2010/main" val="0"/>
+                </a:ext>
+              </a:extLst>
+            </a:blip>
+            <a:srcRect/>
+            <a:stretch>
+              <a:fillRect/>
+            </a:stretch>
+          </p:blipFill>
+          <p:spPr bwMode="auto">
+            <a:xfrm>
+              <a:off x="1794618" y="3487941"/>
+              <a:ext cx="432000" cy="432000"/>
+            </a:xfrm>
+            <a:prstGeom prst="rect">
+              <a:avLst/>
+            </a:prstGeom>
+            <a:noFill/>
+            <a:extLst>
+              <a:ext uri="{909E8E84-426E-40DD-AFC4-6F175D3DCCD1}">
+                <a14:hiddenFill xmlns:a14="http://schemas.microsoft.com/office/drawing/2010/main">
+                  <a:solidFill>
+                    <a:srgbClr val="FFFFFF"/>
+                  </a:solidFill>
+                </a14:hiddenFill>
+              </a:ext>
+            </a:extLst>
+          </p:spPr>
+        </p:pic>
+      </p:grpSp>
+    </p:spTree>
+    <p:extLst>
+      <p:ext uri="{BB962C8B-B14F-4D97-AF65-F5344CB8AC3E}">
+        <p14:creationId xmlns:p14="http://schemas.microsoft.com/office/powerpoint/2010/main" val="3620756542"/>
+      </p:ext>
+    </p:extLst>
+  </p:cSld>
+  <p:clrMapOvr>
+    <a:masterClrMapping/>
+  </p:clrMapOvr>
+</p:sld>
+</file>
+
+<file path=ppt/slides/slide3.xml><?xml version="1.0" encoding="utf-8"?>
 <p:sld xmlns:a="http://schemas.openxmlformats.org/drawingml/2006/main" xmlns:r="http://schemas.openxmlformats.org/officeDocument/2006/relationships" xmlns:p="http://schemas.openxmlformats.org/presentationml/2006/main">
   <p:cSld>
     <p:spTree>
